--- a/poster.pptx
+++ b/poster.pptx
@@ -3015,990 +3015,6 @@
           </a:p>
         </p:txBody>
       </p:sp>
-      <p:grpSp>
-        <p:nvGrpSpPr>
-          <p:cNvPr id="103" name="Group 102">
-            <a:extLst>
-              <a:ext uri="{FF2B5EF4-FFF2-40B4-BE49-F238E27FC236}">
-                <a16:creationId xmlns:a16="http://schemas.microsoft.com/office/drawing/2014/main" id="{4AEC8C75-0BA0-4306-BB72-3A0D1B244E34}"/>
-              </a:ext>
-            </a:extLst>
-          </p:cNvPr>
-          <p:cNvGrpSpPr/>
-          <p:nvPr/>
-        </p:nvGrpSpPr>
-        <p:grpSpPr>
-          <a:xfrm>
-            <a:off x="528196" y="4390507"/>
-            <a:ext cx="11881842" cy="9076111"/>
-            <a:chOff x="528196" y="4390507"/>
-            <a:chExt cx="11755586" cy="15129249"/>
-          </a:xfrm>
-        </p:grpSpPr>
-        <p:sp>
-          <p:nvSpPr>
-            <p:cNvPr id="40" name="Rectangle 39">
-              <a:extLst>
-                <a:ext uri="{FF2B5EF4-FFF2-40B4-BE49-F238E27FC236}">
-                  <a16:creationId xmlns:a16="http://schemas.microsoft.com/office/drawing/2014/main" id="{AF3B537F-3FC3-4543-A7D0-54E8AB6F8714}"/>
-                </a:ext>
-              </a:extLst>
-            </p:cNvPr>
-            <p:cNvSpPr/>
-            <p:nvPr/>
-          </p:nvSpPr>
-          <p:spPr>
-            <a:xfrm>
-              <a:off x="528196" y="4405745"/>
-              <a:ext cx="3671458" cy="1909335"/>
-            </a:xfrm>
-            <a:prstGeom prst="rect">
-              <a:avLst/>
-            </a:prstGeom>
-            <a:ln w="76200">
-              <a:solidFill>
-                <a:schemeClr val="tx2"/>
-              </a:solidFill>
-            </a:ln>
-          </p:spPr>
-          <p:style>
-            <a:lnRef idx="2">
-              <a:schemeClr val="accent6"/>
-            </a:lnRef>
-            <a:fillRef idx="1">
-              <a:schemeClr val="lt1"/>
-            </a:fillRef>
-            <a:effectRef idx="0">
-              <a:schemeClr val="accent6"/>
-            </a:effectRef>
-            <a:fontRef idx="minor">
-              <a:schemeClr val="dk1"/>
-            </a:fontRef>
-          </p:style>
-          <p:txBody>
-            <a:bodyPr rtlCol="0" anchor="ctr"/>
-            <a:lstStyle/>
-            <a:p>
-              <a:pPr algn="ctr"/>
-              <a:r>
-                <a:rPr lang="en-US" sz="4800" dirty="0"/>
-                <a:t>Server</a:t>
-              </a:r>
-            </a:p>
-          </p:txBody>
-        </p:sp>
-        <p:sp>
-          <p:nvSpPr>
-            <p:cNvPr id="48" name="Oval 47">
-              <a:extLst>
-                <a:ext uri="{FF2B5EF4-FFF2-40B4-BE49-F238E27FC236}">
-                  <a16:creationId xmlns:a16="http://schemas.microsoft.com/office/drawing/2014/main" id="{0B02312A-7A46-4718-9E10-A85E82D8296A}"/>
-                </a:ext>
-              </a:extLst>
-            </p:cNvPr>
-            <p:cNvSpPr/>
-            <p:nvPr/>
-          </p:nvSpPr>
-          <p:spPr>
-            <a:xfrm>
-              <a:off x="5046517" y="4390507"/>
-              <a:ext cx="3408219" cy="1909335"/>
-            </a:xfrm>
-            <a:prstGeom prst="ellipse">
-              <a:avLst/>
-            </a:prstGeom>
-            <a:ln w="76200">
-              <a:solidFill>
-                <a:schemeClr val="tx2">
-                  <a:lumMod val="60000"/>
-                  <a:lumOff val="40000"/>
-                </a:schemeClr>
-              </a:solidFill>
-            </a:ln>
-          </p:spPr>
-          <p:style>
-            <a:lnRef idx="2">
-              <a:schemeClr val="accent6"/>
-            </a:lnRef>
-            <a:fillRef idx="1">
-              <a:schemeClr val="lt1"/>
-            </a:fillRef>
-            <a:effectRef idx="0">
-              <a:schemeClr val="accent6"/>
-            </a:effectRef>
-            <a:fontRef idx="minor">
-              <a:schemeClr val="dk1"/>
-            </a:fontRef>
-          </p:style>
-          <p:txBody>
-            <a:bodyPr rtlCol="0" anchor="ctr"/>
-            <a:lstStyle/>
-            <a:p>
-              <a:pPr algn="ctr"/>
-              <a:r>
-                <a:rPr lang="en-US" sz="4800" dirty="0"/>
-                <a:t>Thread</a:t>
-              </a:r>
-            </a:p>
-          </p:txBody>
-        </p:sp>
-        <p:sp>
-          <p:nvSpPr>
-            <p:cNvPr id="52" name="Rectangle: Rounded Corners 51">
-              <a:extLst>
-                <a:ext uri="{FF2B5EF4-FFF2-40B4-BE49-F238E27FC236}">
-                  <a16:creationId xmlns:a16="http://schemas.microsoft.com/office/drawing/2014/main" id="{E3EAC3F2-D472-4365-8976-D793BA1DC5B2}"/>
-                </a:ext>
-              </a:extLst>
-            </p:cNvPr>
-            <p:cNvSpPr/>
-            <p:nvPr/>
-          </p:nvSpPr>
-          <p:spPr>
-            <a:xfrm>
-              <a:off x="4735651" y="8900753"/>
-              <a:ext cx="3692239" cy="1925781"/>
-            </a:xfrm>
-            <a:prstGeom prst="roundRect">
-              <a:avLst/>
-            </a:prstGeom>
-            <a:ln w="76200">
-              <a:solidFill>
-                <a:schemeClr val="accent4">
-                  <a:lumMod val="75000"/>
-                </a:schemeClr>
-              </a:solidFill>
-            </a:ln>
-          </p:spPr>
-          <p:style>
-            <a:lnRef idx="2">
-              <a:schemeClr val="accent6"/>
-            </a:lnRef>
-            <a:fillRef idx="1">
-              <a:schemeClr val="lt1"/>
-            </a:fillRef>
-            <a:effectRef idx="0">
-              <a:schemeClr val="accent6"/>
-            </a:effectRef>
-            <a:fontRef idx="minor">
-              <a:schemeClr val="dk1"/>
-            </a:fontRef>
-          </p:style>
-          <p:txBody>
-            <a:bodyPr rtlCol="0" anchor="ctr"/>
-            <a:lstStyle/>
-            <a:p>
-              <a:pPr algn="ctr"/>
-              <a:r>
-                <a:rPr lang="en-US" sz="4800" dirty="0"/>
-                <a:t>Game Data</a:t>
-              </a:r>
-            </a:p>
-          </p:txBody>
-        </p:sp>
-        <p:cxnSp>
-          <p:nvCxnSpPr>
-            <p:cNvPr id="54" name="Straight Arrow Connector 53">
-              <a:extLst>
-                <a:ext uri="{FF2B5EF4-FFF2-40B4-BE49-F238E27FC236}">
-                  <a16:creationId xmlns:a16="http://schemas.microsoft.com/office/drawing/2014/main" id="{46D96C07-7285-4B70-A002-D4D3582A1992}"/>
-                </a:ext>
-              </a:extLst>
-            </p:cNvPr>
-            <p:cNvCxnSpPr>
-              <a:stCxn id="48" idx="2"/>
-              <a:endCxn id="40" idx="3"/>
-            </p:cNvCxnSpPr>
-            <p:nvPr/>
-          </p:nvCxnSpPr>
-          <p:spPr>
-            <a:xfrm flipH="1">
-              <a:off x="4199654" y="5345175"/>
-              <a:ext cx="846863" cy="15238"/>
-            </a:xfrm>
-            <a:prstGeom prst="straightConnector1">
-              <a:avLst/>
-            </a:prstGeom>
-            <a:ln w="76200">
-              <a:prstDash val="sysDash"/>
-              <a:headEnd type="none" w="med" len="med"/>
-              <a:tailEnd type="none" w="med" len="med"/>
-            </a:ln>
-          </p:spPr>
-          <p:style>
-            <a:lnRef idx="1">
-              <a:schemeClr val="accent1"/>
-            </a:lnRef>
-            <a:fillRef idx="0">
-              <a:schemeClr val="accent1"/>
-            </a:fillRef>
-            <a:effectRef idx="0">
-              <a:schemeClr val="accent1"/>
-            </a:effectRef>
-            <a:fontRef idx="minor">
-              <a:schemeClr val="tx1"/>
-            </a:fontRef>
-          </p:style>
-        </p:cxnSp>
-        <p:cxnSp>
-          <p:nvCxnSpPr>
-            <p:cNvPr id="63" name="Straight Arrow Connector 62">
-              <a:extLst>
-                <a:ext uri="{FF2B5EF4-FFF2-40B4-BE49-F238E27FC236}">
-                  <a16:creationId xmlns:a16="http://schemas.microsoft.com/office/drawing/2014/main" id="{D35F1EEA-AA6B-4DF3-904E-CFDB5EB1F9A2}"/>
-                </a:ext>
-              </a:extLst>
-            </p:cNvPr>
-            <p:cNvCxnSpPr>
-              <a:cxnSpLocks/>
-            </p:cNvCxnSpPr>
-            <p:nvPr/>
-          </p:nvCxnSpPr>
-          <p:spPr>
-            <a:xfrm>
-              <a:off x="6293425" y="6315080"/>
-              <a:ext cx="0" cy="2585673"/>
-            </a:xfrm>
-            <a:prstGeom prst="straightConnector1">
-              <a:avLst/>
-            </a:prstGeom>
-            <a:ln w="76200">
-              <a:headEnd type="none" w="med" len="med"/>
-              <a:tailEnd type="arrow" w="med" len="med"/>
-            </a:ln>
-          </p:spPr>
-          <p:style>
-            <a:lnRef idx="1">
-              <a:schemeClr val="accent2"/>
-            </a:lnRef>
-            <a:fillRef idx="0">
-              <a:schemeClr val="accent2"/>
-            </a:fillRef>
-            <a:effectRef idx="0">
-              <a:schemeClr val="accent2"/>
-            </a:effectRef>
-            <a:fontRef idx="minor">
-              <a:schemeClr val="tx1"/>
-            </a:fontRef>
-          </p:style>
-        </p:cxnSp>
-        <p:cxnSp>
-          <p:nvCxnSpPr>
-            <p:cNvPr id="65" name="Straight Arrow Connector 64">
-              <a:extLst>
-                <a:ext uri="{FF2B5EF4-FFF2-40B4-BE49-F238E27FC236}">
-                  <a16:creationId xmlns:a16="http://schemas.microsoft.com/office/drawing/2014/main" id="{50329EA0-451F-4AA5-9B54-70252AE10583}"/>
-                </a:ext>
-              </a:extLst>
-            </p:cNvPr>
-            <p:cNvCxnSpPr>
-              <a:cxnSpLocks/>
-            </p:cNvCxnSpPr>
-            <p:nvPr/>
-          </p:nvCxnSpPr>
-          <p:spPr>
-            <a:xfrm flipV="1">
-              <a:off x="6993074" y="6299843"/>
-              <a:ext cx="0" cy="2600910"/>
-            </a:xfrm>
-            <a:prstGeom prst="straightConnector1">
-              <a:avLst/>
-            </a:prstGeom>
-            <a:ln w="76200">
-              <a:headEnd type="none" w="med" len="med"/>
-              <a:tailEnd type="arrow" w="med" len="med"/>
-            </a:ln>
-          </p:spPr>
-          <p:style>
-            <a:lnRef idx="1">
-              <a:schemeClr val="accent1"/>
-            </a:lnRef>
-            <a:fillRef idx="0">
-              <a:schemeClr val="accent1"/>
-            </a:fillRef>
-            <a:effectRef idx="0">
-              <a:schemeClr val="accent1"/>
-            </a:effectRef>
-            <a:fontRef idx="minor">
-              <a:schemeClr val="tx1"/>
-            </a:fontRef>
-          </p:style>
-        </p:cxnSp>
-        <p:grpSp>
-          <p:nvGrpSpPr>
-            <p:cNvPr id="102" name="Group 101">
-              <a:extLst>
-                <a:ext uri="{FF2B5EF4-FFF2-40B4-BE49-F238E27FC236}">
-                  <a16:creationId xmlns:a16="http://schemas.microsoft.com/office/drawing/2014/main" id="{8F32B845-8391-46CA-B415-36479644CBF2}"/>
-                </a:ext>
-              </a:extLst>
-            </p:cNvPr>
-            <p:cNvGrpSpPr/>
-            <p:nvPr/>
-          </p:nvGrpSpPr>
-          <p:grpSpPr>
-            <a:xfrm>
-              <a:off x="879757" y="10826534"/>
-              <a:ext cx="11404025" cy="8693222"/>
-              <a:chOff x="836467" y="12002428"/>
-              <a:chExt cx="11404025" cy="8693222"/>
-            </a:xfrm>
-          </p:grpSpPr>
-          <p:sp>
-            <p:nvSpPr>
-              <p:cNvPr id="51" name="Oval 50">
-                <a:extLst>
-                  <a:ext uri="{FF2B5EF4-FFF2-40B4-BE49-F238E27FC236}">
-                    <a16:creationId xmlns:a16="http://schemas.microsoft.com/office/drawing/2014/main" id="{C8D50962-9F66-470B-B4C5-C21046017637}"/>
-                  </a:ext>
-                </a:extLst>
-              </p:cNvPr>
-              <p:cNvSpPr/>
-              <p:nvPr/>
-            </p:nvSpPr>
-            <p:spPr>
-              <a:xfrm>
-                <a:off x="836467" y="15348244"/>
-                <a:ext cx="3408219" cy="2161309"/>
-              </a:xfrm>
-              <a:prstGeom prst="ellipse">
-                <a:avLst/>
-              </a:prstGeom>
-              <a:ln w="76200"/>
-            </p:spPr>
-            <p:style>
-              <a:lnRef idx="2">
-                <a:schemeClr val="accent6"/>
-              </a:lnRef>
-              <a:fillRef idx="1">
-                <a:schemeClr val="lt1"/>
-              </a:fillRef>
-              <a:effectRef idx="0">
-                <a:schemeClr val="accent6"/>
-              </a:effectRef>
-              <a:fontRef idx="minor">
-                <a:schemeClr val="dk1"/>
-              </a:fontRef>
-            </p:style>
-            <p:txBody>
-              <a:bodyPr rtlCol="0" anchor="ctr"/>
-              <a:lstStyle/>
-              <a:p>
-                <a:pPr algn="ctr"/>
-                <a:r>
-                  <a:rPr lang="en-US" sz="4800" dirty="0"/>
-                  <a:t>Thread 1</a:t>
-                </a:r>
-              </a:p>
-            </p:txBody>
-          </p:sp>
-          <p:grpSp>
-            <p:nvGrpSpPr>
-              <p:cNvPr id="101" name="Group 100">
-                <a:extLst>
-                  <a:ext uri="{FF2B5EF4-FFF2-40B4-BE49-F238E27FC236}">
-                    <a16:creationId xmlns:a16="http://schemas.microsoft.com/office/drawing/2014/main" id="{2C0A59E7-30C1-4B40-AAD2-D0A9777C31EF}"/>
-                  </a:ext>
-                </a:extLst>
-              </p:cNvPr>
-              <p:cNvGrpSpPr/>
-              <p:nvPr/>
-            </p:nvGrpSpPr>
-            <p:grpSpPr>
-              <a:xfrm>
-                <a:off x="2032281" y="12002428"/>
-                <a:ext cx="10208211" cy="8693222"/>
-                <a:chOff x="2032281" y="12002428"/>
-                <a:chExt cx="10208211" cy="8693222"/>
-              </a:xfrm>
-            </p:grpSpPr>
-            <p:sp>
-              <p:nvSpPr>
-                <p:cNvPr id="43" name="Rectangle 42">
-                  <a:extLst>
-                    <a:ext uri="{FF2B5EF4-FFF2-40B4-BE49-F238E27FC236}">
-                      <a16:creationId xmlns:a16="http://schemas.microsoft.com/office/drawing/2014/main" id="{79EE5C17-4CEF-42A3-B20D-A44CD071C408}"/>
-                    </a:ext>
-                  </a:extLst>
-                </p:cNvPr>
-                <p:cNvSpPr/>
-                <p:nvPr/>
-              </p:nvSpPr>
-              <p:spPr>
-                <a:xfrm>
-                  <a:off x="4904508" y="19157795"/>
-                  <a:ext cx="3408219" cy="1537855"/>
-                </a:xfrm>
-                <a:prstGeom prst="rect">
-                  <a:avLst/>
-                </a:prstGeom>
-                <a:ln w="76200">
-                  <a:solidFill>
-                    <a:schemeClr val="accent6">
-                      <a:lumMod val="50000"/>
-                    </a:schemeClr>
-                  </a:solidFill>
-                </a:ln>
-              </p:spPr>
-              <p:style>
-                <a:lnRef idx="2">
-                  <a:schemeClr val="accent6"/>
-                </a:lnRef>
-                <a:fillRef idx="1">
-                  <a:schemeClr val="lt1"/>
-                </a:fillRef>
-                <a:effectRef idx="0">
-                  <a:schemeClr val="accent6"/>
-                </a:effectRef>
-                <a:fontRef idx="minor">
-                  <a:schemeClr val="dk1"/>
-                </a:fontRef>
-              </p:style>
-              <p:txBody>
-                <a:bodyPr rtlCol="0" anchor="ctr"/>
-                <a:lstStyle/>
-                <a:p>
-                  <a:pPr algn="ctr"/>
-                  <a:r>
-                    <a:rPr lang="en-US" sz="4800" dirty="0"/>
-                    <a:t>Client</a:t>
-                  </a:r>
-                </a:p>
-              </p:txBody>
-            </p:sp>
-            <p:sp>
-              <p:nvSpPr>
-                <p:cNvPr id="49" name="Oval 48">
-                  <a:extLst>
-                    <a:ext uri="{FF2B5EF4-FFF2-40B4-BE49-F238E27FC236}">
-                      <a16:creationId xmlns:a16="http://schemas.microsoft.com/office/drawing/2014/main" id="{6D15AD10-95E9-4ECA-A313-808AE76DAE9D}"/>
-                    </a:ext>
-                  </a:extLst>
-                </p:cNvPr>
-                <p:cNvSpPr/>
-                <p:nvPr/>
-              </p:nvSpPr>
-              <p:spPr>
-                <a:xfrm>
-                  <a:off x="8832273" y="15325718"/>
-                  <a:ext cx="3408219" cy="2161309"/>
-                </a:xfrm>
-                <a:prstGeom prst="ellipse">
-                  <a:avLst/>
-                </a:prstGeom>
-                <a:ln w="76200"/>
-              </p:spPr>
-              <p:style>
-                <a:lnRef idx="2">
-                  <a:schemeClr val="accent6"/>
-                </a:lnRef>
-                <a:fillRef idx="1">
-                  <a:schemeClr val="lt1"/>
-                </a:fillRef>
-                <a:effectRef idx="0">
-                  <a:schemeClr val="accent6"/>
-                </a:effectRef>
-                <a:fontRef idx="minor">
-                  <a:schemeClr val="dk1"/>
-                </a:fontRef>
-              </p:style>
-              <p:txBody>
-                <a:bodyPr rtlCol="0" anchor="ctr"/>
-                <a:lstStyle/>
-                <a:p>
-                  <a:pPr algn="ctr"/>
-                  <a:r>
-                    <a:rPr lang="en-US" sz="4800" dirty="0"/>
-                    <a:t>Thread 3</a:t>
-                  </a:r>
-                </a:p>
-              </p:txBody>
-            </p:sp>
-            <p:sp>
-              <p:nvSpPr>
-                <p:cNvPr id="50" name="Oval 49">
-                  <a:extLst>
-                    <a:ext uri="{FF2B5EF4-FFF2-40B4-BE49-F238E27FC236}">
-                      <a16:creationId xmlns:a16="http://schemas.microsoft.com/office/drawing/2014/main" id="{1EEF9185-40FE-4B4C-A183-6B38860FB207}"/>
-                    </a:ext>
-                  </a:extLst>
-                </p:cNvPr>
-                <p:cNvSpPr/>
-                <p:nvPr/>
-              </p:nvSpPr>
-              <p:spPr>
-                <a:xfrm>
-                  <a:off x="4904508" y="15325719"/>
-                  <a:ext cx="3408219" cy="2161309"/>
-                </a:xfrm>
-                <a:prstGeom prst="ellipse">
-                  <a:avLst/>
-                </a:prstGeom>
-                <a:ln w="76200"/>
-              </p:spPr>
-              <p:style>
-                <a:lnRef idx="2">
-                  <a:schemeClr val="accent6"/>
-                </a:lnRef>
-                <a:fillRef idx="1">
-                  <a:schemeClr val="lt1"/>
-                </a:fillRef>
-                <a:effectRef idx="0">
-                  <a:schemeClr val="accent6"/>
-                </a:effectRef>
-                <a:fontRef idx="minor">
-                  <a:schemeClr val="dk1"/>
-                </a:fontRef>
-              </p:style>
-              <p:txBody>
-                <a:bodyPr rtlCol="0" anchor="ctr"/>
-                <a:lstStyle/>
-                <a:p>
-                  <a:pPr algn="ctr"/>
-                  <a:r>
-                    <a:rPr lang="en-US" sz="4800" dirty="0"/>
-                    <a:t>Thread 2</a:t>
-                  </a:r>
-                </a:p>
-              </p:txBody>
-            </p:sp>
-            <p:cxnSp>
-              <p:nvCxnSpPr>
-                <p:cNvPr id="55" name="Straight Arrow Connector 54">
-                  <a:extLst>
-                    <a:ext uri="{FF2B5EF4-FFF2-40B4-BE49-F238E27FC236}">
-                      <a16:creationId xmlns:a16="http://schemas.microsoft.com/office/drawing/2014/main" id="{3A2F0D14-DA0D-4142-A2CF-5A80B1DEDBDF}"/>
-                    </a:ext>
-                  </a:extLst>
-                </p:cNvPr>
-                <p:cNvCxnSpPr>
-                  <a:cxnSpLocks/>
-                  <a:endCxn id="51" idx="4"/>
-                </p:cNvCxnSpPr>
-                <p:nvPr/>
-              </p:nvCxnSpPr>
-              <p:spPr>
-                <a:xfrm flipH="1" flipV="1">
-                  <a:off x="2540577" y="17509553"/>
-                  <a:ext cx="2223655" cy="1648242"/>
-                </a:xfrm>
-                <a:prstGeom prst="straightConnector1">
-                  <a:avLst/>
-                </a:prstGeom>
-                <a:ln w="76200">
-                  <a:prstDash val="sysDash"/>
-                  <a:headEnd type="none" w="med" len="med"/>
-                  <a:tailEnd type="none" w="med" len="med"/>
-                </a:ln>
-              </p:spPr>
-              <p:style>
-                <a:lnRef idx="1">
-                  <a:schemeClr val="accent1"/>
-                </a:lnRef>
-                <a:fillRef idx="0">
-                  <a:schemeClr val="accent1"/>
-                </a:fillRef>
-                <a:effectRef idx="0">
-                  <a:schemeClr val="accent1"/>
-                </a:effectRef>
-                <a:fontRef idx="minor">
-                  <a:schemeClr val="tx1"/>
-                </a:fontRef>
-              </p:style>
-            </p:cxnSp>
-            <p:cxnSp>
-              <p:nvCxnSpPr>
-                <p:cNvPr id="58" name="Straight Arrow Connector 57">
-                  <a:extLst>
-                    <a:ext uri="{FF2B5EF4-FFF2-40B4-BE49-F238E27FC236}">
-                      <a16:creationId xmlns:a16="http://schemas.microsoft.com/office/drawing/2014/main" id="{C9986D6A-B6E4-4394-82B9-D0986C678B98}"/>
-                    </a:ext>
-                  </a:extLst>
-                </p:cNvPr>
-                <p:cNvCxnSpPr>
-                  <a:cxnSpLocks/>
-                </p:cNvCxnSpPr>
-                <p:nvPr/>
-              </p:nvCxnSpPr>
-              <p:spPr>
-                <a:xfrm flipV="1">
-                  <a:off x="6648447" y="17487027"/>
-                  <a:ext cx="1" cy="1670767"/>
-                </a:xfrm>
-                <a:prstGeom prst="straightConnector1">
-                  <a:avLst/>
-                </a:prstGeom>
-                <a:ln w="76200">
-                  <a:prstDash val="sysDash"/>
-                  <a:headEnd type="none" w="med" len="med"/>
-                  <a:tailEnd type="none" w="med" len="med"/>
-                </a:ln>
-              </p:spPr>
-              <p:style>
-                <a:lnRef idx="1">
-                  <a:schemeClr val="accent1"/>
-                </a:lnRef>
-                <a:fillRef idx="0">
-                  <a:schemeClr val="accent1"/>
-                </a:fillRef>
-                <a:effectRef idx="0">
-                  <a:schemeClr val="accent1"/>
-                </a:effectRef>
-                <a:fontRef idx="minor">
-                  <a:schemeClr val="tx1"/>
-                </a:fontRef>
-              </p:style>
-            </p:cxnSp>
-            <p:cxnSp>
-              <p:nvCxnSpPr>
-                <p:cNvPr id="60" name="Straight Arrow Connector 59">
-                  <a:extLst>
-                    <a:ext uri="{FF2B5EF4-FFF2-40B4-BE49-F238E27FC236}">
-                      <a16:creationId xmlns:a16="http://schemas.microsoft.com/office/drawing/2014/main" id="{D7164039-6EAD-4F4C-8289-63B33BD22481}"/>
-                    </a:ext>
-                  </a:extLst>
-                </p:cNvPr>
-                <p:cNvCxnSpPr>
-                  <a:cxnSpLocks/>
-                </p:cNvCxnSpPr>
-                <p:nvPr/>
-              </p:nvCxnSpPr>
-              <p:spPr>
-                <a:xfrm flipV="1">
-                  <a:off x="8312727" y="17498289"/>
-                  <a:ext cx="2223656" cy="1659505"/>
-                </a:xfrm>
-                <a:prstGeom prst="straightConnector1">
-                  <a:avLst/>
-                </a:prstGeom>
-                <a:ln w="76200">
-                  <a:prstDash val="sysDash"/>
-                  <a:headEnd type="none" w="med" len="med"/>
-                  <a:tailEnd type="none" w="med" len="med"/>
-                </a:ln>
-              </p:spPr>
-              <p:style>
-                <a:lnRef idx="1">
-                  <a:schemeClr val="accent1"/>
-                </a:lnRef>
-                <a:fillRef idx="0">
-                  <a:schemeClr val="accent1"/>
-                </a:fillRef>
-                <a:effectRef idx="0">
-                  <a:schemeClr val="accent1"/>
-                </a:effectRef>
-                <a:fontRef idx="minor">
-                  <a:schemeClr val="tx1"/>
-                </a:fontRef>
-              </p:style>
-            </p:cxnSp>
-            <p:cxnSp>
-              <p:nvCxnSpPr>
-                <p:cNvPr id="68" name="Straight Connector 67">
-                  <a:extLst>
-                    <a:ext uri="{FF2B5EF4-FFF2-40B4-BE49-F238E27FC236}">
-                      <a16:creationId xmlns:a16="http://schemas.microsoft.com/office/drawing/2014/main" id="{DF134DD8-AB4D-432A-B7EC-7E2BC3072551}"/>
-                    </a:ext>
-                  </a:extLst>
-                </p:cNvPr>
-                <p:cNvCxnSpPr>
-                  <a:cxnSpLocks/>
-                </p:cNvCxnSpPr>
-                <p:nvPr/>
-              </p:nvCxnSpPr>
-              <p:spPr>
-                <a:xfrm flipH="1">
-                  <a:off x="2032281" y="12002428"/>
-                  <a:ext cx="2703370" cy="3395147"/>
-                </a:xfrm>
-                <a:prstGeom prst="line">
-                  <a:avLst/>
-                </a:prstGeom>
-                <a:ln w="76200">
-                  <a:headEnd type="none" w="med" len="med"/>
-                  <a:tailEnd type="arrow" w="med" len="med"/>
-                </a:ln>
-              </p:spPr>
-              <p:style>
-                <a:lnRef idx="1">
-                  <a:schemeClr val="accent1"/>
-                </a:lnRef>
-                <a:fillRef idx="0">
-                  <a:schemeClr val="accent1"/>
-                </a:fillRef>
-                <a:effectRef idx="0">
-                  <a:schemeClr val="accent1"/>
-                </a:effectRef>
-                <a:fontRef idx="minor">
-                  <a:schemeClr val="tx1"/>
-                </a:fontRef>
-              </p:style>
-            </p:cxnSp>
-            <p:cxnSp>
-              <p:nvCxnSpPr>
-                <p:cNvPr id="70" name="Straight Arrow Connector 69">
-                  <a:extLst>
-                    <a:ext uri="{FF2B5EF4-FFF2-40B4-BE49-F238E27FC236}">
-                      <a16:creationId xmlns:a16="http://schemas.microsoft.com/office/drawing/2014/main" id="{CD2639B5-1068-451B-A907-67A5BF12A1D0}"/>
-                    </a:ext>
-                  </a:extLst>
-                </p:cNvPr>
-                <p:cNvCxnSpPr/>
-                <p:nvPr/>
-              </p:nvCxnSpPr>
-              <p:spPr>
-                <a:xfrm>
-                  <a:off x="6293425" y="12176168"/>
-                  <a:ext cx="0" cy="3221407"/>
-                </a:xfrm>
-                <a:prstGeom prst="straightConnector1">
-                  <a:avLst/>
-                </a:prstGeom>
-                <a:ln w="76200">
-                  <a:headEnd type="none" w="med" len="med"/>
-                  <a:tailEnd type="arrow" w="med" len="med"/>
-                </a:ln>
-              </p:spPr>
-              <p:style>
-                <a:lnRef idx="1">
-                  <a:schemeClr val="accent1"/>
-                </a:lnRef>
-                <a:fillRef idx="0">
-                  <a:schemeClr val="accent1"/>
-                </a:fillRef>
-                <a:effectRef idx="0">
-                  <a:schemeClr val="accent1"/>
-                </a:effectRef>
-                <a:fontRef idx="minor">
-                  <a:schemeClr val="tx1"/>
-                </a:fontRef>
-              </p:style>
-            </p:cxnSp>
-            <p:cxnSp>
-              <p:nvCxnSpPr>
-                <p:cNvPr id="72" name="Straight Arrow Connector 71">
-                  <a:extLst>
-                    <a:ext uri="{FF2B5EF4-FFF2-40B4-BE49-F238E27FC236}">
-                      <a16:creationId xmlns:a16="http://schemas.microsoft.com/office/drawing/2014/main" id="{7425CD5D-A5E0-484D-A56B-CE9A830BFBA2}"/>
-                    </a:ext>
-                  </a:extLst>
-                </p:cNvPr>
-                <p:cNvCxnSpPr>
-                  <a:cxnSpLocks/>
-                </p:cNvCxnSpPr>
-                <p:nvPr/>
-              </p:nvCxnSpPr>
-              <p:spPr>
-                <a:xfrm>
-                  <a:off x="7874572" y="12238969"/>
-                  <a:ext cx="2284273" cy="3158606"/>
-                </a:xfrm>
-                <a:prstGeom prst="straightConnector1">
-                  <a:avLst/>
-                </a:prstGeom>
-                <a:ln w="76200">
-                  <a:headEnd type="none" w="med" len="med"/>
-                  <a:tailEnd type="arrow" w="med" len="med"/>
-                </a:ln>
-              </p:spPr>
-              <p:style>
-                <a:lnRef idx="1">
-                  <a:schemeClr val="accent1"/>
-                </a:lnRef>
-                <a:fillRef idx="0">
-                  <a:schemeClr val="accent1"/>
-                </a:fillRef>
-                <a:effectRef idx="0">
-                  <a:schemeClr val="accent1"/>
-                </a:effectRef>
-                <a:fontRef idx="minor">
-                  <a:schemeClr val="tx1"/>
-                </a:fontRef>
-              </p:style>
-            </p:cxnSp>
-            <p:cxnSp>
-              <p:nvCxnSpPr>
-                <p:cNvPr id="74" name="Straight Arrow Connector 73">
-                  <a:extLst>
-                    <a:ext uri="{FF2B5EF4-FFF2-40B4-BE49-F238E27FC236}">
-                      <a16:creationId xmlns:a16="http://schemas.microsoft.com/office/drawing/2014/main" id="{77C57E8F-F377-4626-9DE0-83A4ACB23BE0}"/>
-                    </a:ext>
-                  </a:extLst>
-                </p:cNvPr>
-                <p:cNvCxnSpPr>
-                  <a:cxnSpLocks/>
-                </p:cNvCxnSpPr>
-                <p:nvPr/>
-              </p:nvCxnSpPr>
-              <p:spPr>
-                <a:xfrm flipH="1" flipV="1">
-                  <a:off x="8454736" y="12002428"/>
-                  <a:ext cx="2360460" cy="3300766"/>
-                </a:xfrm>
-                <a:prstGeom prst="straightConnector1">
-                  <a:avLst/>
-                </a:prstGeom>
-                <a:ln w="76200">
-                  <a:headEnd type="none" w="med" len="med"/>
-                  <a:tailEnd type="arrow" w="med" len="med"/>
-                </a:ln>
-              </p:spPr>
-              <p:style>
-                <a:lnRef idx="1">
-                  <a:schemeClr val="accent2"/>
-                </a:lnRef>
-                <a:fillRef idx="0">
-                  <a:schemeClr val="accent2"/>
-                </a:fillRef>
-                <a:effectRef idx="0">
-                  <a:schemeClr val="accent2"/>
-                </a:effectRef>
-                <a:fontRef idx="minor">
-                  <a:schemeClr val="tx1"/>
-                </a:fontRef>
-              </p:style>
-            </p:cxnSp>
-            <p:cxnSp>
-              <p:nvCxnSpPr>
-                <p:cNvPr id="76" name="Straight Arrow Connector 75">
-                  <a:extLst>
-                    <a:ext uri="{FF2B5EF4-FFF2-40B4-BE49-F238E27FC236}">
-                      <a16:creationId xmlns:a16="http://schemas.microsoft.com/office/drawing/2014/main" id="{83250D79-8FA1-427E-9A98-FCF1BA8DC8DC}"/>
-                    </a:ext>
-                  </a:extLst>
-                </p:cNvPr>
-                <p:cNvCxnSpPr>
-                  <a:cxnSpLocks/>
-                </p:cNvCxnSpPr>
-                <p:nvPr/>
-              </p:nvCxnSpPr>
-              <p:spPr>
-                <a:xfrm flipV="1">
-                  <a:off x="6953248" y="12112665"/>
-                  <a:ext cx="0" cy="3190529"/>
-                </a:xfrm>
-                <a:prstGeom prst="straightConnector1">
-                  <a:avLst/>
-                </a:prstGeom>
-                <a:ln w="76200">
-                  <a:headEnd type="none" w="med" len="med"/>
-                  <a:tailEnd type="arrow" w="med" len="med"/>
-                </a:ln>
-              </p:spPr>
-              <p:style>
-                <a:lnRef idx="1">
-                  <a:schemeClr val="accent2"/>
-                </a:lnRef>
-                <a:fillRef idx="0">
-                  <a:schemeClr val="accent2"/>
-                </a:fillRef>
-                <a:effectRef idx="0">
-                  <a:schemeClr val="accent2"/>
-                </a:effectRef>
-                <a:fontRef idx="minor">
-                  <a:schemeClr val="tx1"/>
-                </a:fontRef>
-              </p:style>
-            </p:cxnSp>
-            <p:cxnSp>
-              <p:nvCxnSpPr>
-                <p:cNvPr id="78" name="Straight Arrow Connector 77">
-                  <a:extLst>
-                    <a:ext uri="{FF2B5EF4-FFF2-40B4-BE49-F238E27FC236}">
-                      <a16:creationId xmlns:a16="http://schemas.microsoft.com/office/drawing/2014/main" id="{8FF0762B-963B-448C-9DEE-0F5A4A54CFF0}"/>
-                    </a:ext>
-                  </a:extLst>
-                </p:cNvPr>
-                <p:cNvCxnSpPr>
-                  <a:cxnSpLocks/>
-                </p:cNvCxnSpPr>
-                <p:nvPr/>
-              </p:nvCxnSpPr>
-              <p:spPr>
-                <a:xfrm flipV="1">
-                  <a:off x="2980462" y="12238970"/>
-                  <a:ext cx="2306777" cy="3109274"/>
-                </a:xfrm>
-                <a:prstGeom prst="straightConnector1">
-                  <a:avLst/>
-                </a:prstGeom>
-                <a:ln w="76200">
-                  <a:headEnd type="none" w="med" len="med"/>
-                  <a:tailEnd type="arrow" w="med" len="med"/>
-                </a:ln>
-              </p:spPr>
-              <p:style>
-                <a:lnRef idx="1">
-                  <a:schemeClr val="accent2"/>
-                </a:lnRef>
-                <a:fillRef idx="0">
-                  <a:schemeClr val="accent2"/>
-                </a:fillRef>
-                <a:effectRef idx="0">
-                  <a:schemeClr val="accent2"/>
-                </a:effectRef>
-                <a:fontRef idx="minor">
-                  <a:schemeClr val="tx1"/>
-                </a:fontRef>
-              </p:style>
-            </p:cxnSp>
-          </p:grpSp>
-        </p:grpSp>
-      </p:grpSp>
-      <p:sp>
-        <p:nvSpPr>
-          <p:cNvPr id="104" name="TextBox 103">
-            <a:extLst>
-              <a:ext uri="{FF2B5EF4-FFF2-40B4-BE49-F238E27FC236}">
-                <a16:creationId xmlns:a16="http://schemas.microsoft.com/office/drawing/2014/main" id="{694DFD49-5846-428F-AA3D-1BB00F13ED21}"/>
-              </a:ext>
-            </a:extLst>
-          </p:cNvPr>
-          <p:cNvSpPr txBox="1"/>
-          <p:nvPr/>
-        </p:nvSpPr>
-        <p:spPr>
-          <a:xfrm>
-            <a:off x="325055" y="13804279"/>
-            <a:ext cx="11881869" cy="7478970"/>
-          </a:xfrm>
-          <a:prstGeom prst="rect">
-            <a:avLst/>
-          </a:prstGeom>
-          <a:noFill/>
-        </p:spPr>
-        <p:txBody>
-          <a:bodyPr wrap="square" rtlCol="0">
-            <a:spAutoFit/>
-          </a:bodyPr>
-          <a:lstStyle/>
-          <a:p>
-            <a:r>
-              <a:rPr lang="en-US" sz="4800" dirty="0"/>
-              <a:t>The game follows classic server-client architecture where one server is able to handle multiple client request.</a:t>
-            </a:r>
-            <a:br>
-              <a:rPr lang="en-US" sz="4800" dirty="0"/>
-            </a:br>
-            <a:r>
-              <a:rPr lang="en-US" sz="4800" dirty="0"/>
-              <a:t>Each client connects to server’s IP and port, and gains access to the game data. This game data keeps track of all player’s location periodically broadcasts it to the clients. </a:t>
-            </a:r>
-            <a:br>
-              <a:rPr lang="en-US" sz="4800" dirty="0"/>
-            </a:br>
-            <a:r>
-              <a:rPr lang="en-US" sz="4800" dirty="0"/>
-              <a:t>A player sends update location message to the server, which is then sent to all other players to render it on their </a:t>
-            </a:r>
-            <a:r>
-              <a:rPr lang="en-US" sz="4800"/>
-              <a:t>own canvas.</a:t>
-            </a:r>
-            <a:endParaRPr lang="en-US" sz="4800" dirty="0"/>
-          </a:p>
-        </p:txBody>
-      </p:sp>
       <p:pic>
         <p:nvPicPr>
           <p:cNvPr id="106" name="Picture 105">
@@ -4268,8 +3284,8 @@
         </p:nvSpPr>
         <p:spPr>
           <a:xfrm>
-            <a:off x="16492237" y="4366274"/>
-            <a:ext cx="775199" cy="1844038"/>
+            <a:off x="16718430" y="4422997"/>
+            <a:ext cx="441932" cy="1844038"/>
           </a:xfrm>
           <a:prstGeom prst="upArrow">
             <a:avLst/>
@@ -4319,8 +3335,8 @@
         </p:nvSpPr>
         <p:spPr>
           <a:xfrm>
-            <a:off x="16698948" y="10390909"/>
-            <a:ext cx="1825692" cy="1020014"/>
+            <a:off x="16806125" y="10610849"/>
+            <a:ext cx="1825692" cy="800073"/>
           </a:xfrm>
           <a:prstGeom prst="upArrow">
             <a:avLst/>
@@ -4353,6 +3369,1974 @@
           <a:p>
             <a:pPr algn="ctr"/>
             <a:endParaRPr lang="en-US"/>
+          </a:p>
+        </p:txBody>
+      </p:sp>
+      <p:sp>
+        <p:nvSpPr>
+          <p:cNvPr id="37" name="Rectangle: Diagonal Corners Snipped 36">
+            <a:extLst>
+              <a:ext uri="{FF2B5EF4-FFF2-40B4-BE49-F238E27FC236}">
+                <a16:creationId xmlns:a16="http://schemas.microsoft.com/office/drawing/2014/main" id="{D30E6408-1027-4672-B94F-738AABBB7A90}"/>
+              </a:ext>
+            </a:extLst>
+          </p:cNvPr>
+          <p:cNvSpPr/>
+          <p:nvPr/>
+        </p:nvSpPr>
+        <p:spPr>
+          <a:xfrm>
+            <a:off x="5786437" y="5127046"/>
+            <a:ext cx="1847849" cy="764764"/>
+          </a:xfrm>
+          <a:prstGeom prst="snip2DiagRect">
+            <a:avLst/>
+          </a:prstGeom>
+          <a:solidFill>
+            <a:schemeClr val="accent6">
+              <a:lumMod val="60000"/>
+              <a:lumOff val="40000"/>
+            </a:schemeClr>
+          </a:solidFill>
+        </p:spPr>
+        <p:style>
+          <a:lnRef idx="2">
+            <a:schemeClr val="dk1"/>
+          </a:lnRef>
+          <a:fillRef idx="1">
+            <a:schemeClr val="lt1"/>
+          </a:fillRef>
+          <a:effectRef idx="0">
+            <a:schemeClr val="dk1"/>
+          </a:effectRef>
+          <a:fontRef idx="minor">
+            <a:schemeClr val="dk1"/>
+          </a:fontRef>
+        </p:style>
+        <p:txBody>
+          <a:bodyPr rot="0" spcFirstLastPara="0" vertOverflow="overflow" horzOverflow="overflow" vert="horz" wrap="square" lIns="91440" tIns="45720" rIns="91440" bIns="45720" numCol="1" spcCol="0" rtlCol="0" fromWordArt="0" anchor="ctr" anchorCtr="0" forceAA="0" compatLnSpc="1">
+            <a:prstTxWarp prst="textNoShape">
+              <a:avLst/>
+            </a:prstTxWarp>
+            <a:noAutofit/>
+          </a:bodyPr>
+          <a:lstStyle/>
+          <a:p>
+            <a:pPr algn="ctr"/>
+            <a:r>
+              <a:rPr lang="en-US" dirty="0"/>
+              <a:t>Message receiver</a:t>
+            </a:r>
+          </a:p>
+        </p:txBody>
+      </p:sp>
+      <p:sp>
+        <p:nvSpPr>
+          <p:cNvPr id="41" name="Rectangle: Diagonal Corners Snipped 40">
+            <a:extLst>
+              <a:ext uri="{FF2B5EF4-FFF2-40B4-BE49-F238E27FC236}">
+                <a16:creationId xmlns:a16="http://schemas.microsoft.com/office/drawing/2014/main" id="{CD32DE53-A5D9-4CF3-87AE-6EB43E06DD1D}"/>
+              </a:ext>
+            </a:extLst>
+          </p:cNvPr>
+          <p:cNvSpPr/>
+          <p:nvPr/>
+        </p:nvSpPr>
+        <p:spPr>
+          <a:xfrm>
+            <a:off x="9175803" y="6712143"/>
+            <a:ext cx="1847849" cy="764764"/>
+          </a:xfrm>
+          <a:prstGeom prst="snip2DiagRect">
+            <a:avLst/>
+          </a:prstGeom>
+          <a:solidFill>
+            <a:schemeClr val="accent6">
+              <a:lumMod val="60000"/>
+              <a:lumOff val="40000"/>
+            </a:schemeClr>
+          </a:solidFill>
+        </p:spPr>
+        <p:style>
+          <a:lnRef idx="2">
+            <a:schemeClr val="dk1"/>
+          </a:lnRef>
+          <a:fillRef idx="1">
+            <a:schemeClr val="lt1"/>
+          </a:fillRef>
+          <a:effectRef idx="0">
+            <a:schemeClr val="dk1"/>
+          </a:effectRef>
+          <a:fontRef idx="minor">
+            <a:schemeClr val="dk1"/>
+          </a:fontRef>
+        </p:style>
+        <p:txBody>
+          <a:bodyPr rot="0" spcFirstLastPara="0" vertOverflow="overflow" horzOverflow="overflow" vert="horz" wrap="square" lIns="91440" tIns="45720" rIns="91440" bIns="45720" numCol="1" spcCol="0" rtlCol="0" fromWordArt="0" anchor="ctr" anchorCtr="0" forceAA="0" compatLnSpc="1">
+            <a:prstTxWarp prst="textNoShape">
+              <a:avLst/>
+            </a:prstTxWarp>
+            <a:noAutofit/>
+          </a:bodyPr>
+          <a:lstStyle/>
+          <a:p>
+            <a:pPr algn="ctr"/>
+            <a:r>
+              <a:rPr lang="en-US" dirty="0"/>
+              <a:t>sender</a:t>
+            </a:r>
+          </a:p>
+        </p:txBody>
+      </p:sp>
+      <p:sp>
+        <p:nvSpPr>
+          <p:cNvPr id="42" name="Rectangle 41">
+            <a:extLst>
+              <a:ext uri="{FF2B5EF4-FFF2-40B4-BE49-F238E27FC236}">
+                <a16:creationId xmlns:a16="http://schemas.microsoft.com/office/drawing/2014/main" id="{16FB8F34-38E0-4FB3-99B1-34C6D26DD9F1}"/>
+              </a:ext>
+            </a:extLst>
+          </p:cNvPr>
+          <p:cNvSpPr/>
+          <p:nvPr/>
+        </p:nvSpPr>
+        <p:spPr>
+          <a:xfrm>
+            <a:off x="9337731" y="8425370"/>
+            <a:ext cx="1523998" cy="764764"/>
+          </a:xfrm>
+          <a:prstGeom prst="rect">
+            <a:avLst/>
+          </a:prstGeom>
+          <a:solidFill>
+            <a:schemeClr val="accent1">
+              <a:lumMod val="75000"/>
+            </a:schemeClr>
+          </a:solidFill>
+        </p:spPr>
+        <p:style>
+          <a:lnRef idx="2">
+            <a:schemeClr val="dk1"/>
+          </a:lnRef>
+          <a:fillRef idx="1">
+            <a:schemeClr val="lt1"/>
+          </a:fillRef>
+          <a:effectRef idx="0">
+            <a:schemeClr val="dk1"/>
+          </a:effectRef>
+          <a:fontRef idx="minor">
+            <a:schemeClr val="dk1"/>
+          </a:fontRef>
+        </p:style>
+        <p:txBody>
+          <a:bodyPr rtlCol="0" anchor="ctr"/>
+          <a:lstStyle/>
+          <a:p>
+            <a:pPr algn="ctr"/>
+            <a:r>
+              <a:rPr lang="en-US" dirty="0">
+                <a:solidFill>
+                  <a:schemeClr val="bg1"/>
+                </a:solidFill>
+              </a:rPr>
+              <a:t>Retrieve game state</a:t>
+            </a:r>
+          </a:p>
+        </p:txBody>
+      </p:sp>
+      <p:sp>
+        <p:nvSpPr>
+          <p:cNvPr id="44" name="Rectangle 43">
+            <a:extLst>
+              <a:ext uri="{FF2B5EF4-FFF2-40B4-BE49-F238E27FC236}">
+                <a16:creationId xmlns:a16="http://schemas.microsoft.com/office/drawing/2014/main" id="{F6BE4AF0-5B1D-4F9E-BD1F-515CB6560092}"/>
+              </a:ext>
+            </a:extLst>
+          </p:cNvPr>
+          <p:cNvSpPr/>
+          <p:nvPr/>
+        </p:nvSpPr>
+        <p:spPr>
+          <a:xfrm>
+            <a:off x="9337731" y="9942044"/>
+            <a:ext cx="1523998" cy="1030756"/>
+          </a:xfrm>
+          <a:prstGeom prst="rect">
+            <a:avLst/>
+          </a:prstGeom>
+          <a:solidFill>
+            <a:schemeClr val="accent1">
+              <a:lumMod val="75000"/>
+            </a:schemeClr>
+          </a:solidFill>
+        </p:spPr>
+        <p:style>
+          <a:lnRef idx="2">
+            <a:schemeClr val="dk1"/>
+          </a:lnRef>
+          <a:fillRef idx="1">
+            <a:schemeClr val="lt1"/>
+          </a:fillRef>
+          <a:effectRef idx="0">
+            <a:schemeClr val="dk1"/>
+          </a:effectRef>
+          <a:fontRef idx="minor">
+            <a:schemeClr val="dk1"/>
+          </a:fontRef>
+        </p:style>
+        <p:txBody>
+          <a:bodyPr rot="0" spcFirstLastPara="0" vertOverflow="overflow" horzOverflow="overflow" vert="horz" wrap="square" lIns="91440" tIns="45720" rIns="91440" bIns="45720" numCol="1" spcCol="0" rtlCol="0" fromWordArt="0" anchor="ctr" anchorCtr="0" forceAA="0" compatLnSpc="1">
+            <a:prstTxWarp prst="textNoShape">
+              <a:avLst/>
+            </a:prstTxWarp>
+            <a:noAutofit/>
+          </a:bodyPr>
+          <a:lstStyle/>
+          <a:p>
+            <a:pPr algn="ctr"/>
+            <a:r>
+              <a:rPr lang="en-US" dirty="0">
+                <a:solidFill>
+                  <a:schemeClr val="bg1"/>
+                </a:solidFill>
+              </a:rPr>
+              <a:t>Wait for responds and update game state</a:t>
+            </a:r>
+          </a:p>
+        </p:txBody>
+      </p:sp>
+      <p:sp>
+        <p:nvSpPr>
+          <p:cNvPr id="45" name="Rectangle: Diagonal Corners Snipped 44">
+            <a:extLst>
+              <a:ext uri="{FF2B5EF4-FFF2-40B4-BE49-F238E27FC236}">
+                <a16:creationId xmlns:a16="http://schemas.microsoft.com/office/drawing/2014/main" id="{E72D65D5-6922-4EF4-AC9E-42650088D6ED}"/>
+              </a:ext>
+            </a:extLst>
+          </p:cNvPr>
+          <p:cNvSpPr/>
+          <p:nvPr/>
+        </p:nvSpPr>
+        <p:spPr>
+          <a:xfrm>
+            <a:off x="9175802" y="11599585"/>
+            <a:ext cx="1847849" cy="764764"/>
+          </a:xfrm>
+          <a:prstGeom prst="snip2DiagRect">
+            <a:avLst/>
+          </a:prstGeom>
+          <a:solidFill>
+            <a:schemeClr val="accent6">
+              <a:lumMod val="60000"/>
+              <a:lumOff val="40000"/>
+            </a:schemeClr>
+          </a:solidFill>
+        </p:spPr>
+        <p:style>
+          <a:lnRef idx="2">
+            <a:schemeClr val="dk1"/>
+          </a:lnRef>
+          <a:fillRef idx="1">
+            <a:schemeClr val="lt1"/>
+          </a:fillRef>
+          <a:effectRef idx="0">
+            <a:schemeClr val="dk1"/>
+          </a:effectRef>
+          <a:fontRef idx="minor">
+            <a:schemeClr val="dk1"/>
+          </a:fontRef>
+        </p:style>
+        <p:txBody>
+          <a:bodyPr rot="0" spcFirstLastPara="0" vertOverflow="overflow" horzOverflow="overflow" vert="horz" wrap="square" lIns="91440" tIns="45720" rIns="91440" bIns="45720" numCol="1" spcCol="0" rtlCol="0" fromWordArt="0" anchor="ctr" anchorCtr="0" forceAA="0" compatLnSpc="1">
+            <a:prstTxWarp prst="textNoShape">
+              <a:avLst/>
+            </a:prstTxWarp>
+            <a:noAutofit/>
+          </a:bodyPr>
+          <a:lstStyle/>
+          <a:p>
+            <a:pPr algn="ctr"/>
+            <a:r>
+              <a:rPr lang="en-US" dirty="0"/>
+              <a:t>Response handles</a:t>
+            </a:r>
+          </a:p>
+        </p:txBody>
+      </p:sp>
+      <p:sp>
+        <p:nvSpPr>
+          <p:cNvPr id="46" name="Rectangle 45">
+            <a:extLst>
+              <a:ext uri="{FF2B5EF4-FFF2-40B4-BE49-F238E27FC236}">
+                <a16:creationId xmlns:a16="http://schemas.microsoft.com/office/drawing/2014/main" id="{E9403A0E-25E7-4D69-9E27-9692A708F8BF}"/>
+              </a:ext>
+            </a:extLst>
+          </p:cNvPr>
+          <p:cNvSpPr/>
+          <p:nvPr/>
+        </p:nvSpPr>
+        <p:spPr>
+          <a:xfrm>
+            <a:off x="5948362" y="11410923"/>
+            <a:ext cx="1523998" cy="1146926"/>
+          </a:xfrm>
+          <a:prstGeom prst="rect">
+            <a:avLst/>
+          </a:prstGeom>
+          <a:solidFill>
+            <a:schemeClr val="accent1">
+              <a:lumMod val="75000"/>
+            </a:schemeClr>
+          </a:solidFill>
+        </p:spPr>
+        <p:style>
+          <a:lnRef idx="2">
+            <a:schemeClr val="dk1"/>
+          </a:lnRef>
+          <a:fillRef idx="1">
+            <a:schemeClr val="lt1"/>
+          </a:fillRef>
+          <a:effectRef idx="0">
+            <a:schemeClr val="dk1"/>
+          </a:effectRef>
+          <a:fontRef idx="minor">
+            <a:schemeClr val="dk1"/>
+          </a:fontRef>
+        </p:style>
+        <p:txBody>
+          <a:bodyPr rtlCol="0" anchor="ctr"/>
+          <a:lstStyle/>
+          <a:p>
+            <a:pPr algn="ctr"/>
+            <a:r>
+              <a:rPr lang="en-US" dirty="0">
+                <a:solidFill>
+                  <a:schemeClr val="bg1"/>
+                </a:solidFill>
+              </a:rPr>
+              <a:t>Send players' location to server</a:t>
+            </a:r>
+          </a:p>
+        </p:txBody>
+      </p:sp>
+      <p:sp>
+        <p:nvSpPr>
+          <p:cNvPr id="47" name="Rectangle 46">
+            <a:extLst>
+              <a:ext uri="{FF2B5EF4-FFF2-40B4-BE49-F238E27FC236}">
+                <a16:creationId xmlns:a16="http://schemas.microsoft.com/office/drawing/2014/main" id="{D3B5E8B4-7912-4C5B-9B64-F43553FC4014}"/>
+              </a:ext>
+            </a:extLst>
+          </p:cNvPr>
+          <p:cNvSpPr/>
+          <p:nvPr/>
+        </p:nvSpPr>
+        <p:spPr>
+          <a:xfrm>
+            <a:off x="2071389" y="11463332"/>
+            <a:ext cx="1523998" cy="1190214"/>
+          </a:xfrm>
+          <a:prstGeom prst="rect">
+            <a:avLst/>
+          </a:prstGeom>
+          <a:solidFill>
+            <a:schemeClr val="accent1">
+              <a:lumMod val="75000"/>
+            </a:schemeClr>
+          </a:solidFill>
+        </p:spPr>
+        <p:style>
+          <a:lnRef idx="2">
+            <a:schemeClr val="dk1"/>
+          </a:lnRef>
+          <a:fillRef idx="1">
+            <a:schemeClr val="lt1"/>
+          </a:fillRef>
+          <a:effectRef idx="0">
+            <a:schemeClr val="dk1"/>
+          </a:effectRef>
+          <a:fontRef idx="minor">
+            <a:schemeClr val="dk1"/>
+          </a:fontRef>
+        </p:style>
+        <p:txBody>
+          <a:bodyPr rtlCol="0" anchor="ctr"/>
+          <a:lstStyle/>
+          <a:p>
+            <a:pPr algn="ctr"/>
+            <a:r>
+              <a:rPr lang="en-US" dirty="0">
+                <a:solidFill>
+                  <a:schemeClr val="bg1"/>
+                </a:solidFill>
+              </a:rPr>
+              <a:t>Update player’s location locally</a:t>
+            </a:r>
+          </a:p>
+        </p:txBody>
+      </p:sp>
+      <p:sp>
+        <p:nvSpPr>
+          <p:cNvPr id="53" name="Rectangle 52">
+            <a:extLst>
+              <a:ext uri="{FF2B5EF4-FFF2-40B4-BE49-F238E27FC236}">
+                <a16:creationId xmlns:a16="http://schemas.microsoft.com/office/drawing/2014/main" id="{3666F87A-C92E-4B61-AF4F-3DB27FFEE1C7}"/>
+              </a:ext>
+            </a:extLst>
+          </p:cNvPr>
+          <p:cNvSpPr/>
+          <p:nvPr/>
+        </p:nvSpPr>
+        <p:spPr>
+          <a:xfrm>
+            <a:off x="3978295" y="15486017"/>
+            <a:ext cx="1523998" cy="764764"/>
+          </a:xfrm>
+          <a:prstGeom prst="rect">
+            <a:avLst/>
+          </a:prstGeom>
+          <a:solidFill>
+            <a:schemeClr val="accent1">
+              <a:lumMod val="75000"/>
+            </a:schemeClr>
+          </a:solidFill>
+        </p:spPr>
+        <p:style>
+          <a:lnRef idx="2">
+            <a:schemeClr val="dk1"/>
+          </a:lnRef>
+          <a:fillRef idx="1">
+            <a:schemeClr val="lt1"/>
+          </a:fillRef>
+          <a:effectRef idx="0">
+            <a:schemeClr val="dk1"/>
+          </a:effectRef>
+          <a:fontRef idx="minor">
+            <a:schemeClr val="dk1"/>
+          </a:fontRef>
+        </p:style>
+        <p:txBody>
+          <a:bodyPr rtlCol="0" anchor="ctr"/>
+          <a:lstStyle/>
+          <a:p>
+            <a:pPr algn="ctr"/>
+            <a:r>
+              <a:rPr lang="en-US" dirty="0">
+                <a:solidFill>
+                  <a:schemeClr val="bg1"/>
+                </a:solidFill>
+              </a:rPr>
+              <a:t>Client</a:t>
+            </a:r>
+          </a:p>
+        </p:txBody>
+      </p:sp>
+      <p:sp>
+        <p:nvSpPr>
+          <p:cNvPr id="56" name="Rectangle 55">
+            <a:extLst>
+              <a:ext uri="{FF2B5EF4-FFF2-40B4-BE49-F238E27FC236}">
+                <a16:creationId xmlns:a16="http://schemas.microsoft.com/office/drawing/2014/main" id="{5431C68F-06C2-4E00-BE8E-DA79D0C942AE}"/>
+              </a:ext>
+            </a:extLst>
+          </p:cNvPr>
+          <p:cNvSpPr/>
+          <p:nvPr/>
+        </p:nvSpPr>
+        <p:spPr>
+          <a:xfrm>
+            <a:off x="9377905" y="17170030"/>
+            <a:ext cx="1523998" cy="764764"/>
+          </a:xfrm>
+          <a:prstGeom prst="rect">
+            <a:avLst/>
+          </a:prstGeom>
+          <a:solidFill>
+            <a:schemeClr val="accent1">
+              <a:lumMod val="75000"/>
+            </a:schemeClr>
+          </a:solidFill>
+        </p:spPr>
+        <p:style>
+          <a:lnRef idx="2">
+            <a:schemeClr val="dk1"/>
+          </a:lnRef>
+          <a:fillRef idx="1">
+            <a:schemeClr val="lt1"/>
+          </a:fillRef>
+          <a:effectRef idx="0">
+            <a:schemeClr val="dk1"/>
+          </a:effectRef>
+          <a:fontRef idx="minor">
+            <a:schemeClr val="dk1"/>
+          </a:fontRef>
+        </p:style>
+        <p:txBody>
+          <a:bodyPr rtlCol="0" anchor="ctr"/>
+          <a:lstStyle/>
+          <a:p>
+            <a:pPr algn="ctr"/>
+            <a:r>
+              <a:rPr lang="en-US" dirty="0">
+                <a:solidFill>
+                  <a:schemeClr val="bg1"/>
+                </a:solidFill>
+              </a:rPr>
+              <a:t>Draw Current Game state</a:t>
+            </a:r>
+          </a:p>
+        </p:txBody>
+      </p:sp>
+      <p:sp>
+        <p:nvSpPr>
+          <p:cNvPr id="57" name="Rectangle: Diagonal Corners Snipped 56">
+            <a:extLst>
+              <a:ext uri="{FF2B5EF4-FFF2-40B4-BE49-F238E27FC236}">
+                <a16:creationId xmlns:a16="http://schemas.microsoft.com/office/drawing/2014/main" id="{DC5283CA-7AE7-4F3F-88C5-778330BAE5E7}"/>
+              </a:ext>
+            </a:extLst>
+          </p:cNvPr>
+          <p:cNvSpPr/>
+          <p:nvPr/>
+        </p:nvSpPr>
+        <p:spPr>
+          <a:xfrm>
+            <a:off x="5786436" y="13578545"/>
+            <a:ext cx="1847849" cy="764764"/>
+          </a:xfrm>
+          <a:prstGeom prst="snip2DiagRect">
+            <a:avLst/>
+          </a:prstGeom>
+          <a:solidFill>
+            <a:schemeClr val="accent6">
+              <a:lumMod val="60000"/>
+              <a:lumOff val="40000"/>
+            </a:schemeClr>
+          </a:solidFill>
+        </p:spPr>
+        <p:style>
+          <a:lnRef idx="2">
+            <a:schemeClr val="dk1"/>
+          </a:lnRef>
+          <a:fillRef idx="1">
+            <a:schemeClr val="lt1"/>
+          </a:fillRef>
+          <a:effectRef idx="0">
+            <a:schemeClr val="dk1"/>
+          </a:effectRef>
+          <a:fontRef idx="minor">
+            <a:schemeClr val="dk1"/>
+          </a:fontRef>
+        </p:style>
+        <p:txBody>
+          <a:bodyPr rot="0" spcFirstLastPara="0" vertOverflow="overflow" horzOverflow="overflow" vert="horz" wrap="square" lIns="91440" tIns="45720" rIns="91440" bIns="45720" numCol="1" spcCol="0" rtlCol="0" fromWordArt="0" anchor="ctr" anchorCtr="0" forceAA="0" compatLnSpc="1">
+            <a:prstTxWarp prst="textNoShape">
+              <a:avLst/>
+            </a:prstTxWarp>
+            <a:noAutofit/>
+          </a:bodyPr>
+          <a:lstStyle/>
+          <a:p>
+            <a:pPr algn="ctr"/>
+            <a:r>
+              <a:rPr lang="en-US" dirty="0"/>
+              <a:t>Message handler</a:t>
+            </a:r>
+          </a:p>
+        </p:txBody>
+      </p:sp>
+      <p:sp>
+        <p:nvSpPr>
+          <p:cNvPr id="59" name="Rectangle: Diagonal Corners Snipped 58">
+            <a:extLst>
+              <a:ext uri="{FF2B5EF4-FFF2-40B4-BE49-F238E27FC236}">
+                <a16:creationId xmlns:a16="http://schemas.microsoft.com/office/drawing/2014/main" id="{5CFCABCA-2D29-4F3F-801F-55916286E451}"/>
+              </a:ext>
+            </a:extLst>
+          </p:cNvPr>
+          <p:cNvSpPr/>
+          <p:nvPr/>
+        </p:nvSpPr>
+        <p:spPr>
+          <a:xfrm>
+            <a:off x="1910789" y="13578545"/>
+            <a:ext cx="1847849" cy="764764"/>
+          </a:xfrm>
+          <a:prstGeom prst="snip2DiagRect">
+            <a:avLst/>
+          </a:prstGeom>
+          <a:solidFill>
+            <a:schemeClr val="accent6">
+              <a:lumMod val="60000"/>
+              <a:lumOff val="40000"/>
+            </a:schemeClr>
+          </a:solidFill>
+        </p:spPr>
+        <p:style>
+          <a:lnRef idx="2">
+            <a:schemeClr val="dk1"/>
+          </a:lnRef>
+          <a:fillRef idx="1">
+            <a:schemeClr val="lt1"/>
+          </a:fillRef>
+          <a:effectRef idx="0">
+            <a:schemeClr val="dk1"/>
+          </a:effectRef>
+          <a:fontRef idx="minor">
+            <a:schemeClr val="dk1"/>
+          </a:fontRef>
+        </p:style>
+        <p:txBody>
+          <a:bodyPr rot="0" spcFirstLastPara="0" vertOverflow="overflow" horzOverflow="overflow" vert="horz" wrap="square" lIns="91440" tIns="45720" rIns="91440" bIns="45720" numCol="1" spcCol="0" rtlCol="0" fromWordArt="0" anchor="ctr" anchorCtr="0" forceAA="0" compatLnSpc="1">
+            <a:prstTxWarp prst="textNoShape">
+              <a:avLst/>
+            </a:prstTxWarp>
+            <a:noAutofit/>
+          </a:bodyPr>
+          <a:lstStyle/>
+          <a:p>
+            <a:pPr algn="ctr"/>
+            <a:r>
+              <a:rPr lang="en-US" dirty="0"/>
+              <a:t>Input handler</a:t>
+            </a:r>
+          </a:p>
+        </p:txBody>
+      </p:sp>
+      <p:sp>
+        <p:nvSpPr>
+          <p:cNvPr id="61" name="Rectangle 60">
+            <a:extLst>
+              <a:ext uri="{FF2B5EF4-FFF2-40B4-BE49-F238E27FC236}">
+                <a16:creationId xmlns:a16="http://schemas.microsoft.com/office/drawing/2014/main" id="{82B5BE7A-131B-44B4-BC51-B1885C61861B}"/>
+              </a:ext>
+            </a:extLst>
+          </p:cNvPr>
+          <p:cNvSpPr/>
+          <p:nvPr/>
+        </p:nvSpPr>
+        <p:spPr>
+          <a:xfrm>
+            <a:off x="3738812" y="3925441"/>
+            <a:ext cx="1523998" cy="764764"/>
+          </a:xfrm>
+          <a:prstGeom prst="rect">
+            <a:avLst/>
+          </a:prstGeom>
+          <a:solidFill>
+            <a:schemeClr val="accent1">
+              <a:lumMod val="75000"/>
+            </a:schemeClr>
+          </a:solidFill>
+        </p:spPr>
+        <p:style>
+          <a:lnRef idx="2">
+            <a:schemeClr val="dk1"/>
+          </a:lnRef>
+          <a:fillRef idx="1">
+            <a:schemeClr val="lt1"/>
+          </a:fillRef>
+          <a:effectRef idx="0">
+            <a:schemeClr val="dk1"/>
+          </a:effectRef>
+          <a:fontRef idx="minor">
+            <a:schemeClr val="dk1"/>
+          </a:fontRef>
+        </p:style>
+        <p:txBody>
+          <a:bodyPr rtlCol="0" anchor="ctr"/>
+          <a:lstStyle/>
+          <a:p>
+            <a:pPr algn="ctr"/>
+            <a:r>
+              <a:rPr lang="en-US" dirty="0">
+                <a:solidFill>
+                  <a:schemeClr val="bg1"/>
+                </a:solidFill>
+              </a:rPr>
+              <a:t>Server</a:t>
+            </a:r>
+          </a:p>
+        </p:txBody>
+      </p:sp>
+      <p:sp>
+        <p:nvSpPr>
+          <p:cNvPr id="62" name="Rectangle: Diagonal Corners Snipped 61">
+            <a:extLst>
+              <a:ext uri="{FF2B5EF4-FFF2-40B4-BE49-F238E27FC236}">
+                <a16:creationId xmlns:a16="http://schemas.microsoft.com/office/drawing/2014/main" id="{9F69E181-E012-4885-AB9E-FEBBCEAAAEC4}"/>
+              </a:ext>
+            </a:extLst>
+          </p:cNvPr>
+          <p:cNvSpPr/>
+          <p:nvPr/>
+        </p:nvSpPr>
+        <p:spPr>
+          <a:xfrm>
+            <a:off x="1226169" y="5127046"/>
+            <a:ext cx="1847849" cy="764764"/>
+          </a:xfrm>
+          <a:prstGeom prst="snip2DiagRect">
+            <a:avLst>
+              <a:gd name="adj1" fmla="val 0"/>
+              <a:gd name="adj2" fmla="val 30072"/>
+            </a:avLst>
+          </a:prstGeom>
+          <a:solidFill>
+            <a:schemeClr val="accent6">
+              <a:lumMod val="60000"/>
+              <a:lumOff val="40000"/>
+            </a:schemeClr>
+          </a:solidFill>
+        </p:spPr>
+        <p:style>
+          <a:lnRef idx="2">
+            <a:schemeClr val="dk1"/>
+          </a:lnRef>
+          <a:fillRef idx="1">
+            <a:schemeClr val="lt1"/>
+          </a:fillRef>
+          <a:effectRef idx="0">
+            <a:schemeClr val="dk1"/>
+          </a:effectRef>
+          <a:fontRef idx="minor">
+            <a:schemeClr val="dk1"/>
+          </a:fontRef>
+        </p:style>
+        <p:txBody>
+          <a:bodyPr rtlCol="0" anchor="ctr"/>
+          <a:lstStyle/>
+          <a:p>
+            <a:pPr algn="ctr"/>
+            <a:r>
+              <a:rPr lang="en-US" dirty="0"/>
+              <a:t>Game loop</a:t>
+            </a:r>
+          </a:p>
+        </p:txBody>
+      </p:sp>
+      <p:sp>
+        <p:nvSpPr>
+          <p:cNvPr id="64" name="Rectangle 63">
+            <a:extLst>
+              <a:ext uri="{FF2B5EF4-FFF2-40B4-BE49-F238E27FC236}">
+                <a16:creationId xmlns:a16="http://schemas.microsoft.com/office/drawing/2014/main" id="{DB65D3AC-6FB8-49AF-A8CF-9615B9E47249}"/>
+              </a:ext>
+            </a:extLst>
+          </p:cNvPr>
+          <p:cNvSpPr/>
+          <p:nvPr/>
+        </p:nvSpPr>
+        <p:spPr>
+          <a:xfrm>
+            <a:off x="1399528" y="6556331"/>
+            <a:ext cx="1523998" cy="764764"/>
+          </a:xfrm>
+          <a:prstGeom prst="rect">
+            <a:avLst/>
+          </a:prstGeom>
+          <a:solidFill>
+            <a:schemeClr val="accent1">
+              <a:lumMod val="75000"/>
+            </a:schemeClr>
+          </a:solidFill>
+        </p:spPr>
+        <p:style>
+          <a:lnRef idx="2">
+            <a:schemeClr val="dk1"/>
+          </a:lnRef>
+          <a:fillRef idx="1">
+            <a:schemeClr val="lt1"/>
+          </a:fillRef>
+          <a:effectRef idx="0">
+            <a:schemeClr val="dk1"/>
+          </a:effectRef>
+          <a:fontRef idx="minor">
+            <a:schemeClr val="dk1"/>
+          </a:fontRef>
+        </p:style>
+        <p:txBody>
+          <a:bodyPr rtlCol="0" anchor="ctr"/>
+          <a:lstStyle/>
+          <a:p>
+            <a:pPr algn="ctr"/>
+            <a:r>
+              <a:rPr lang="en-US" dirty="0">
+                <a:solidFill>
+                  <a:schemeClr val="bg1"/>
+                </a:solidFill>
+              </a:rPr>
+              <a:t>Process</a:t>
+            </a:r>
+          </a:p>
+        </p:txBody>
+      </p:sp>
+      <p:sp>
+        <p:nvSpPr>
+          <p:cNvPr id="66" name="Rectangle 65">
+            <a:extLst>
+              <a:ext uri="{FF2B5EF4-FFF2-40B4-BE49-F238E27FC236}">
+                <a16:creationId xmlns:a16="http://schemas.microsoft.com/office/drawing/2014/main" id="{437BDEB7-D7ED-46A7-A2F5-EF9A072764BD}"/>
+              </a:ext>
+            </a:extLst>
+          </p:cNvPr>
+          <p:cNvSpPr/>
+          <p:nvPr/>
+        </p:nvSpPr>
+        <p:spPr>
+          <a:xfrm>
+            <a:off x="5948363" y="6521062"/>
+            <a:ext cx="1523998" cy="1146926"/>
+          </a:xfrm>
+          <a:prstGeom prst="rect">
+            <a:avLst/>
+          </a:prstGeom>
+          <a:solidFill>
+            <a:schemeClr val="accent1">
+              <a:lumMod val="75000"/>
+            </a:schemeClr>
+          </a:solidFill>
+        </p:spPr>
+        <p:style>
+          <a:lnRef idx="2">
+            <a:schemeClr val="dk1"/>
+          </a:lnRef>
+          <a:fillRef idx="1">
+            <a:schemeClr val="lt1"/>
+          </a:fillRef>
+          <a:effectRef idx="0">
+            <a:schemeClr val="dk1"/>
+          </a:effectRef>
+          <a:fontRef idx="minor">
+            <a:schemeClr val="dk1"/>
+          </a:fontRef>
+        </p:style>
+        <p:txBody>
+          <a:bodyPr rtlCol="0" anchor="ctr"/>
+          <a:lstStyle/>
+          <a:p>
+            <a:pPr algn="ctr"/>
+            <a:r>
+              <a:rPr lang="en-US" dirty="0">
+                <a:solidFill>
+                  <a:schemeClr val="bg1"/>
+                </a:solidFill>
+              </a:rPr>
+              <a:t>Wait for message and update player location</a:t>
+            </a:r>
+          </a:p>
+        </p:txBody>
+      </p:sp>
+      <p:sp>
+        <p:nvSpPr>
+          <p:cNvPr id="67" name="Rectangle: Diagonal Corners Snipped 66">
+            <a:extLst>
+              <a:ext uri="{FF2B5EF4-FFF2-40B4-BE49-F238E27FC236}">
+                <a16:creationId xmlns:a16="http://schemas.microsoft.com/office/drawing/2014/main" id="{C527FED5-F82B-458B-9EFB-5EA5A9C8732B}"/>
+              </a:ext>
+            </a:extLst>
+          </p:cNvPr>
+          <p:cNvSpPr/>
+          <p:nvPr/>
+        </p:nvSpPr>
+        <p:spPr>
+          <a:xfrm>
+            <a:off x="9175804" y="15474367"/>
+            <a:ext cx="1847849" cy="764764"/>
+          </a:xfrm>
+          <a:prstGeom prst="snip2DiagRect">
+            <a:avLst/>
+          </a:prstGeom>
+          <a:solidFill>
+            <a:schemeClr val="accent6">
+              <a:lumMod val="60000"/>
+              <a:lumOff val="40000"/>
+            </a:schemeClr>
+          </a:solidFill>
+        </p:spPr>
+        <p:style>
+          <a:lnRef idx="2">
+            <a:schemeClr val="dk1"/>
+          </a:lnRef>
+          <a:fillRef idx="1">
+            <a:schemeClr val="lt1"/>
+          </a:fillRef>
+          <a:effectRef idx="0">
+            <a:schemeClr val="dk1"/>
+          </a:effectRef>
+          <a:fontRef idx="minor">
+            <a:schemeClr val="dk1"/>
+          </a:fontRef>
+        </p:style>
+        <p:txBody>
+          <a:bodyPr rot="0" spcFirstLastPara="0" vertOverflow="overflow" horzOverflow="overflow" vert="horz" wrap="square" lIns="91440" tIns="45720" rIns="91440" bIns="45720" numCol="1" spcCol="0" rtlCol="0" fromWordArt="0" anchor="ctr" anchorCtr="0" forceAA="0" compatLnSpc="1">
+            <a:prstTxWarp prst="textNoShape">
+              <a:avLst/>
+            </a:prstTxWarp>
+            <a:noAutofit/>
+          </a:bodyPr>
+          <a:lstStyle/>
+          <a:p>
+            <a:pPr algn="ctr"/>
+            <a:r>
+              <a:rPr lang="en-US" dirty="0"/>
+              <a:t>Render</a:t>
+            </a:r>
+          </a:p>
+        </p:txBody>
+      </p:sp>
+      <p:cxnSp>
+        <p:nvCxnSpPr>
+          <p:cNvPr id="6" name="Straight Arrow Connector 5">
+            <a:extLst>
+              <a:ext uri="{FF2B5EF4-FFF2-40B4-BE49-F238E27FC236}">
+                <a16:creationId xmlns:a16="http://schemas.microsoft.com/office/drawing/2014/main" id="{3C84C28B-CF54-40C2-8B40-A0D52B70E9C7}"/>
+              </a:ext>
+            </a:extLst>
+          </p:cNvPr>
+          <p:cNvCxnSpPr>
+            <a:stCxn id="61" idx="1"/>
+            <a:endCxn id="62" idx="3"/>
+          </p:cNvCxnSpPr>
+          <p:nvPr/>
+        </p:nvCxnSpPr>
+        <p:spPr>
+          <a:xfrm flipH="1">
+            <a:off x="2150094" y="4307823"/>
+            <a:ext cx="1588718" cy="819223"/>
+          </a:xfrm>
+          <a:prstGeom prst="straightConnector1">
+            <a:avLst/>
+          </a:prstGeom>
+          <a:ln w="38100">
+            <a:headEnd type="none" w="med" len="med"/>
+            <a:tailEnd type="arrow" w="med" len="med"/>
+          </a:ln>
+        </p:spPr>
+        <p:style>
+          <a:lnRef idx="2">
+            <a:schemeClr val="dk1"/>
+          </a:lnRef>
+          <a:fillRef idx="1">
+            <a:schemeClr val="lt1"/>
+          </a:fillRef>
+          <a:effectRef idx="0">
+            <a:schemeClr val="dk1"/>
+          </a:effectRef>
+          <a:fontRef idx="minor">
+            <a:schemeClr val="dk1"/>
+          </a:fontRef>
+        </p:style>
+      </p:cxnSp>
+      <p:cxnSp>
+        <p:nvCxnSpPr>
+          <p:cNvPr id="8" name="Straight Arrow Connector 7">
+            <a:extLst>
+              <a:ext uri="{FF2B5EF4-FFF2-40B4-BE49-F238E27FC236}">
+                <a16:creationId xmlns:a16="http://schemas.microsoft.com/office/drawing/2014/main" id="{A6172DEF-7B1B-4B03-93C5-FC5628BCE252}"/>
+              </a:ext>
+            </a:extLst>
+          </p:cNvPr>
+          <p:cNvCxnSpPr>
+            <a:stCxn id="61" idx="3"/>
+            <a:endCxn id="37" idx="3"/>
+          </p:cNvCxnSpPr>
+          <p:nvPr/>
+        </p:nvCxnSpPr>
+        <p:spPr>
+          <a:xfrm>
+            <a:off x="5262810" y="4307823"/>
+            <a:ext cx="1447552" cy="819223"/>
+          </a:xfrm>
+          <a:prstGeom prst="straightConnector1">
+            <a:avLst/>
+          </a:prstGeom>
+          <a:ln w="38100">
+            <a:headEnd type="none" w="med" len="med"/>
+            <a:tailEnd type="arrow" w="med" len="med"/>
+          </a:ln>
+        </p:spPr>
+        <p:style>
+          <a:lnRef idx="2">
+            <a:schemeClr val="dk1"/>
+          </a:lnRef>
+          <a:fillRef idx="1">
+            <a:schemeClr val="lt1"/>
+          </a:fillRef>
+          <a:effectRef idx="0">
+            <a:schemeClr val="dk1"/>
+          </a:effectRef>
+          <a:fontRef idx="minor">
+            <a:schemeClr val="dk1"/>
+          </a:fontRef>
+        </p:style>
+      </p:cxnSp>
+      <p:cxnSp>
+        <p:nvCxnSpPr>
+          <p:cNvPr id="13" name="Straight Arrow Connector 12">
+            <a:extLst>
+              <a:ext uri="{FF2B5EF4-FFF2-40B4-BE49-F238E27FC236}">
+                <a16:creationId xmlns:a16="http://schemas.microsoft.com/office/drawing/2014/main" id="{839A9B8A-72FB-4C55-A313-4B76B4D238B6}"/>
+              </a:ext>
+            </a:extLst>
+          </p:cNvPr>
+          <p:cNvCxnSpPr>
+            <a:stCxn id="37" idx="1"/>
+            <a:endCxn id="66" idx="0"/>
+          </p:cNvCxnSpPr>
+          <p:nvPr/>
+        </p:nvCxnSpPr>
+        <p:spPr>
+          <a:xfrm>
+            <a:off x="6710362" y="5891810"/>
+            <a:ext cx="0" cy="629252"/>
+          </a:xfrm>
+          <a:prstGeom prst="straightConnector1">
+            <a:avLst/>
+          </a:prstGeom>
+          <a:ln w="38100">
+            <a:headEnd type="none" w="med" len="med"/>
+            <a:tailEnd type="arrow" w="med" len="med"/>
+          </a:ln>
+        </p:spPr>
+        <p:style>
+          <a:lnRef idx="2">
+            <a:schemeClr val="dk1"/>
+          </a:lnRef>
+          <a:fillRef idx="1">
+            <a:schemeClr val="lt1"/>
+          </a:fillRef>
+          <a:effectRef idx="0">
+            <a:schemeClr val="dk1"/>
+          </a:effectRef>
+          <a:fontRef idx="minor">
+            <a:schemeClr val="dk1"/>
+          </a:fontRef>
+        </p:style>
+      </p:cxnSp>
+      <p:cxnSp>
+        <p:nvCxnSpPr>
+          <p:cNvPr id="15" name="Straight Arrow Connector 14">
+            <a:extLst>
+              <a:ext uri="{FF2B5EF4-FFF2-40B4-BE49-F238E27FC236}">
+                <a16:creationId xmlns:a16="http://schemas.microsoft.com/office/drawing/2014/main" id="{780083C2-265C-4ED4-981C-83B8AFAF4BF5}"/>
+              </a:ext>
+            </a:extLst>
+          </p:cNvPr>
+          <p:cNvCxnSpPr>
+            <a:stCxn id="62" idx="1"/>
+            <a:endCxn id="64" idx="0"/>
+          </p:cNvCxnSpPr>
+          <p:nvPr/>
+        </p:nvCxnSpPr>
+        <p:spPr>
+          <a:xfrm>
+            <a:off x="2150094" y="5891810"/>
+            <a:ext cx="11433" cy="664521"/>
+          </a:xfrm>
+          <a:prstGeom prst="straightConnector1">
+            <a:avLst/>
+          </a:prstGeom>
+          <a:ln w="38100">
+            <a:headEnd type="none" w="med" len="med"/>
+            <a:tailEnd type="arrow" w="med" len="med"/>
+          </a:ln>
+        </p:spPr>
+        <p:style>
+          <a:lnRef idx="2">
+            <a:schemeClr val="dk1"/>
+          </a:lnRef>
+          <a:fillRef idx="1">
+            <a:schemeClr val="lt1"/>
+          </a:fillRef>
+          <a:effectRef idx="0">
+            <a:schemeClr val="dk1"/>
+          </a:effectRef>
+          <a:fontRef idx="minor">
+            <a:schemeClr val="dk1"/>
+          </a:fontRef>
+        </p:style>
+      </p:cxnSp>
+      <p:cxnSp>
+        <p:nvCxnSpPr>
+          <p:cNvPr id="18" name="Straight Arrow Connector 17">
+            <a:extLst>
+              <a:ext uri="{FF2B5EF4-FFF2-40B4-BE49-F238E27FC236}">
+                <a16:creationId xmlns:a16="http://schemas.microsoft.com/office/drawing/2014/main" id="{EC1399AA-905C-4FB5-969F-771E8A09CEC0}"/>
+              </a:ext>
+            </a:extLst>
+          </p:cNvPr>
+          <p:cNvCxnSpPr>
+            <a:stCxn id="66" idx="3"/>
+            <a:endCxn id="41" idx="2"/>
+          </p:cNvCxnSpPr>
+          <p:nvPr/>
+        </p:nvCxnSpPr>
+        <p:spPr>
+          <a:xfrm>
+            <a:off x="7472361" y="7094525"/>
+            <a:ext cx="1703442" cy="0"/>
+          </a:xfrm>
+          <a:prstGeom prst="straightConnector1">
+            <a:avLst/>
+          </a:prstGeom>
+          <a:ln w="38100">
+            <a:headEnd type="none" w="med" len="med"/>
+            <a:tailEnd type="arrow" w="med" len="med"/>
+          </a:ln>
+        </p:spPr>
+        <p:style>
+          <a:lnRef idx="2">
+            <a:schemeClr val="dk1"/>
+          </a:lnRef>
+          <a:fillRef idx="1">
+            <a:schemeClr val="lt1"/>
+          </a:fillRef>
+          <a:effectRef idx="0">
+            <a:schemeClr val="dk1"/>
+          </a:effectRef>
+          <a:fontRef idx="minor">
+            <a:schemeClr val="dk1"/>
+          </a:fontRef>
+        </p:style>
+      </p:cxnSp>
+      <p:cxnSp>
+        <p:nvCxnSpPr>
+          <p:cNvPr id="21" name="Straight Arrow Connector 20">
+            <a:extLst>
+              <a:ext uri="{FF2B5EF4-FFF2-40B4-BE49-F238E27FC236}">
+                <a16:creationId xmlns:a16="http://schemas.microsoft.com/office/drawing/2014/main" id="{7499E9E6-4C4C-440F-B11A-65FFEF332D80}"/>
+              </a:ext>
+            </a:extLst>
+          </p:cNvPr>
+          <p:cNvCxnSpPr>
+            <a:stCxn id="41" idx="1"/>
+            <a:endCxn id="42" idx="0"/>
+          </p:cNvCxnSpPr>
+          <p:nvPr/>
+        </p:nvCxnSpPr>
+        <p:spPr>
+          <a:xfrm>
+            <a:off x="10099728" y="7476907"/>
+            <a:ext cx="2" cy="948463"/>
+          </a:xfrm>
+          <a:prstGeom prst="straightConnector1">
+            <a:avLst/>
+          </a:prstGeom>
+          <a:ln w="38100">
+            <a:headEnd type="none" w="med" len="med"/>
+            <a:tailEnd type="arrow" w="med" len="med"/>
+          </a:ln>
+        </p:spPr>
+        <p:style>
+          <a:lnRef idx="2">
+            <a:schemeClr val="dk1"/>
+          </a:lnRef>
+          <a:fillRef idx="1">
+            <a:schemeClr val="lt1"/>
+          </a:fillRef>
+          <a:effectRef idx="0">
+            <a:schemeClr val="dk1"/>
+          </a:effectRef>
+          <a:fontRef idx="minor">
+            <a:schemeClr val="dk1"/>
+          </a:fontRef>
+        </p:style>
+      </p:cxnSp>
+      <p:cxnSp>
+        <p:nvCxnSpPr>
+          <p:cNvPr id="27" name="Straight Arrow Connector 26">
+            <a:extLst>
+              <a:ext uri="{FF2B5EF4-FFF2-40B4-BE49-F238E27FC236}">
+                <a16:creationId xmlns:a16="http://schemas.microsoft.com/office/drawing/2014/main" id="{E63F634E-27B6-4536-953C-CCEF391B615E}"/>
+              </a:ext>
+            </a:extLst>
+          </p:cNvPr>
+          <p:cNvCxnSpPr>
+            <a:stCxn id="42" idx="2"/>
+            <a:endCxn id="44" idx="0"/>
+          </p:cNvCxnSpPr>
+          <p:nvPr/>
+        </p:nvCxnSpPr>
+        <p:spPr>
+          <a:xfrm>
+            <a:off x="10099730" y="9190134"/>
+            <a:ext cx="0" cy="751910"/>
+          </a:xfrm>
+          <a:prstGeom prst="straightConnector1">
+            <a:avLst/>
+          </a:prstGeom>
+          <a:ln w="38100">
+            <a:prstDash val="dash"/>
+            <a:headEnd type="none" w="med" len="med"/>
+            <a:tailEnd type="arrow" w="med" len="med"/>
+          </a:ln>
+        </p:spPr>
+        <p:style>
+          <a:lnRef idx="2">
+            <a:schemeClr val="dk1"/>
+          </a:lnRef>
+          <a:fillRef idx="1">
+            <a:schemeClr val="lt1"/>
+          </a:fillRef>
+          <a:effectRef idx="0">
+            <a:schemeClr val="dk1"/>
+          </a:effectRef>
+          <a:fontRef idx="minor">
+            <a:schemeClr val="dk1"/>
+          </a:fontRef>
+        </p:style>
+      </p:cxnSp>
+      <p:cxnSp>
+        <p:nvCxnSpPr>
+          <p:cNvPr id="29" name="Straight Arrow Connector 28">
+            <a:extLst>
+              <a:ext uri="{FF2B5EF4-FFF2-40B4-BE49-F238E27FC236}">
+                <a16:creationId xmlns:a16="http://schemas.microsoft.com/office/drawing/2014/main" id="{CE6982BC-3BED-4309-8043-4B9F2DB5684C}"/>
+              </a:ext>
+            </a:extLst>
+          </p:cNvPr>
+          <p:cNvCxnSpPr>
+            <a:stCxn id="44" idx="2"/>
+            <a:endCxn id="45" idx="3"/>
+          </p:cNvCxnSpPr>
+          <p:nvPr/>
+        </p:nvCxnSpPr>
+        <p:spPr>
+          <a:xfrm flipH="1">
+            <a:off x="10099727" y="10972800"/>
+            <a:ext cx="3" cy="626785"/>
+          </a:xfrm>
+          <a:prstGeom prst="straightConnector1">
+            <a:avLst/>
+          </a:prstGeom>
+          <a:ln w="38100">
+            <a:headEnd type="none" w="med" len="med"/>
+            <a:tailEnd type="arrow" w="med" len="med"/>
+          </a:ln>
+        </p:spPr>
+        <p:style>
+          <a:lnRef idx="2">
+            <a:schemeClr val="dk1"/>
+          </a:lnRef>
+          <a:fillRef idx="1">
+            <a:schemeClr val="lt1"/>
+          </a:fillRef>
+          <a:effectRef idx="0">
+            <a:schemeClr val="dk1"/>
+          </a:effectRef>
+          <a:fontRef idx="minor">
+            <a:schemeClr val="dk1"/>
+          </a:fontRef>
+        </p:style>
+      </p:cxnSp>
+      <p:cxnSp>
+        <p:nvCxnSpPr>
+          <p:cNvPr id="32" name="Straight Arrow Connector 31">
+            <a:extLst>
+              <a:ext uri="{FF2B5EF4-FFF2-40B4-BE49-F238E27FC236}">
+                <a16:creationId xmlns:a16="http://schemas.microsoft.com/office/drawing/2014/main" id="{368C6E3A-8C9C-49A5-BCC8-9356991B00ED}"/>
+              </a:ext>
+            </a:extLst>
+          </p:cNvPr>
+          <p:cNvCxnSpPr>
+            <a:cxnSpLocks/>
+            <a:stCxn id="45" idx="2"/>
+            <a:endCxn id="46" idx="3"/>
+          </p:cNvCxnSpPr>
+          <p:nvPr/>
+        </p:nvCxnSpPr>
+        <p:spPr>
+          <a:xfrm flipH="1">
+            <a:off x="7472360" y="11981967"/>
+            <a:ext cx="1703442" cy="2419"/>
+          </a:xfrm>
+          <a:prstGeom prst="straightConnector1">
+            <a:avLst/>
+          </a:prstGeom>
+          <a:ln w="38100">
+            <a:headEnd type="none" w="med" len="med"/>
+            <a:tailEnd type="arrow" w="med" len="med"/>
+          </a:ln>
+        </p:spPr>
+        <p:style>
+          <a:lnRef idx="2">
+            <a:schemeClr val="dk1"/>
+          </a:lnRef>
+          <a:fillRef idx="1">
+            <a:schemeClr val="lt1"/>
+          </a:fillRef>
+          <a:effectRef idx="0">
+            <a:schemeClr val="dk1"/>
+          </a:effectRef>
+          <a:fontRef idx="minor">
+            <a:schemeClr val="dk1"/>
+          </a:fontRef>
+        </p:style>
+      </p:cxnSp>
+      <p:cxnSp>
+        <p:nvCxnSpPr>
+          <p:cNvPr id="35" name="Straight Arrow Connector 34">
+            <a:extLst>
+              <a:ext uri="{FF2B5EF4-FFF2-40B4-BE49-F238E27FC236}">
+                <a16:creationId xmlns:a16="http://schemas.microsoft.com/office/drawing/2014/main" id="{40655B27-374F-4075-B0A6-D2802948CB5F}"/>
+              </a:ext>
+            </a:extLst>
+          </p:cNvPr>
+          <p:cNvCxnSpPr>
+            <a:stCxn id="46" idx="0"/>
+          </p:cNvCxnSpPr>
+          <p:nvPr/>
+        </p:nvCxnSpPr>
+        <p:spPr>
+          <a:xfrm flipH="1" flipV="1">
+            <a:off x="6710360" y="7667988"/>
+            <a:ext cx="1" cy="3742935"/>
+          </a:xfrm>
+          <a:prstGeom prst="straightConnector1">
+            <a:avLst/>
+          </a:prstGeom>
+          <a:ln w="38100">
+            <a:prstDash val="dash"/>
+            <a:headEnd type="none" w="med" len="med"/>
+            <a:tailEnd type="arrow" w="med" len="med"/>
+          </a:ln>
+        </p:spPr>
+        <p:style>
+          <a:lnRef idx="2">
+            <a:schemeClr val="dk1"/>
+          </a:lnRef>
+          <a:fillRef idx="1">
+            <a:schemeClr val="lt1"/>
+          </a:fillRef>
+          <a:effectRef idx="0">
+            <a:schemeClr val="dk1"/>
+          </a:effectRef>
+          <a:fontRef idx="minor">
+            <a:schemeClr val="dk1"/>
+          </a:fontRef>
+        </p:style>
+      </p:cxnSp>
+      <p:cxnSp>
+        <p:nvCxnSpPr>
+          <p:cNvPr id="69" name="Straight Arrow Connector 68">
+            <a:extLst>
+              <a:ext uri="{FF2B5EF4-FFF2-40B4-BE49-F238E27FC236}">
+                <a16:creationId xmlns:a16="http://schemas.microsoft.com/office/drawing/2014/main" id="{174EAA98-A7DF-44A5-B4EC-E15A5B8CFD7A}"/>
+              </a:ext>
+            </a:extLst>
+          </p:cNvPr>
+          <p:cNvCxnSpPr>
+            <a:stCxn id="57" idx="3"/>
+            <a:endCxn id="46" idx="2"/>
+          </p:cNvCxnSpPr>
+          <p:nvPr/>
+        </p:nvCxnSpPr>
+        <p:spPr>
+          <a:xfrm flipV="1">
+            <a:off x="6710361" y="12557849"/>
+            <a:ext cx="0" cy="1020696"/>
+          </a:xfrm>
+          <a:prstGeom prst="straightConnector1">
+            <a:avLst/>
+          </a:prstGeom>
+          <a:ln w="38100">
+            <a:headEnd type="none" w="med" len="med"/>
+            <a:tailEnd type="arrow" w="med" len="med"/>
+          </a:ln>
+        </p:spPr>
+        <p:style>
+          <a:lnRef idx="2">
+            <a:schemeClr val="dk1"/>
+          </a:lnRef>
+          <a:fillRef idx="1">
+            <a:schemeClr val="lt1"/>
+          </a:fillRef>
+          <a:effectRef idx="0">
+            <a:schemeClr val="dk1"/>
+          </a:effectRef>
+          <a:fontRef idx="minor">
+            <a:schemeClr val="dk1"/>
+          </a:fontRef>
+        </p:style>
+      </p:cxnSp>
+      <p:cxnSp>
+        <p:nvCxnSpPr>
+          <p:cNvPr id="73" name="Straight Arrow Connector 72">
+            <a:extLst>
+              <a:ext uri="{FF2B5EF4-FFF2-40B4-BE49-F238E27FC236}">
+                <a16:creationId xmlns:a16="http://schemas.microsoft.com/office/drawing/2014/main" id="{D6769176-397B-4617-8C08-730CBD7B78F6}"/>
+              </a:ext>
+            </a:extLst>
+          </p:cNvPr>
+          <p:cNvCxnSpPr>
+            <a:stCxn id="59" idx="3"/>
+            <a:endCxn id="47" idx="2"/>
+          </p:cNvCxnSpPr>
+          <p:nvPr/>
+        </p:nvCxnSpPr>
+        <p:spPr>
+          <a:xfrm flipH="1" flipV="1">
+            <a:off x="2833388" y="12653546"/>
+            <a:ext cx="1326" cy="924999"/>
+          </a:xfrm>
+          <a:prstGeom prst="straightConnector1">
+            <a:avLst/>
+          </a:prstGeom>
+          <a:ln w="38100">
+            <a:headEnd type="none" w="med" len="med"/>
+            <a:tailEnd type="arrow" w="med" len="med"/>
+          </a:ln>
+        </p:spPr>
+        <p:style>
+          <a:lnRef idx="2">
+            <a:schemeClr val="dk1"/>
+          </a:lnRef>
+          <a:fillRef idx="1">
+            <a:schemeClr val="lt1"/>
+          </a:fillRef>
+          <a:effectRef idx="0">
+            <a:schemeClr val="dk1"/>
+          </a:effectRef>
+          <a:fontRef idx="minor">
+            <a:schemeClr val="dk1"/>
+          </a:fontRef>
+        </p:style>
+      </p:cxnSp>
+      <p:cxnSp>
+        <p:nvCxnSpPr>
+          <p:cNvPr id="79" name="Straight Arrow Connector 78">
+            <a:extLst>
+              <a:ext uri="{FF2B5EF4-FFF2-40B4-BE49-F238E27FC236}">
+                <a16:creationId xmlns:a16="http://schemas.microsoft.com/office/drawing/2014/main" id="{7450ABAA-5FB2-434D-84AA-459D9D4530B5}"/>
+              </a:ext>
+            </a:extLst>
+          </p:cNvPr>
+          <p:cNvCxnSpPr>
+            <a:cxnSpLocks/>
+            <a:stCxn id="53" idx="0"/>
+            <a:endCxn id="57" idx="1"/>
+          </p:cNvCxnSpPr>
+          <p:nvPr/>
+        </p:nvCxnSpPr>
+        <p:spPr>
+          <a:xfrm flipV="1">
+            <a:off x="4740294" y="14343309"/>
+            <a:ext cx="1970067" cy="1142708"/>
+          </a:xfrm>
+          <a:prstGeom prst="straightConnector1">
+            <a:avLst/>
+          </a:prstGeom>
+          <a:ln w="38100">
+            <a:headEnd type="none" w="med" len="med"/>
+            <a:tailEnd type="arrow" w="med" len="med"/>
+          </a:ln>
+        </p:spPr>
+        <p:style>
+          <a:lnRef idx="2">
+            <a:schemeClr val="dk1"/>
+          </a:lnRef>
+          <a:fillRef idx="1">
+            <a:schemeClr val="lt1"/>
+          </a:fillRef>
+          <a:effectRef idx="0">
+            <a:schemeClr val="dk1"/>
+          </a:effectRef>
+          <a:fontRef idx="minor">
+            <a:schemeClr val="dk1"/>
+          </a:fontRef>
+        </p:style>
+      </p:cxnSp>
+      <p:cxnSp>
+        <p:nvCxnSpPr>
+          <p:cNvPr id="82" name="Straight Arrow Connector 81">
+            <a:extLst>
+              <a:ext uri="{FF2B5EF4-FFF2-40B4-BE49-F238E27FC236}">
+                <a16:creationId xmlns:a16="http://schemas.microsoft.com/office/drawing/2014/main" id="{16550607-1CD4-40CC-9C38-B9E8A689B335}"/>
+              </a:ext>
+            </a:extLst>
+          </p:cNvPr>
+          <p:cNvCxnSpPr>
+            <a:stCxn id="53" idx="0"/>
+            <a:endCxn id="59" idx="1"/>
+          </p:cNvCxnSpPr>
+          <p:nvPr/>
+        </p:nvCxnSpPr>
+        <p:spPr>
+          <a:xfrm flipH="1" flipV="1">
+            <a:off x="2834714" y="14343309"/>
+            <a:ext cx="1905580" cy="1142708"/>
+          </a:xfrm>
+          <a:prstGeom prst="straightConnector1">
+            <a:avLst/>
+          </a:prstGeom>
+          <a:ln w="38100">
+            <a:headEnd type="none" w="med" len="med"/>
+            <a:tailEnd type="arrow" w="med" len="med"/>
+          </a:ln>
+        </p:spPr>
+        <p:style>
+          <a:lnRef idx="2">
+            <a:schemeClr val="dk1"/>
+          </a:lnRef>
+          <a:fillRef idx="1">
+            <a:schemeClr val="lt1"/>
+          </a:fillRef>
+          <a:effectRef idx="0">
+            <a:schemeClr val="dk1"/>
+          </a:effectRef>
+          <a:fontRef idx="minor">
+            <a:schemeClr val="dk1"/>
+          </a:fontRef>
+        </p:style>
+      </p:cxnSp>
+      <p:cxnSp>
+        <p:nvCxnSpPr>
+          <p:cNvPr id="84" name="Straight Arrow Connector 83">
+            <a:extLst>
+              <a:ext uri="{FF2B5EF4-FFF2-40B4-BE49-F238E27FC236}">
+                <a16:creationId xmlns:a16="http://schemas.microsoft.com/office/drawing/2014/main" id="{C856EFAE-0301-4838-AED6-CA6E0E47BC64}"/>
+              </a:ext>
+            </a:extLst>
+          </p:cNvPr>
+          <p:cNvCxnSpPr>
+            <a:stCxn id="53" idx="3"/>
+            <a:endCxn id="67" idx="2"/>
+          </p:cNvCxnSpPr>
+          <p:nvPr/>
+        </p:nvCxnSpPr>
+        <p:spPr>
+          <a:xfrm flipV="1">
+            <a:off x="5502293" y="15856749"/>
+            <a:ext cx="3673511" cy="11650"/>
+          </a:xfrm>
+          <a:prstGeom prst="straightConnector1">
+            <a:avLst/>
+          </a:prstGeom>
+          <a:ln w="38100">
+            <a:headEnd type="none" w="med" len="med"/>
+            <a:tailEnd type="arrow" w="med" len="med"/>
+          </a:ln>
+        </p:spPr>
+        <p:style>
+          <a:lnRef idx="2">
+            <a:schemeClr val="dk1"/>
+          </a:lnRef>
+          <a:fillRef idx="1">
+            <a:schemeClr val="lt1"/>
+          </a:fillRef>
+          <a:effectRef idx="0">
+            <a:schemeClr val="dk1"/>
+          </a:effectRef>
+          <a:fontRef idx="minor">
+            <a:schemeClr val="dk1"/>
+          </a:fontRef>
+        </p:style>
+      </p:cxnSp>
+      <p:cxnSp>
+        <p:nvCxnSpPr>
+          <p:cNvPr id="86" name="Straight Arrow Connector 85">
+            <a:extLst>
+              <a:ext uri="{FF2B5EF4-FFF2-40B4-BE49-F238E27FC236}">
+                <a16:creationId xmlns:a16="http://schemas.microsoft.com/office/drawing/2014/main" id="{708A31DF-7CA6-4338-90FB-40C215369166}"/>
+              </a:ext>
+            </a:extLst>
+          </p:cNvPr>
+          <p:cNvCxnSpPr>
+            <a:cxnSpLocks/>
+            <a:stCxn id="67" idx="1"/>
+          </p:cNvCxnSpPr>
+          <p:nvPr/>
+        </p:nvCxnSpPr>
+        <p:spPr>
+          <a:xfrm flipH="1">
+            <a:off x="10099727" y="16239131"/>
+            <a:ext cx="2" cy="948463"/>
+          </a:xfrm>
+          <a:prstGeom prst="straightConnector1">
+            <a:avLst/>
+          </a:prstGeom>
+          <a:ln w="38100">
+            <a:headEnd type="none" w="med" len="med"/>
+            <a:tailEnd type="arrow" w="med" len="med"/>
+          </a:ln>
+        </p:spPr>
+        <p:style>
+          <a:lnRef idx="2">
+            <a:schemeClr val="dk1"/>
+          </a:lnRef>
+          <a:fillRef idx="1">
+            <a:schemeClr val="lt1"/>
+          </a:fillRef>
+          <a:effectRef idx="0">
+            <a:schemeClr val="dk1"/>
+          </a:effectRef>
+          <a:fontRef idx="minor">
+            <a:schemeClr val="dk1"/>
+          </a:fontRef>
+        </p:style>
+      </p:cxnSp>
+      <p:cxnSp>
+        <p:nvCxnSpPr>
+          <p:cNvPr id="89" name="Connector: Curved 88">
+            <a:extLst>
+              <a:ext uri="{FF2B5EF4-FFF2-40B4-BE49-F238E27FC236}">
+                <a16:creationId xmlns:a16="http://schemas.microsoft.com/office/drawing/2014/main" id="{FAF07E5D-1356-47FE-9C28-06CF8BDE93C6}"/>
+              </a:ext>
+            </a:extLst>
+          </p:cNvPr>
+          <p:cNvCxnSpPr>
+            <a:cxnSpLocks/>
+            <a:stCxn id="46" idx="1"/>
+            <a:endCxn id="46" idx="0"/>
+          </p:cNvCxnSpPr>
+          <p:nvPr/>
+        </p:nvCxnSpPr>
+        <p:spPr>
+          <a:xfrm rot="10800000" flipH="1">
+            <a:off x="5948361" y="11410924"/>
+            <a:ext cx="761999" cy="573463"/>
+          </a:xfrm>
+          <a:prstGeom prst="curvedConnector4">
+            <a:avLst>
+              <a:gd name="adj1" fmla="val -64737"/>
+              <a:gd name="adj2" fmla="val 198609"/>
+            </a:avLst>
+          </a:prstGeom>
+          <a:ln w="38100">
+            <a:prstDash val="dash"/>
+            <a:headEnd type="none" w="med" len="med"/>
+            <a:tailEnd type="arrow" w="med" len="med"/>
+          </a:ln>
+        </p:spPr>
+        <p:style>
+          <a:lnRef idx="2">
+            <a:schemeClr val="dk1"/>
+          </a:lnRef>
+          <a:fillRef idx="1">
+            <a:schemeClr val="lt1"/>
+          </a:fillRef>
+          <a:effectRef idx="0">
+            <a:schemeClr val="dk1"/>
+          </a:effectRef>
+          <a:fontRef idx="minor">
+            <a:schemeClr val="dk1"/>
+          </a:fontRef>
+        </p:style>
+      </p:cxnSp>
+      <p:cxnSp>
+        <p:nvCxnSpPr>
+          <p:cNvPr id="92" name="Connector: Curved 91">
+            <a:extLst>
+              <a:ext uri="{FF2B5EF4-FFF2-40B4-BE49-F238E27FC236}">
+                <a16:creationId xmlns:a16="http://schemas.microsoft.com/office/drawing/2014/main" id="{32C2C2AC-4E9C-4C02-A634-DF607BD81B66}"/>
+              </a:ext>
+            </a:extLst>
+          </p:cNvPr>
+          <p:cNvCxnSpPr>
+            <a:stCxn id="64" idx="2"/>
+            <a:endCxn id="64" idx="1"/>
+          </p:cNvCxnSpPr>
+          <p:nvPr/>
+        </p:nvCxnSpPr>
+        <p:spPr>
+          <a:xfrm rot="5400000" flipH="1">
+            <a:off x="1589337" y="6748905"/>
+            <a:ext cx="382382" cy="761999"/>
+          </a:xfrm>
+          <a:prstGeom prst="curvedConnector4">
+            <a:avLst>
+              <a:gd name="adj1" fmla="val -141592"/>
+              <a:gd name="adj2" fmla="val 164737"/>
+            </a:avLst>
+          </a:prstGeom>
+          <a:ln w="38100">
+            <a:prstDash val="dash"/>
+            <a:headEnd type="none" w="med" len="med"/>
+            <a:tailEnd type="arrow" w="med" len="med"/>
+          </a:ln>
+        </p:spPr>
+        <p:style>
+          <a:lnRef idx="2">
+            <a:schemeClr val="dk1"/>
+          </a:lnRef>
+          <a:fillRef idx="1">
+            <a:schemeClr val="lt1"/>
+          </a:fillRef>
+          <a:effectRef idx="0">
+            <a:schemeClr val="dk1"/>
+          </a:effectRef>
+          <a:fontRef idx="minor">
+            <a:schemeClr val="dk1"/>
+          </a:fontRef>
+        </p:style>
+      </p:cxnSp>
+      <p:cxnSp>
+        <p:nvCxnSpPr>
+          <p:cNvPr id="94" name="Connector: Curved 93">
+            <a:extLst>
+              <a:ext uri="{FF2B5EF4-FFF2-40B4-BE49-F238E27FC236}">
+                <a16:creationId xmlns:a16="http://schemas.microsoft.com/office/drawing/2014/main" id="{1F305137-151C-4453-8D7A-D8EB37FAD6D6}"/>
+              </a:ext>
+            </a:extLst>
+          </p:cNvPr>
+          <p:cNvCxnSpPr>
+            <a:stCxn id="56" idx="3"/>
+            <a:endCxn id="56" idx="2"/>
+          </p:cNvCxnSpPr>
+          <p:nvPr/>
+        </p:nvCxnSpPr>
+        <p:spPr>
+          <a:xfrm flipH="1">
+            <a:off x="10139904" y="17552412"/>
+            <a:ext cx="761999" cy="382382"/>
+          </a:xfrm>
+          <a:prstGeom prst="curvedConnector4">
+            <a:avLst>
+              <a:gd name="adj1" fmla="val -74211"/>
+              <a:gd name="adj2" fmla="val 229006"/>
+            </a:avLst>
+          </a:prstGeom>
+          <a:ln w="38100">
+            <a:prstDash val="dash"/>
+            <a:headEnd type="none" w="med" len="med"/>
+            <a:tailEnd type="arrow" w="med" len="med"/>
+          </a:ln>
+        </p:spPr>
+        <p:style>
+          <a:lnRef idx="2">
+            <a:schemeClr val="dk1"/>
+          </a:lnRef>
+          <a:fillRef idx="1">
+            <a:schemeClr val="lt1"/>
+          </a:fillRef>
+          <a:effectRef idx="0">
+            <a:schemeClr val="dk1"/>
+          </a:effectRef>
+          <a:fontRef idx="minor">
+            <a:schemeClr val="dk1"/>
+          </a:fontRef>
+        </p:style>
+      </p:cxnSp>
+      <p:sp>
+        <p:nvSpPr>
+          <p:cNvPr id="107" name="TextBox 106">
+            <a:extLst>
+              <a:ext uri="{FF2B5EF4-FFF2-40B4-BE49-F238E27FC236}">
+                <a16:creationId xmlns:a16="http://schemas.microsoft.com/office/drawing/2014/main" id="{761F6318-A1AE-461D-9822-87BBD89CB1A4}"/>
+              </a:ext>
+            </a:extLst>
+          </p:cNvPr>
+          <p:cNvSpPr txBox="1"/>
+          <p:nvPr/>
+        </p:nvSpPr>
+        <p:spPr>
+          <a:xfrm>
+            <a:off x="7903493" y="6725193"/>
+            <a:ext cx="808235" cy="369332"/>
+          </a:xfrm>
+          <a:prstGeom prst="rect">
+            <a:avLst/>
+          </a:prstGeom>
+          <a:noFill/>
+        </p:spPr>
+        <p:txBody>
+          <a:bodyPr wrap="none" rtlCol="0">
+            <a:spAutoFit/>
+          </a:bodyPr>
+          <a:lstStyle/>
+          <a:p>
+            <a:r>
+              <a:rPr lang="en-US" dirty="0"/>
+              <a:t>Spawn</a:t>
+            </a:r>
+          </a:p>
+        </p:txBody>
+      </p:sp>
+      <p:sp>
+        <p:nvSpPr>
+          <p:cNvPr id="109" name="TextBox 108">
+            <a:extLst>
+              <a:ext uri="{FF2B5EF4-FFF2-40B4-BE49-F238E27FC236}">
+                <a16:creationId xmlns:a16="http://schemas.microsoft.com/office/drawing/2014/main" id="{AD286CA4-0257-4B6B-B9D8-776139C73892}"/>
+              </a:ext>
+            </a:extLst>
+          </p:cNvPr>
+          <p:cNvSpPr txBox="1"/>
+          <p:nvPr/>
+        </p:nvSpPr>
+        <p:spPr>
+          <a:xfrm>
+            <a:off x="6933986" y="9137567"/>
+            <a:ext cx="1564916" cy="369332"/>
+          </a:xfrm>
+          <a:prstGeom prst="rect">
+            <a:avLst/>
+          </a:prstGeom>
+          <a:noFill/>
+        </p:spPr>
+        <p:txBody>
+          <a:bodyPr wrap="none" rtlCol="0">
+            <a:spAutoFit/>
+          </a:bodyPr>
+          <a:lstStyle/>
+          <a:p>
+            <a:r>
+              <a:rPr lang="en-US" dirty="0"/>
+              <a:t>Player location</a:t>
+            </a:r>
+          </a:p>
+        </p:txBody>
+      </p:sp>
+      <p:sp>
+        <p:nvSpPr>
+          <p:cNvPr id="110" name="TextBox 109">
+            <a:extLst>
+              <a:ext uri="{FF2B5EF4-FFF2-40B4-BE49-F238E27FC236}">
+                <a16:creationId xmlns:a16="http://schemas.microsoft.com/office/drawing/2014/main" id="{073C9E4E-DBC5-4DDE-AD8E-E8D6C0E8A331}"/>
+              </a:ext>
+            </a:extLst>
+          </p:cNvPr>
+          <p:cNvSpPr txBox="1"/>
+          <p:nvPr/>
+        </p:nvSpPr>
+        <p:spPr>
+          <a:xfrm>
+            <a:off x="10139904" y="9363972"/>
+            <a:ext cx="1253485" cy="369332"/>
+          </a:xfrm>
+          <a:prstGeom prst="rect">
+            <a:avLst/>
+          </a:prstGeom>
+          <a:noFill/>
+        </p:spPr>
+        <p:txBody>
+          <a:bodyPr wrap="none" rtlCol="0">
+            <a:spAutoFit/>
+          </a:bodyPr>
+          <a:lstStyle/>
+          <a:p>
+            <a:r>
+              <a:rPr lang="en-US" dirty="0"/>
+              <a:t>Game state</a:t>
+            </a:r>
+          </a:p>
+        </p:txBody>
+      </p:sp>
+      <p:sp>
+        <p:nvSpPr>
+          <p:cNvPr id="111" name="TextBox 110">
+            <a:extLst>
+              <a:ext uri="{FF2B5EF4-FFF2-40B4-BE49-F238E27FC236}">
+                <a16:creationId xmlns:a16="http://schemas.microsoft.com/office/drawing/2014/main" id="{4CB07D9E-1FEF-4C89-8D3C-340838DCB10C}"/>
+              </a:ext>
+            </a:extLst>
+          </p:cNvPr>
+          <p:cNvSpPr txBox="1"/>
+          <p:nvPr/>
+        </p:nvSpPr>
+        <p:spPr>
+          <a:xfrm>
+            <a:off x="682501" y="7876762"/>
+            <a:ext cx="1997278" cy="369332"/>
+          </a:xfrm>
+          <a:prstGeom prst="rect">
+            <a:avLst/>
+          </a:prstGeom>
+          <a:noFill/>
+        </p:spPr>
+        <p:txBody>
+          <a:bodyPr wrap="none" rtlCol="0">
+            <a:spAutoFit/>
+          </a:bodyPr>
+          <a:lstStyle/>
+          <a:p>
+            <a:r>
+              <a:rPr lang="en-US" dirty="0"/>
+              <a:t>Every 1/60 seconds</a:t>
+            </a:r>
+          </a:p>
+        </p:txBody>
+      </p:sp>
+      <p:sp>
+        <p:nvSpPr>
+          <p:cNvPr id="119" name="TextBox 118">
+            <a:extLst>
+              <a:ext uri="{FF2B5EF4-FFF2-40B4-BE49-F238E27FC236}">
+                <a16:creationId xmlns:a16="http://schemas.microsoft.com/office/drawing/2014/main" id="{EDE7986E-F6BB-491D-9021-FFB5F542CD08}"/>
+              </a:ext>
+            </a:extLst>
+          </p:cNvPr>
+          <p:cNvSpPr txBox="1"/>
+          <p:nvPr/>
+        </p:nvSpPr>
+        <p:spPr>
+          <a:xfrm>
+            <a:off x="4264171" y="10476411"/>
+            <a:ext cx="1997278" cy="369332"/>
+          </a:xfrm>
+          <a:prstGeom prst="rect">
+            <a:avLst/>
+          </a:prstGeom>
+          <a:noFill/>
+        </p:spPr>
+        <p:txBody>
+          <a:bodyPr wrap="none" rtlCol="0">
+            <a:spAutoFit/>
+          </a:bodyPr>
+          <a:lstStyle/>
+          <a:p>
+            <a:r>
+              <a:rPr lang="en-US" dirty="0"/>
+              <a:t>Every 1/60 seconds</a:t>
+            </a:r>
+          </a:p>
+        </p:txBody>
+      </p:sp>
+      <p:sp>
+        <p:nvSpPr>
+          <p:cNvPr id="116" name="TextBox 115">
+            <a:extLst>
+              <a:ext uri="{FF2B5EF4-FFF2-40B4-BE49-F238E27FC236}">
+                <a16:creationId xmlns:a16="http://schemas.microsoft.com/office/drawing/2014/main" id="{90796148-4576-47AE-88E0-858E454CF57C}"/>
+              </a:ext>
+            </a:extLst>
+          </p:cNvPr>
+          <p:cNvSpPr txBox="1"/>
+          <p:nvPr/>
+        </p:nvSpPr>
+        <p:spPr>
+          <a:xfrm>
+            <a:off x="514350" y="21526500"/>
+            <a:ext cx="3924279" cy="369332"/>
+          </a:xfrm>
+          <a:prstGeom prst="rect">
+            <a:avLst/>
+          </a:prstGeom>
+          <a:noFill/>
+        </p:spPr>
+        <p:txBody>
+          <a:bodyPr wrap="none" rtlCol="0">
+            <a:spAutoFit/>
+          </a:bodyPr>
+          <a:lstStyle/>
+          <a:p>
+            <a:r>
+              <a:rPr lang="en-US" dirty="0" err="1"/>
+              <a:t>Vigneet</a:t>
+            </a:r>
+            <a:r>
+              <a:rPr lang="en-US" dirty="0"/>
+              <a:t> </a:t>
+            </a:r>
+            <a:r>
+              <a:rPr lang="en-US" dirty="0" err="1"/>
+              <a:t>Somura</a:t>
+            </a:r>
+            <a:r>
+              <a:rPr lang="en-US" dirty="0"/>
+              <a:t>, Ankit Soni, Varun Patni</a:t>
+            </a:r>
           </a:p>
         </p:txBody>
       </p:sp>

--- a/poster.pptx
+++ b/poster.pptx
@@ -3010,224 +3010,7 @@
                   <a:schemeClr val="bg1"/>
                 </a:solidFill>
               </a:rPr>
-              <a:t>AGAR.io</a:t>
-            </a:r>
-          </a:p>
-        </p:txBody>
-      </p:sp>
-      <p:pic>
-        <p:nvPicPr>
-          <p:cNvPr id="106" name="Picture 105">
-            <a:extLst>
-              <a:ext uri="{FF2B5EF4-FFF2-40B4-BE49-F238E27FC236}">
-                <a16:creationId xmlns:a16="http://schemas.microsoft.com/office/drawing/2014/main" id="{88D0BFD5-4EF4-4D85-8A10-509BD9017F01}"/>
-              </a:ext>
-            </a:extLst>
-          </p:cNvPr>
-          <p:cNvPicPr>
-            <a:picLocks noChangeAspect="1"/>
-          </p:cNvPicPr>
-          <p:nvPr/>
-        </p:nvPicPr>
-        <p:blipFill rotWithShape="1">
-          <a:blip r:embed="rId2">
-            <a:extLst>
-              <a:ext uri="{28A0092B-C50C-407E-A947-70E740481C1C}">
-                <a14:useLocalDpi xmlns:a14="http://schemas.microsoft.com/office/drawing/2010/main" val="0"/>
-              </a:ext>
-            </a:extLst>
-          </a:blip>
-          <a:srcRect l="22438" t="14992" r="6300" b="8020"/>
-          <a:stretch/>
-        </p:blipFill>
-        <p:spPr>
-          <a:xfrm>
-            <a:off x="13462465" y="3883436"/>
-            <a:ext cx="6789119" cy="4138346"/>
-          </a:xfrm>
-          <a:prstGeom prst="rect">
-            <a:avLst/>
-          </a:prstGeom>
-        </p:spPr>
-      </p:pic>
-      <p:pic>
-        <p:nvPicPr>
-          <p:cNvPr id="108" name="Picture 107">
-            <a:extLst>
-              <a:ext uri="{FF2B5EF4-FFF2-40B4-BE49-F238E27FC236}">
-                <a16:creationId xmlns:a16="http://schemas.microsoft.com/office/drawing/2014/main" id="{CFAC6F21-51EC-4F59-A42F-FEDBECBAB4C1}"/>
-              </a:ext>
-            </a:extLst>
-          </p:cNvPr>
-          <p:cNvPicPr>
-            <a:picLocks noChangeAspect="1"/>
-          </p:cNvPicPr>
-          <p:nvPr/>
-        </p:nvPicPr>
-        <p:blipFill rotWithShape="1">
-          <a:blip r:embed="rId3">
-            <a:extLst>
-              <a:ext uri="{28A0092B-C50C-407E-A947-70E740481C1C}">
-                <a14:useLocalDpi xmlns:a14="http://schemas.microsoft.com/office/drawing/2010/main" val="0"/>
-              </a:ext>
-            </a:extLst>
-          </a:blip>
-          <a:srcRect l="25950" t="31047" r="21415" b="7796"/>
-          <a:stretch/>
-        </p:blipFill>
-        <p:spPr>
-          <a:xfrm>
-            <a:off x="13462464" y="9822581"/>
-            <a:ext cx="6789120" cy="4138346"/>
-          </a:xfrm>
-          <a:prstGeom prst="rect">
-            <a:avLst/>
-          </a:prstGeom>
-        </p:spPr>
-      </p:pic>
-      <p:pic>
-        <p:nvPicPr>
-          <p:cNvPr id="112" name="Picture 111">
-            <a:extLst>
-              <a:ext uri="{FF2B5EF4-FFF2-40B4-BE49-F238E27FC236}">
-                <a16:creationId xmlns:a16="http://schemas.microsoft.com/office/drawing/2014/main" id="{95B0A638-A5B1-4F49-A223-514B86816FA8}"/>
-              </a:ext>
-            </a:extLst>
-          </p:cNvPr>
-          <p:cNvPicPr>
-            <a:picLocks noChangeAspect="1"/>
-          </p:cNvPicPr>
-          <p:nvPr/>
-        </p:nvPicPr>
-        <p:blipFill rotWithShape="1">
-          <a:blip r:embed="rId4">
-            <a:extLst>
-              <a:ext uri="{28A0092B-C50C-407E-A947-70E740481C1C}">
-                <a14:useLocalDpi xmlns:a14="http://schemas.microsoft.com/office/drawing/2010/main" val="0"/>
-              </a:ext>
-            </a:extLst>
-          </a:blip>
-          <a:srcRect l="14643" t="34021" r="12784" b="-1581"/>
-          <a:stretch/>
-        </p:blipFill>
-        <p:spPr>
-          <a:xfrm>
-            <a:off x="13462464" y="15868399"/>
-            <a:ext cx="6789120" cy="4138346"/>
-          </a:xfrm>
-          <a:prstGeom prst="rect">
-            <a:avLst/>
-          </a:prstGeom>
-        </p:spPr>
-      </p:pic>
-      <p:sp>
-        <p:nvSpPr>
-          <p:cNvPr id="113" name="TextBox 112">
-            <a:extLst>
-              <a:ext uri="{FF2B5EF4-FFF2-40B4-BE49-F238E27FC236}">
-                <a16:creationId xmlns:a16="http://schemas.microsoft.com/office/drawing/2014/main" id="{010FEF7B-C3B6-4E5A-A021-CDBDE8BF5B3A}"/>
-              </a:ext>
-            </a:extLst>
-          </p:cNvPr>
-          <p:cNvSpPr txBox="1"/>
-          <p:nvPr/>
-        </p:nvSpPr>
-        <p:spPr>
-          <a:xfrm>
-            <a:off x="20520099" y="3883436"/>
-            <a:ext cx="12138620" cy="3400931"/>
-          </a:xfrm>
-          <a:prstGeom prst="rect">
-            <a:avLst/>
-          </a:prstGeom>
-          <a:noFill/>
-        </p:spPr>
-        <p:txBody>
-          <a:bodyPr wrap="square" rtlCol="0">
-            <a:spAutoFit/>
-          </a:bodyPr>
-          <a:lstStyle/>
-          <a:p>
-            <a:r>
-              <a:rPr lang="en-US" sz="4300" dirty="0"/>
-              <a:t>Initially, the player starts at a random location and moves around using mouse pointers. The size of the player is small and moves on the canvas at very fast speed. The player eats the yellow food by moving over it and gained size.</a:t>
-            </a:r>
-          </a:p>
-        </p:txBody>
-      </p:sp>
-      <p:sp>
-        <p:nvSpPr>
-          <p:cNvPr id="114" name="TextBox 113">
-            <a:extLst>
-              <a:ext uri="{FF2B5EF4-FFF2-40B4-BE49-F238E27FC236}">
-                <a16:creationId xmlns:a16="http://schemas.microsoft.com/office/drawing/2014/main" id="{21312AB8-36FA-4928-9DBA-EF097E547DD9}"/>
-              </a:ext>
-            </a:extLst>
-          </p:cNvPr>
-          <p:cNvSpPr txBox="1"/>
-          <p:nvPr/>
-        </p:nvSpPr>
-        <p:spPr>
-          <a:xfrm>
-            <a:off x="20520099" y="9733304"/>
-            <a:ext cx="12138620" cy="3400931"/>
-          </a:xfrm>
-          <a:prstGeom prst="rect">
-            <a:avLst/>
-          </a:prstGeom>
-          <a:noFill/>
-        </p:spPr>
-        <p:txBody>
-          <a:bodyPr wrap="square" rtlCol="0">
-            <a:spAutoFit/>
-          </a:bodyPr>
-          <a:lstStyle/>
-          <a:p>
-            <a:r>
-              <a:rPr lang="en-US" sz="4300" dirty="0"/>
-              <a:t>As the player keeps eating food, it gains size and this reduces its speed. Therefore, the bigger a player is, the slower it will be. </a:t>
-            </a:r>
-            <a:br>
-              <a:rPr lang="en-US" sz="4300" dirty="0"/>
-            </a:br>
-            <a:r>
-              <a:rPr lang="en-US" sz="4300" dirty="0"/>
-              <a:t>This makes it harder for the player to explore the canvas looking for food and other opponents.</a:t>
-            </a:r>
-          </a:p>
-        </p:txBody>
-      </p:sp>
-      <p:sp>
-        <p:nvSpPr>
-          <p:cNvPr id="115" name="TextBox 114">
-            <a:extLst>
-              <a:ext uri="{FF2B5EF4-FFF2-40B4-BE49-F238E27FC236}">
-                <a16:creationId xmlns:a16="http://schemas.microsoft.com/office/drawing/2014/main" id="{2B7480A6-49C9-4E0B-8AE9-87CC9827A884}"/>
-              </a:ext>
-            </a:extLst>
-          </p:cNvPr>
-          <p:cNvSpPr txBox="1"/>
-          <p:nvPr/>
-        </p:nvSpPr>
-        <p:spPr>
-          <a:xfrm>
-            <a:off x="20779779" y="15868399"/>
-            <a:ext cx="12138620" cy="4724370"/>
-          </a:xfrm>
-          <a:prstGeom prst="rect">
-            <a:avLst/>
-          </a:prstGeom>
-          <a:noFill/>
-        </p:spPr>
-        <p:txBody>
-          <a:bodyPr wrap="square" rtlCol="0">
-            <a:spAutoFit/>
-          </a:bodyPr>
-          <a:lstStyle/>
-          <a:p>
-            <a:r>
-              <a:rPr lang="en-US" sz="4300" dirty="0"/>
-              <a:t>Even though the player is slow when it is big, it still has an advantage over other players who as smaller than it, as it is able to consume players who are smaller than it. The players can try to escape by boosting for a limited time, but it is still hard for smaller players to survive when surrounded by bigger players.</a:t>
+              <a:t>Agar.io</a:t>
             </a:r>
           </a:p>
         </p:txBody>
@@ -3248,7 +3031,7 @@
         </p:nvCxnSpPr>
         <p:spPr>
           <a:xfrm>
-            <a:off x="12760036" y="3170099"/>
+            <a:off x="20546291" y="3047206"/>
             <a:ext cx="0" cy="18775501"/>
           </a:xfrm>
           <a:prstGeom prst="line">
@@ -3270,240 +3053,2411 @@
           </a:fontRef>
         </p:style>
       </p:cxnSp>
-      <p:sp>
-        <p:nvSpPr>
-          <p:cNvPr id="121" name="Arrow: Up 120">
+      <p:grpSp>
+        <p:nvGrpSpPr>
+          <p:cNvPr id="5" name="Group 4">
             <a:extLst>
               <a:ext uri="{FF2B5EF4-FFF2-40B4-BE49-F238E27FC236}">
-                <a16:creationId xmlns:a16="http://schemas.microsoft.com/office/drawing/2014/main" id="{D877B5CA-9C35-4706-9B60-1A8DC855115E}"/>
+                <a16:creationId xmlns:a16="http://schemas.microsoft.com/office/drawing/2014/main" id="{5241A691-4514-46AC-A96A-AD93C7745DF2}"/>
               </a:ext>
             </a:extLst>
           </p:cNvPr>
-          <p:cNvSpPr/>
+          <p:cNvGrpSpPr/>
           <p:nvPr/>
-        </p:nvSpPr>
-        <p:spPr>
+        </p:nvGrpSpPr>
+        <p:grpSpPr>
           <a:xfrm>
-            <a:off x="16718430" y="4422997"/>
-            <a:ext cx="441932" cy="1844038"/>
+            <a:off x="779503" y="4897066"/>
+            <a:ext cx="18426162" cy="11188061"/>
+            <a:chOff x="13462464" y="3883436"/>
+            <a:chExt cx="18426162" cy="11188061"/>
           </a:xfrm>
-          <a:prstGeom prst="upArrow">
-            <a:avLst/>
-          </a:prstGeom>
-          <a:solidFill>
-            <a:schemeClr val="accent2">
-              <a:lumMod val="75000"/>
-            </a:schemeClr>
-          </a:solidFill>
-        </p:spPr>
-        <p:style>
-          <a:lnRef idx="2">
-            <a:schemeClr val="accent1">
-              <a:shade val="50000"/>
-            </a:schemeClr>
-          </a:lnRef>
-          <a:fillRef idx="1">
-            <a:schemeClr val="accent1"/>
-          </a:fillRef>
-          <a:effectRef idx="0">
-            <a:schemeClr val="accent1"/>
-          </a:effectRef>
-          <a:fontRef idx="minor">
-            <a:schemeClr val="lt1"/>
-          </a:fontRef>
-        </p:style>
-        <p:txBody>
-          <a:bodyPr rtlCol="0" anchor="ctr"/>
-          <a:lstStyle/>
-          <a:p>
-            <a:pPr algn="ctr"/>
-            <a:endParaRPr lang="en-US"/>
-          </a:p>
-        </p:txBody>
-      </p:sp>
-      <p:sp>
-        <p:nvSpPr>
-          <p:cNvPr id="122" name="Arrow: Up 121">
+        </p:grpSpPr>
+        <p:pic>
+          <p:nvPicPr>
+            <p:cNvPr id="106" name="Picture 105">
+              <a:extLst>
+                <a:ext uri="{FF2B5EF4-FFF2-40B4-BE49-F238E27FC236}">
+                  <a16:creationId xmlns:a16="http://schemas.microsoft.com/office/drawing/2014/main" id="{88D0BFD5-4EF4-4D85-8A10-509BD9017F01}"/>
+                </a:ext>
+              </a:extLst>
+            </p:cNvPr>
+            <p:cNvPicPr>
+              <a:picLocks noChangeAspect="1"/>
+            </p:cNvPicPr>
+            <p:nvPr/>
+          </p:nvPicPr>
+          <p:blipFill rotWithShape="1">
+            <a:blip r:embed="rId2">
+              <a:extLst>
+                <a:ext uri="{28A0092B-C50C-407E-A947-70E740481C1C}">
+                  <a14:useLocalDpi xmlns:a14="http://schemas.microsoft.com/office/drawing/2010/main" val="0"/>
+                </a:ext>
+              </a:extLst>
+            </a:blip>
+            <a:srcRect l="22438" t="14992" r="6300" b="8020"/>
+            <a:stretch/>
+          </p:blipFill>
+          <p:spPr>
+            <a:xfrm>
+              <a:off x="13462465" y="3883436"/>
+              <a:ext cx="5585113" cy="3404437"/>
+            </a:xfrm>
+            <a:prstGeom prst="rect">
+              <a:avLst/>
+            </a:prstGeom>
+          </p:spPr>
+        </p:pic>
+        <p:pic>
+          <p:nvPicPr>
+            <p:cNvPr id="108" name="Picture 107">
+              <a:extLst>
+                <a:ext uri="{FF2B5EF4-FFF2-40B4-BE49-F238E27FC236}">
+                  <a16:creationId xmlns:a16="http://schemas.microsoft.com/office/drawing/2014/main" id="{CFAC6F21-51EC-4F59-A42F-FEDBECBAB4C1}"/>
+                </a:ext>
+              </a:extLst>
+            </p:cNvPr>
+            <p:cNvPicPr>
+              <a:picLocks noChangeAspect="1"/>
+            </p:cNvPicPr>
+            <p:nvPr/>
+          </p:nvPicPr>
+          <p:blipFill rotWithShape="1">
+            <a:blip r:embed="rId3">
+              <a:extLst>
+                <a:ext uri="{28A0092B-C50C-407E-A947-70E740481C1C}">
+                  <a14:useLocalDpi xmlns:a14="http://schemas.microsoft.com/office/drawing/2010/main" val="0"/>
+                </a:ext>
+              </a:extLst>
+            </a:blip>
+            <a:srcRect l="25950" t="31047" r="21415" b="7796"/>
+            <a:stretch/>
+          </p:blipFill>
+          <p:spPr>
+            <a:xfrm>
+              <a:off x="13462464" y="7775255"/>
+              <a:ext cx="5585102" cy="3404430"/>
+            </a:xfrm>
+            <a:prstGeom prst="rect">
+              <a:avLst/>
+            </a:prstGeom>
+          </p:spPr>
+        </p:pic>
+        <p:pic>
+          <p:nvPicPr>
+            <p:cNvPr id="112" name="Picture 111">
+              <a:extLst>
+                <a:ext uri="{FF2B5EF4-FFF2-40B4-BE49-F238E27FC236}">
+                  <a16:creationId xmlns:a16="http://schemas.microsoft.com/office/drawing/2014/main" id="{95B0A638-A5B1-4F49-A223-514B86816FA8}"/>
+                </a:ext>
+              </a:extLst>
+            </p:cNvPr>
+            <p:cNvPicPr>
+              <a:picLocks noChangeAspect="1"/>
+            </p:cNvPicPr>
+            <p:nvPr/>
+          </p:nvPicPr>
+          <p:blipFill rotWithShape="1">
+            <a:blip r:embed="rId4">
+              <a:extLst>
+                <a:ext uri="{28A0092B-C50C-407E-A947-70E740481C1C}">
+                  <a14:useLocalDpi xmlns:a14="http://schemas.microsoft.com/office/drawing/2010/main" val="0"/>
+                </a:ext>
+              </a:extLst>
+            </a:blip>
+            <a:srcRect l="14643" t="34021" r="12784" b="-1581"/>
+            <a:stretch/>
+          </p:blipFill>
+          <p:spPr>
+            <a:xfrm>
+              <a:off x="13462464" y="11667067"/>
+              <a:ext cx="5585102" cy="3404430"/>
+            </a:xfrm>
+            <a:prstGeom prst="rect">
+              <a:avLst/>
+            </a:prstGeom>
+          </p:spPr>
+        </p:pic>
+        <p:sp>
+          <p:nvSpPr>
+            <p:cNvPr id="113" name="TextBox 112">
+              <a:extLst>
+                <a:ext uri="{FF2B5EF4-FFF2-40B4-BE49-F238E27FC236}">
+                  <a16:creationId xmlns:a16="http://schemas.microsoft.com/office/drawing/2014/main" id="{010FEF7B-C3B6-4E5A-A021-CDBDE8BF5B3A}"/>
+                </a:ext>
+              </a:extLst>
+            </p:cNvPr>
+            <p:cNvSpPr txBox="1"/>
+            <p:nvPr/>
+          </p:nvSpPr>
+          <p:spPr>
+            <a:xfrm>
+              <a:off x="19750006" y="4389598"/>
+              <a:ext cx="12138620" cy="2062103"/>
+            </a:xfrm>
+            <a:prstGeom prst="rect">
+              <a:avLst/>
+            </a:prstGeom>
+            <a:noFill/>
+          </p:spPr>
+          <p:txBody>
+            <a:bodyPr wrap="square" rtlCol="0">
+              <a:spAutoFit/>
+            </a:bodyPr>
+            <a:lstStyle/>
+            <a:p>
+              <a:r>
+                <a:rPr lang="en-US" sz="3200" dirty="0"/>
+                <a:t>Initially, the player starts at a random location and moves around using mouse pointers. The size of the player is small and moves on the canvas at very fast speed. The player eats the yellow food by moving over it and gained size.</a:t>
+              </a:r>
+            </a:p>
+          </p:txBody>
+        </p:sp>
+        <p:sp>
+          <p:nvSpPr>
+            <p:cNvPr id="114" name="TextBox 113">
+              <a:extLst>
+                <a:ext uri="{FF2B5EF4-FFF2-40B4-BE49-F238E27FC236}">
+                  <a16:creationId xmlns:a16="http://schemas.microsoft.com/office/drawing/2014/main" id="{21312AB8-36FA-4928-9DBA-EF097E547DD9}"/>
+                </a:ext>
+              </a:extLst>
+            </p:cNvPr>
+            <p:cNvSpPr txBox="1"/>
+            <p:nvPr/>
+          </p:nvSpPr>
+          <p:spPr>
+            <a:xfrm>
+              <a:off x="19727476" y="8072490"/>
+              <a:ext cx="12138620" cy="2062103"/>
+            </a:xfrm>
+            <a:prstGeom prst="rect">
+              <a:avLst/>
+            </a:prstGeom>
+            <a:noFill/>
+          </p:spPr>
+          <p:txBody>
+            <a:bodyPr wrap="square" rtlCol="0">
+              <a:spAutoFit/>
+            </a:bodyPr>
+            <a:lstStyle/>
+            <a:p>
+              <a:r>
+                <a:rPr lang="en-US" sz="3200" dirty="0"/>
+                <a:t>As the player keeps eating food, it gains size and this reduces its speed. Therefore, the bigger a player is, the slower it will be. </a:t>
+              </a:r>
+              <a:br>
+                <a:rPr lang="en-US" sz="3200" dirty="0"/>
+              </a:br>
+              <a:r>
+                <a:rPr lang="en-US" sz="3200" dirty="0"/>
+                <a:t>This makes it harder for the player to explore the canvas looking for food and other opponents.</a:t>
+              </a:r>
+              <a:endParaRPr lang="en-US" sz="4300" dirty="0"/>
+            </a:p>
+          </p:txBody>
+        </p:sp>
+        <p:sp>
+          <p:nvSpPr>
+            <p:cNvPr id="115" name="TextBox 114">
+              <a:extLst>
+                <a:ext uri="{FF2B5EF4-FFF2-40B4-BE49-F238E27FC236}">
+                  <a16:creationId xmlns:a16="http://schemas.microsoft.com/office/drawing/2014/main" id="{2B7480A6-49C9-4E0B-8AE9-87CC9827A884}"/>
+                </a:ext>
+              </a:extLst>
+            </p:cNvPr>
+            <p:cNvSpPr txBox="1"/>
+            <p:nvPr/>
+          </p:nvSpPr>
+          <p:spPr>
+            <a:xfrm>
+              <a:off x="19727476" y="11895375"/>
+              <a:ext cx="12138620" cy="2554545"/>
+            </a:xfrm>
+            <a:prstGeom prst="rect">
+              <a:avLst/>
+            </a:prstGeom>
+            <a:noFill/>
+          </p:spPr>
+          <p:txBody>
+            <a:bodyPr wrap="square" rtlCol="0">
+              <a:spAutoFit/>
+            </a:bodyPr>
+            <a:lstStyle/>
+            <a:p>
+              <a:r>
+                <a:rPr lang="en-US" sz="3200" dirty="0"/>
+                <a:t>Even though the player is slow when it is big, it still has an advantage over other players who as smaller than it, as it is able to consume players who are smaller than it. The players can try to escape by boosting for a limited time, but it is still hard for smaller players to survive when surrounded by bigger players.</a:t>
+              </a:r>
+            </a:p>
+          </p:txBody>
+        </p:sp>
+        <p:sp>
+          <p:nvSpPr>
+            <p:cNvPr id="121" name="Arrow: Up 120">
+              <a:extLst>
+                <a:ext uri="{FF2B5EF4-FFF2-40B4-BE49-F238E27FC236}">
+                  <a16:creationId xmlns:a16="http://schemas.microsoft.com/office/drawing/2014/main" id="{D877B5CA-9C35-4706-9B60-1A8DC855115E}"/>
+                </a:ext>
+              </a:extLst>
+            </p:cNvPr>
+            <p:cNvSpPr/>
+            <p:nvPr/>
+          </p:nvSpPr>
+          <p:spPr>
+            <a:xfrm>
+              <a:off x="16236291" y="4712144"/>
+              <a:ext cx="222908" cy="1189464"/>
+            </a:xfrm>
+            <a:prstGeom prst="upArrow">
+              <a:avLst/>
+            </a:prstGeom>
+            <a:solidFill>
+              <a:schemeClr val="accent2">
+                <a:lumMod val="75000"/>
+              </a:schemeClr>
+            </a:solidFill>
+          </p:spPr>
+          <p:style>
+            <a:lnRef idx="2">
+              <a:schemeClr val="accent1">
+                <a:shade val="50000"/>
+              </a:schemeClr>
+            </a:lnRef>
+            <a:fillRef idx="1">
+              <a:schemeClr val="accent1"/>
+            </a:fillRef>
+            <a:effectRef idx="0">
+              <a:schemeClr val="accent1"/>
+            </a:effectRef>
+            <a:fontRef idx="minor">
+              <a:schemeClr val="lt1"/>
+            </a:fontRef>
+          </p:style>
+          <p:txBody>
+            <a:bodyPr rtlCol="0" anchor="ctr"/>
+            <a:lstStyle/>
+            <a:p>
+              <a:pPr algn="ctr"/>
+              <a:endParaRPr lang="en-US"/>
+            </a:p>
+          </p:txBody>
+        </p:sp>
+        <p:sp>
+          <p:nvSpPr>
+            <p:cNvPr id="122" name="Arrow: Up 121">
+              <a:extLst>
+                <a:ext uri="{FF2B5EF4-FFF2-40B4-BE49-F238E27FC236}">
+                  <a16:creationId xmlns:a16="http://schemas.microsoft.com/office/drawing/2014/main" id="{66EFFA55-327C-478E-9AEC-EEADFF8FD3F0}"/>
+                </a:ext>
+              </a:extLst>
+            </p:cNvPr>
+            <p:cNvSpPr/>
+            <p:nvPr/>
+          </p:nvSpPr>
+          <p:spPr>
+            <a:xfrm>
+              <a:off x="16487479" y="8771896"/>
+              <a:ext cx="847846" cy="331646"/>
+            </a:xfrm>
+            <a:prstGeom prst="upArrow">
+              <a:avLst/>
+            </a:prstGeom>
+            <a:solidFill>
+              <a:schemeClr val="accent2">
+                <a:lumMod val="75000"/>
+              </a:schemeClr>
+            </a:solidFill>
+          </p:spPr>
+          <p:style>
+            <a:lnRef idx="2">
+              <a:schemeClr val="accent1">
+                <a:shade val="50000"/>
+              </a:schemeClr>
+            </a:lnRef>
+            <a:fillRef idx="1">
+              <a:schemeClr val="accent1"/>
+            </a:fillRef>
+            <a:effectRef idx="0">
+              <a:schemeClr val="accent1"/>
+            </a:effectRef>
+            <a:fontRef idx="minor">
+              <a:schemeClr val="lt1"/>
+            </a:fontRef>
+          </p:style>
+          <p:txBody>
+            <a:bodyPr rtlCol="0" anchor="ctr"/>
+            <a:lstStyle/>
+            <a:p>
+              <a:pPr algn="ctr"/>
+              <a:endParaRPr lang="en-US"/>
+            </a:p>
+          </p:txBody>
+        </p:sp>
+      </p:grpSp>
+      <p:grpSp>
+        <p:nvGrpSpPr>
+          <p:cNvPr id="2" name="Group 1">
             <a:extLst>
               <a:ext uri="{FF2B5EF4-FFF2-40B4-BE49-F238E27FC236}">
-                <a16:creationId xmlns:a16="http://schemas.microsoft.com/office/drawing/2014/main" id="{66EFFA55-327C-478E-9AEC-EEADFF8FD3F0}"/>
+                <a16:creationId xmlns:a16="http://schemas.microsoft.com/office/drawing/2014/main" id="{DA2C3FFA-5ACA-44D8-9499-DBC973D1B3A6}"/>
               </a:ext>
             </a:extLst>
           </p:cNvPr>
-          <p:cNvSpPr/>
+          <p:cNvGrpSpPr/>
           <p:nvPr/>
-        </p:nvSpPr>
-        <p:spPr>
+        </p:nvGrpSpPr>
+        <p:grpSpPr>
           <a:xfrm>
-            <a:off x="16806125" y="10610849"/>
-            <a:ext cx="1825692" cy="800073"/>
+            <a:off x="21065273" y="4897066"/>
+            <a:ext cx="10710888" cy="14009353"/>
+            <a:chOff x="682501" y="3925441"/>
+            <a:chExt cx="10710888" cy="14009353"/>
           </a:xfrm>
-          <a:prstGeom prst="upArrow">
-            <a:avLst/>
-          </a:prstGeom>
-          <a:solidFill>
-            <a:schemeClr val="accent2">
-              <a:lumMod val="75000"/>
-            </a:schemeClr>
-          </a:solidFill>
-        </p:spPr>
-        <p:style>
-          <a:lnRef idx="2">
-            <a:schemeClr val="accent1">
-              <a:shade val="50000"/>
-            </a:schemeClr>
-          </a:lnRef>
-          <a:fillRef idx="1">
-            <a:schemeClr val="accent1"/>
-          </a:fillRef>
-          <a:effectRef idx="0">
-            <a:schemeClr val="accent1"/>
-          </a:effectRef>
-          <a:fontRef idx="minor">
-            <a:schemeClr val="lt1"/>
-          </a:fontRef>
-        </p:style>
-        <p:txBody>
-          <a:bodyPr rtlCol="0" anchor="ctr"/>
-          <a:lstStyle/>
-          <a:p>
-            <a:pPr algn="ctr"/>
-            <a:endParaRPr lang="en-US"/>
-          </a:p>
-        </p:txBody>
-      </p:sp>
-      <p:sp>
-        <p:nvSpPr>
-          <p:cNvPr id="37" name="Rectangle: Diagonal Corners Snipped 36">
+        </p:grpSpPr>
+        <p:sp>
+          <p:nvSpPr>
+            <p:cNvPr id="37" name="Rectangle: Diagonal Corners Snipped 36">
+              <a:extLst>
+                <a:ext uri="{FF2B5EF4-FFF2-40B4-BE49-F238E27FC236}">
+                  <a16:creationId xmlns:a16="http://schemas.microsoft.com/office/drawing/2014/main" id="{D30E6408-1027-4672-B94F-738AABBB7A90}"/>
+                </a:ext>
+              </a:extLst>
+            </p:cNvPr>
+            <p:cNvSpPr/>
+            <p:nvPr/>
+          </p:nvSpPr>
+          <p:spPr>
+            <a:xfrm>
+              <a:off x="5786437" y="5127046"/>
+              <a:ext cx="1847849" cy="764764"/>
+            </a:xfrm>
+            <a:prstGeom prst="snip2DiagRect">
+              <a:avLst/>
+            </a:prstGeom>
+            <a:solidFill>
+              <a:schemeClr val="accent6">
+                <a:lumMod val="60000"/>
+                <a:lumOff val="40000"/>
+              </a:schemeClr>
+            </a:solidFill>
+          </p:spPr>
+          <p:style>
+            <a:lnRef idx="2">
+              <a:schemeClr val="dk1"/>
+            </a:lnRef>
+            <a:fillRef idx="1">
+              <a:schemeClr val="lt1"/>
+            </a:fillRef>
+            <a:effectRef idx="0">
+              <a:schemeClr val="dk1"/>
+            </a:effectRef>
+            <a:fontRef idx="minor">
+              <a:schemeClr val="dk1"/>
+            </a:fontRef>
+          </p:style>
+          <p:txBody>
+            <a:bodyPr rot="0" spcFirstLastPara="0" vertOverflow="overflow" horzOverflow="overflow" vert="horz" wrap="square" lIns="91440" tIns="45720" rIns="91440" bIns="45720" numCol="1" spcCol="0" rtlCol="0" fromWordArt="0" anchor="ctr" anchorCtr="0" forceAA="0" compatLnSpc="1">
+              <a:prstTxWarp prst="textNoShape">
+                <a:avLst/>
+              </a:prstTxWarp>
+              <a:noAutofit/>
+            </a:bodyPr>
+            <a:lstStyle/>
+            <a:p>
+              <a:pPr algn="ctr"/>
+              <a:r>
+                <a:rPr lang="en-US" dirty="0"/>
+                <a:t>Message receiver</a:t>
+              </a:r>
+            </a:p>
+          </p:txBody>
+        </p:sp>
+        <p:sp>
+          <p:nvSpPr>
+            <p:cNvPr id="41" name="Rectangle: Diagonal Corners Snipped 40">
+              <a:extLst>
+                <a:ext uri="{FF2B5EF4-FFF2-40B4-BE49-F238E27FC236}">
+                  <a16:creationId xmlns:a16="http://schemas.microsoft.com/office/drawing/2014/main" id="{CD32DE53-A5D9-4CF3-87AE-6EB43E06DD1D}"/>
+                </a:ext>
+              </a:extLst>
+            </p:cNvPr>
+            <p:cNvSpPr/>
+            <p:nvPr/>
+          </p:nvSpPr>
+          <p:spPr>
+            <a:xfrm>
+              <a:off x="9175803" y="6712143"/>
+              <a:ext cx="1847849" cy="764764"/>
+            </a:xfrm>
+            <a:prstGeom prst="snip2DiagRect">
+              <a:avLst/>
+            </a:prstGeom>
+            <a:solidFill>
+              <a:schemeClr val="accent6">
+                <a:lumMod val="60000"/>
+                <a:lumOff val="40000"/>
+              </a:schemeClr>
+            </a:solidFill>
+          </p:spPr>
+          <p:style>
+            <a:lnRef idx="2">
+              <a:schemeClr val="dk1"/>
+            </a:lnRef>
+            <a:fillRef idx="1">
+              <a:schemeClr val="lt1"/>
+            </a:fillRef>
+            <a:effectRef idx="0">
+              <a:schemeClr val="dk1"/>
+            </a:effectRef>
+            <a:fontRef idx="minor">
+              <a:schemeClr val="dk1"/>
+            </a:fontRef>
+          </p:style>
+          <p:txBody>
+            <a:bodyPr rot="0" spcFirstLastPara="0" vertOverflow="overflow" horzOverflow="overflow" vert="horz" wrap="square" lIns="91440" tIns="45720" rIns="91440" bIns="45720" numCol="1" spcCol="0" rtlCol="0" fromWordArt="0" anchor="ctr" anchorCtr="0" forceAA="0" compatLnSpc="1">
+              <a:prstTxWarp prst="textNoShape">
+                <a:avLst/>
+              </a:prstTxWarp>
+              <a:noAutofit/>
+            </a:bodyPr>
+            <a:lstStyle/>
+            <a:p>
+              <a:pPr algn="ctr"/>
+              <a:r>
+                <a:rPr lang="en-US" dirty="0"/>
+                <a:t>sender</a:t>
+              </a:r>
+            </a:p>
+          </p:txBody>
+        </p:sp>
+        <p:sp>
+          <p:nvSpPr>
+            <p:cNvPr id="42" name="Rectangle 41">
+              <a:extLst>
+                <a:ext uri="{FF2B5EF4-FFF2-40B4-BE49-F238E27FC236}">
+                  <a16:creationId xmlns:a16="http://schemas.microsoft.com/office/drawing/2014/main" id="{16FB8F34-38E0-4FB3-99B1-34C6D26DD9F1}"/>
+                </a:ext>
+              </a:extLst>
+            </p:cNvPr>
+            <p:cNvSpPr/>
+            <p:nvPr/>
+          </p:nvSpPr>
+          <p:spPr>
+            <a:xfrm>
+              <a:off x="9337731" y="8425370"/>
+              <a:ext cx="1523998" cy="764764"/>
+            </a:xfrm>
+            <a:prstGeom prst="rect">
+              <a:avLst/>
+            </a:prstGeom>
+            <a:solidFill>
+              <a:schemeClr val="accent1">
+                <a:lumMod val="75000"/>
+              </a:schemeClr>
+            </a:solidFill>
+          </p:spPr>
+          <p:style>
+            <a:lnRef idx="2">
+              <a:schemeClr val="dk1"/>
+            </a:lnRef>
+            <a:fillRef idx="1">
+              <a:schemeClr val="lt1"/>
+            </a:fillRef>
+            <a:effectRef idx="0">
+              <a:schemeClr val="dk1"/>
+            </a:effectRef>
+            <a:fontRef idx="minor">
+              <a:schemeClr val="dk1"/>
+            </a:fontRef>
+          </p:style>
+          <p:txBody>
+            <a:bodyPr rtlCol="0" anchor="ctr"/>
+            <a:lstStyle/>
+            <a:p>
+              <a:pPr algn="ctr"/>
+              <a:r>
+                <a:rPr lang="en-US" dirty="0">
+                  <a:solidFill>
+                    <a:schemeClr val="bg1"/>
+                  </a:solidFill>
+                </a:rPr>
+                <a:t>Retrieve game state</a:t>
+              </a:r>
+            </a:p>
+          </p:txBody>
+        </p:sp>
+        <p:sp>
+          <p:nvSpPr>
+            <p:cNvPr id="44" name="Rectangle 43">
+              <a:extLst>
+                <a:ext uri="{FF2B5EF4-FFF2-40B4-BE49-F238E27FC236}">
+                  <a16:creationId xmlns:a16="http://schemas.microsoft.com/office/drawing/2014/main" id="{F6BE4AF0-5B1D-4F9E-BD1F-515CB6560092}"/>
+                </a:ext>
+              </a:extLst>
+            </p:cNvPr>
+            <p:cNvSpPr/>
+            <p:nvPr/>
+          </p:nvSpPr>
+          <p:spPr>
+            <a:xfrm>
+              <a:off x="9337731" y="9942044"/>
+              <a:ext cx="1523998" cy="1030756"/>
+            </a:xfrm>
+            <a:prstGeom prst="rect">
+              <a:avLst/>
+            </a:prstGeom>
+            <a:solidFill>
+              <a:schemeClr val="accent1">
+                <a:lumMod val="75000"/>
+              </a:schemeClr>
+            </a:solidFill>
+          </p:spPr>
+          <p:style>
+            <a:lnRef idx="2">
+              <a:schemeClr val="dk1"/>
+            </a:lnRef>
+            <a:fillRef idx="1">
+              <a:schemeClr val="lt1"/>
+            </a:fillRef>
+            <a:effectRef idx="0">
+              <a:schemeClr val="dk1"/>
+            </a:effectRef>
+            <a:fontRef idx="minor">
+              <a:schemeClr val="dk1"/>
+            </a:fontRef>
+          </p:style>
+          <p:txBody>
+            <a:bodyPr rot="0" spcFirstLastPara="0" vertOverflow="overflow" horzOverflow="overflow" vert="horz" wrap="square" lIns="91440" tIns="45720" rIns="91440" bIns="45720" numCol="1" spcCol="0" rtlCol="0" fromWordArt="0" anchor="ctr" anchorCtr="0" forceAA="0" compatLnSpc="1">
+              <a:prstTxWarp prst="textNoShape">
+                <a:avLst/>
+              </a:prstTxWarp>
+              <a:noAutofit/>
+            </a:bodyPr>
+            <a:lstStyle/>
+            <a:p>
+              <a:pPr algn="ctr"/>
+              <a:r>
+                <a:rPr lang="en-US" dirty="0">
+                  <a:solidFill>
+                    <a:schemeClr val="bg1"/>
+                  </a:solidFill>
+                </a:rPr>
+                <a:t>Wait for responds and update game state</a:t>
+              </a:r>
+            </a:p>
+          </p:txBody>
+        </p:sp>
+        <p:sp>
+          <p:nvSpPr>
+            <p:cNvPr id="45" name="Rectangle: Diagonal Corners Snipped 44">
+              <a:extLst>
+                <a:ext uri="{FF2B5EF4-FFF2-40B4-BE49-F238E27FC236}">
+                  <a16:creationId xmlns:a16="http://schemas.microsoft.com/office/drawing/2014/main" id="{E72D65D5-6922-4EF4-AC9E-42650088D6ED}"/>
+                </a:ext>
+              </a:extLst>
+            </p:cNvPr>
+            <p:cNvSpPr/>
+            <p:nvPr/>
+          </p:nvSpPr>
+          <p:spPr>
+            <a:xfrm>
+              <a:off x="9175802" y="11599585"/>
+              <a:ext cx="1847849" cy="764764"/>
+            </a:xfrm>
+            <a:prstGeom prst="snip2DiagRect">
+              <a:avLst/>
+            </a:prstGeom>
+            <a:solidFill>
+              <a:schemeClr val="accent6">
+                <a:lumMod val="60000"/>
+                <a:lumOff val="40000"/>
+              </a:schemeClr>
+            </a:solidFill>
+          </p:spPr>
+          <p:style>
+            <a:lnRef idx="2">
+              <a:schemeClr val="dk1"/>
+            </a:lnRef>
+            <a:fillRef idx="1">
+              <a:schemeClr val="lt1"/>
+            </a:fillRef>
+            <a:effectRef idx="0">
+              <a:schemeClr val="dk1"/>
+            </a:effectRef>
+            <a:fontRef idx="minor">
+              <a:schemeClr val="dk1"/>
+            </a:fontRef>
+          </p:style>
+          <p:txBody>
+            <a:bodyPr rot="0" spcFirstLastPara="0" vertOverflow="overflow" horzOverflow="overflow" vert="horz" wrap="square" lIns="91440" tIns="45720" rIns="91440" bIns="45720" numCol="1" spcCol="0" rtlCol="0" fromWordArt="0" anchor="ctr" anchorCtr="0" forceAA="0" compatLnSpc="1">
+              <a:prstTxWarp prst="textNoShape">
+                <a:avLst/>
+              </a:prstTxWarp>
+              <a:noAutofit/>
+            </a:bodyPr>
+            <a:lstStyle/>
+            <a:p>
+              <a:pPr algn="ctr"/>
+              <a:r>
+                <a:rPr lang="en-US" dirty="0"/>
+                <a:t>Response handles</a:t>
+              </a:r>
+            </a:p>
+          </p:txBody>
+        </p:sp>
+        <p:sp>
+          <p:nvSpPr>
+            <p:cNvPr id="46" name="Rectangle 45">
+              <a:extLst>
+                <a:ext uri="{FF2B5EF4-FFF2-40B4-BE49-F238E27FC236}">
+                  <a16:creationId xmlns:a16="http://schemas.microsoft.com/office/drawing/2014/main" id="{E9403A0E-25E7-4D69-9E27-9692A708F8BF}"/>
+                </a:ext>
+              </a:extLst>
+            </p:cNvPr>
+            <p:cNvSpPr/>
+            <p:nvPr/>
+          </p:nvSpPr>
+          <p:spPr>
+            <a:xfrm>
+              <a:off x="5948362" y="11410923"/>
+              <a:ext cx="1523998" cy="1146926"/>
+            </a:xfrm>
+            <a:prstGeom prst="rect">
+              <a:avLst/>
+            </a:prstGeom>
+            <a:solidFill>
+              <a:schemeClr val="accent1">
+                <a:lumMod val="75000"/>
+              </a:schemeClr>
+            </a:solidFill>
+          </p:spPr>
+          <p:style>
+            <a:lnRef idx="2">
+              <a:schemeClr val="dk1"/>
+            </a:lnRef>
+            <a:fillRef idx="1">
+              <a:schemeClr val="lt1"/>
+            </a:fillRef>
+            <a:effectRef idx="0">
+              <a:schemeClr val="dk1"/>
+            </a:effectRef>
+            <a:fontRef idx="minor">
+              <a:schemeClr val="dk1"/>
+            </a:fontRef>
+          </p:style>
+          <p:txBody>
+            <a:bodyPr rtlCol="0" anchor="ctr"/>
+            <a:lstStyle/>
+            <a:p>
+              <a:pPr algn="ctr"/>
+              <a:r>
+                <a:rPr lang="en-US" dirty="0">
+                  <a:solidFill>
+                    <a:schemeClr val="bg1"/>
+                  </a:solidFill>
+                </a:rPr>
+                <a:t>Send players' location to server</a:t>
+              </a:r>
+            </a:p>
+          </p:txBody>
+        </p:sp>
+        <p:sp>
+          <p:nvSpPr>
+            <p:cNvPr id="47" name="Rectangle 46">
+              <a:extLst>
+                <a:ext uri="{FF2B5EF4-FFF2-40B4-BE49-F238E27FC236}">
+                  <a16:creationId xmlns:a16="http://schemas.microsoft.com/office/drawing/2014/main" id="{D3B5E8B4-7912-4C5B-9B64-F43553FC4014}"/>
+                </a:ext>
+              </a:extLst>
+            </p:cNvPr>
+            <p:cNvSpPr/>
+            <p:nvPr/>
+          </p:nvSpPr>
+          <p:spPr>
+            <a:xfrm>
+              <a:off x="2071389" y="11463332"/>
+              <a:ext cx="1523998" cy="1190214"/>
+            </a:xfrm>
+            <a:prstGeom prst="rect">
+              <a:avLst/>
+            </a:prstGeom>
+            <a:solidFill>
+              <a:schemeClr val="accent1">
+                <a:lumMod val="75000"/>
+              </a:schemeClr>
+            </a:solidFill>
+          </p:spPr>
+          <p:style>
+            <a:lnRef idx="2">
+              <a:schemeClr val="dk1"/>
+            </a:lnRef>
+            <a:fillRef idx="1">
+              <a:schemeClr val="lt1"/>
+            </a:fillRef>
+            <a:effectRef idx="0">
+              <a:schemeClr val="dk1"/>
+            </a:effectRef>
+            <a:fontRef idx="minor">
+              <a:schemeClr val="dk1"/>
+            </a:fontRef>
+          </p:style>
+          <p:txBody>
+            <a:bodyPr rtlCol="0" anchor="ctr"/>
+            <a:lstStyle/>
+            <a:p>
+              <a:pPr algn="ctr"/>
+              <a:r>
+                <a:rPr lang="en-US" dirty="0">
+                  <a:solidFill>
+                    <a:schemeClr val="bg1"/>
+                  </a:solidFill>
+                </a:rPr>
+                <a:t>Update player’s location locally</a:t>
+              </a:r>
+            </a:p>
+          </p:txBody>
+        </p:sp>
+        <p:sp>
+          <p:nvSpPr>
+            <p:cNvPr id="53" name="Rectangle 52">
+              <a:extLst>
+                <a:ext uri="{FF2B5EF4-FFF2-40B4-BE49-F238E27FC236}">
+                  <a16:creationId xmlns:a16="http://schemas.microsoft.com/office/drawing/2014/main" id="{3666F87A-C92E-4B61-AF4F-3DB27FFEE1C7}"/>
+                </a:ext>
+              </a:extLst>
+            </p:cNvPr>
+            <p:cNvSpPr/>
+            <p:nvPr/>
+          </p:nvSpPr>
+          <p:spPr>
+            <a:xfrm>
+              <a:off x="3978295" y="15486017"/>
+              <a:ext cx="1523998" cy="764764"/>
+            </a:xfrm>
+            <a:prstGeom prst="rect">
+              <a:avLst/>
+            </a:prstGeom>
+            <a:solidFill>
+              <a:schemeClr val="accent1">
+                <a:lumMod val="75000"/>
+              </a:schemeClr>
+            </a:solidFill>
+          </p:spPr>
+          <p:style>
+            <a:lnRef idx="2">
+              <a:schemeClr val="dk1"/>
+            </a:lnRef>
+            <a:fillRef idx="1">
+              <a:schemeClr val="lt1"/>
+            </a:fillRef>
+            <a:effectRef idx="0">
+              <a:schemeClr val="dk1"/>
+            </a:effectRef>
+            <a:fontRef idx="minor">
+              <a:schemeClr val="dk1"/>
+            </a:fontRef>
+          </p:style>
+          <p:txBody>
+            <a:bodyPr rtlCol="0" anchor="ctr"/>
+            <a:lstStyle/>
+            <a:p>
+              <a:pPr algn="ctr"/>
+              <a:r>
+                <a:rPr lang="en-US" dirty="0">
+                  <a:solidFill>
+                    <a:schemeClr val="bg1"/>
+                  </a:solidFill>
+                </a:rPr>
+                <a:t>Client</a:t>
+              </a:r>
+            </a:p>
+          </p:txBody>
+        </p:sp>
+        <p:sp>
+          <p:nvSpPr>
+            <p:cNvPr id="56" name="Rectangle 55">
+              <a:extLst>
+                <a:ext uri="{FF2B5EF4-FFF2-40B4-BE49-F238E27FC236}">
+                  <a16:creationId xmlns:a16="http://schemas.microsoft.com/office/drawing/2014/main" id="{5431C68F-06C2-4E00-BE8E-DA79D0C942AE}"/>
+                </a:ext>
+              </a:extLst>
+            </p:cNvPr>
+            <p:cNvSpPr/>
+            <p:nvPr/>
+          </p:nvSpPr>
+          <p:spPr>
+            <a:xfrm>
+              <a:off x="9377905" y="17170030"/>
+              <a:ext cx="1523998" cy="764764"/>
+            </a:xfrm>
+            <a:prstGeom prst="rect">
+              <a:avLst/>
+            </a:prstGeom>
+            <a:solidFill>
+              <a:schemeClr val="accent1">
+                <a:lumMod val="75000"/>
+              </a:schemeClr>
+            </a:solidFill>
+          </p:spPr>
+          <p:style>
+            <a:lnRef idx="2">
+              <a:schemeClr val="dk1"/>
+            </a:lnRef>
+            <a:fillRef idx="1">
+              <a:schemeClr val="lt1"/>
+            </a:fillRef>
+            <a:effectRef idx="0">
+              <a:schemeClr val="dk1"/>
+            </a:effectRef>
+            <a:fontRef idx="minor">
+              <a:schemeClr val="dk1"/>
+            </a:fontRef>
+          </p:style>
+          <p:txBody>
+            <a:bodyPr rtlCol="0" anchor="ctr"/>
+            <a:lstStyle/>
+            <a:p>
+              <a:pPr algn="ctr"/>
+              <a:r>
+                <a:rPr lang="en-US" dirty="0">
+                  <a:solidFill>
+                    <a:schemeClr val="bg1"/>
+                  </a:solidFill>
+                </a:rPr>
+                <a:t>Draw Current Game state</a:t>
+              </a:r>
+            </a:p>
+          </p:txBody>
+        </p:sp>
+        <p:sp>
+          <p:nvSpPr>
+            <p:cNvPr id="57" name="Rectangle: Diagonal Corners Snipped 56">
+              <a:extLst>
+                <a:ext uri="{FF2B5EF4-FFF2-40B4-BE49-F238E27FC236}">
+                  <a16:creationId xmlns:a16="http://schemas.microsoft.com/office/drawing/2014/main" id="{DC5283CA-7AE7-4F3F-88C5-778330BAE5E7}"/>
+                </a:ext>
+              </a:extLst>
+            </p:cNvPr>
+            <p:cNvSpPr/>
+            <p:nvPr/>
+          </p:nvSpPr>
+          <p:spPr>
+            <a:xfrm>
+              <a:off x="5786436" y="13578545"/>
+              <a:ext cx="1847849" cy="764764"/>
+            </a:xfrm>
+            <a:prstGeom prst="snip2DiagRect">
+              <a:avLst/>
+            </a:prstGeom>
+            <a:solidFill>
+              <a:schemeClr val="accent6">
+                <a:lumMod val="60000"/>
+                <a:lumOff val="40000"/>
+              </a:schemeClr>
+            </a:solidFill>
+          </p:spPr>
+          <p:style>
+            <a:lnRef idx="2">
+              <a:schemeClr val="dk1"/>
+            </a:lnRef>
+            <a:fillRef idx="1">
+              <a:schemeClr val="lt1"/>
+            </a:fillRef>
+            <a:effectRef idx="0">
+              <a:schemeClr val="dk1"/>
+            </a:effectRef>
+            <a:fontRef idx="minor">
+              <a:schemeClr val="dk1"/>
+            </a:fontRef>
+          </p:style>
+          <p:txBody>
+            <a:bodyPr rot="0" spcFirstLastPara="0" vertOverflow="overflow" horzOverflow="overflow" vert="horz" wrap="square" lIns="91440" tIns="45720" rIns="91440" bIns="45720" numCol="1" spcCol="0" rtlCol="0" fromWordArt="0" anchor="ctr" anchorCtr="0" forceAA="0" compatLnSpc="1">
+              <a:prstTxWarp prst="textNoShape">
+                <a:avLst/>
+              </a:prstTxWarp>
+              <a:noAutofit/>
+            </a:bodyPr>
+            <a:lstStyle/>
+            <a:p>
+              <a:pPr algn="ctr"/>
+              <a:r>
+                <a:rPr lang="en-US" dirty="0"/>
+                <a:t>Message handler</a:t>
+              </a:r>
+            </a:p>
+          </p:txBody>
+        </p:sp>
+        <p:sp>
+          <p:nvSpPr>
+            <p:cNvPr id="59" name="Rectangle: Diagonal Corners Snipped 58">
+              <a:extLst>
+                <a:ext uri="{FF2B5EF4-FFF2-40B4-BE49-F238E27FC236}">
+                  <a16:creationId xmlns:a16="http://schemas.microsoft.com/office/drawing/2014/main" id="{5CFCABCA-2D29-4F3F-801F-55916286E451}"/>
+                </a:ext>
+              </a:extLst>
+            </p:cNvPr>
+            <p:cNvSpPr/>
+            <p:nvPr/>
+          </p:nvSpPr>
+          <p:spPr>
+            <a:xfrm>
+              <a:off x="1910789" y="13578545"/>
+              <a:ext cx="1847849" cy="764764"/>
+            </a:xfrm>
+            <a:prstGeom prst="snip2DiagRect">
+              <a:avLst/>
+            </a:prstGeom>
+            <a:solidFill>
+              <a:schemeClr val="accent6">
+                <a:lumMod val="60000"/>
+                <a:lumOff val="40000"/>
+              </a:schemeClr>
+            </a:solidFill>
+          </p:spPr>
+          <p:style>
+            <a:lnRef idx="2">
+              <a:schemeClr val="dk1"/>
+            </a:lnRef>
+            <a:fillRef idx="1">
+              <a:schemeClr val="lt1"/>
+            </a:fillRef>
+            <a:effectRef idx="0">
+              <a:schemeClr val="dk1"/>
+            </a:effectRef>
+            <a:fontRef idx="minor">
+              <a:schemeClr val="dk1"/>
+            </a:fontRef>
+          </p:style>
+          <p:txBody>
+            <a:bodyPr rot="0" spcFirstLastPara="0" vertOverflow="overflow" horzOverflow="overflow" vert="horz" wrap="square" lIns="91440" tIns="45720" rIns="91440" bIns="45720" numCol="1" spcCol="0" rtlCol="0" fromWordArt="0" anchor="ctr" anchorCtr="0" forceAA="0" compatLnSpc="1">
+              <a:prstTxWarp prst="textNoShape">
+                <a:avLst/>
+              </a:prstTxWarp>
+              <a:noAutofit/>
+            </a:bodyPr>
+            <a:lstStyle/>
+            <a:p>
+              <a:pPr algn="ctr"/>
+              <a:r>
+                <a:rPr lang="en-US" dirty="0"/>
+                <a:t>Input handler</a:t>
+              </a:r>
+            </a:p>
+          </p:txBody>
+        </p:sp>
+        <p:sp>
+          <p:nvSpPr>
+            <p:cNvPr id="61" name="Rectangle 60">
+              <a:extLst>
+                <a:ext uri="{FF2B5EF4-FFF2-40B4-BE49-F238E27FC236}">
+                  <a16:creationId xmlns:a16="http://schemas.microsoft.com/office/drawing/2014/main" id="{82B5BE7A-131B-44B4-BC51-B1885C61861B}"/>
+                </a:ext>
+              </a:extLst>
+            </p:cNvPr>
+            <p:cNvSpPr/>
+            <p:nvPr/>
+          </p:nvSpPr>
+          <p:spPr>
+            <a:xfrm>
+              <a:off x="3738812" y="3925441"/>
+              <a:ext cx="1523998" cy="764764"/>
+            </a:xfrm>
+            <a:prstGeom prst="rect">
+              <a:avLst/>
+            </a:prstGeom>
+            <a:solidFill>
+              <a:schemeClr val="accent1">
+                <a:lumMod val="75000"/>
+              </a:schemeClr>
+            </a:solidFill>
+          </p:spPr>
+          <p:style>
+            <a:lnRef idx="2">
+              <a:schemeClr val="dk1"/>
+            </a:lnRef>
+            <a:fillRef idx="1">
+              <a:schemeClr val="lt1"/>
+            </a:fillRef>
+            <a:effectRef idx="0">
+              <a:schemeClr val="dk1"/>
+            </a:effectRef>
+            <a:fontRef idx="minor">
+              <a:schemeClr val="dk1"/>
+            </a:fontRef>
+          </p:style>
+          <p:txBody>
+            <a:bodyPr rtlCol="0" anchor="ctr"/>
+            <a:lstStyle/>
+            <a:p>
+              <a:pPr algn="ctr"/>
+              <a:r>
+                <a:rPr lang="en-US" dirty="0">
+                  <a:solidFill>
+                    <a:schemeClr val="bg1"/>
+                  </a:solidFill>
+                </a:rPr>
+                <a:t>Server</a:t>
+              </a:r>
+            </a:p>
+          </p:txBody>
+        </p:sp>
+        <p:sp>
+          <p:nvSpPr>
+            <p:cNvPr id="62" name="Rectangle: Diagonal Corners Snipped 61">
+              <a:extLst>
+                <a:ext uri="{FF2B5EF4-FFF2-40B4-BE49-F238E27FC236}">
+                  <a16:creationId xmlns:a16="http://schemas.microsoft.com/office/drawing/2014/main" id="{9F69E181-E012-4885-AB9E-FEBBCEAAAEC4}"/>
+                </a:ext>
+              </a:extLst>
+            </p:cNvPr>
+            <p:cNvSpPr/>
+            <p:nvPr/>
+          </p:nvSpPr>
+          <p:spPr>
+            <a:xfrm>
+              <a:off x="1226169" y="5127046"/>
+              <a:ext cx="1847849" cy="764764"/>
+            </a:xfrm>
+            <a:prstGeom prst="snip2DiagRect">
+              <a:avLst>
+                <a:gd name="adj1" fmla="val 0"/>
+                <a:gd name="adj2" fmla="val 30072"/>
+              </a:avLst>
+            </a:prstGeom>
+            <a:solidFill>
+              <a:schemeClr val="accent6">
+                <a:lumMod val="60000"/>
+                <a:lumOff val="40000"/>
+              </a:schemeClr>
+            </a:solidFill>
+          </p:spPr>
+          <p:style>
+            <a:lnRef idx="2">
+              <a:schemeClr val="dk1"/>
+            </a:lnRef>
+            <a:fillRef idx="1">
+              <a:schemeClr val="lt1"/>
+            </a:fillRef>
+            <a:effectRef idx="0">
+              <a:schemeClr val="dk1"/>
+            </a:effectRef>
+            <a:fontRef idx="minor">
+              <a:schemeClr val="dk1"/>
+            </a:fontRef>
+          </p:style>
+          <p:txBody>
+            <a:bodyPr rtlCol="0" anchor="ctr"/>
+            <a:lstStyle/>
+            <a:p>
+              <a:pPr algn="ctr"/>
+              <a:r>
+                <a:rPr lang="en-US" dirty="0"/>
+                <a:t>Game loop</a:t>
+              </a:r>
+            </a:p>
+          </p:txBody>
+        </p:sp>
+        <p:sp>
+          <p:nvSpPr>
+            <p:cNvPr id="64" name="Rectangle 63">
+              <a:extLst>
+                <a:ext uri="{FF2B5EF4-FFF2-40B4-BE49-F238E27FC236}">
+                  <a16:creationId xmlns:a16="http://schemas.microsoft.com/office/drawing/2014/main" id="{DB65D3AC-6FB8-49AF-A8CF-9615B9E47249}"/>
+                </a:ext>
+              </a:extLst>
+            </p:cNvPr>
+            <p:cNvSpPr/>
+            <p:nvPr/>
+          </p:nvSpPr>
+          <p:spPr>
+            <a:xfrm>
+              <a:off x="1399528" y="6556331"/>
+              <a:ext cx="1523998" cy="764764"/>
+            </a:xfrm>
+            <a:prstGeom prst="rect">
+              <a:avLst/>
+            </a:prstGeom>
+            <a:solidFill>
+              <a:schemeClr val="accent1">
+                <a:lumMod val="75000"/>
+              </a:schemeClr>
+            </a:solidFill>
+          </p:spPr>
+          <p:style>
+            <a:lnRef idx="2">
+              <a:schemeClr val="dk1"/>
+            </a:lnRef>
+            <a:fillRef idx="1">
+              <a:schemeClr val="lt1"/>
+            </a:fillRef>
+            <a:effectRef idx="0">
+              <a:schemeClr val="dk1"/>
+            </a:effectRef>
+            <a:fontRef idx="minor">
+              <a:schemeClr val="dk1"/>
+            </a:fontRef>
+          </p:style>
+          <p:txBody>
+            <a:bodyPr rtlCol="0" anchor="ctr"/>
+            <a:lstStyle/>
+            <a:p>
+              <a:pPr algn="ctr"/>
+              <a:r>
+                <a:rPr lang="en-US" dirty="0">
+                  <a:solidFill>
+                    <a:schemeClr val="bg1"/>
+                  </a:solidFill>
+                </a:rPr>
+                <a:t>Process</a:t>
+              </a:r>
+            </a:p>
+          </p:txBody>
+        </p:sp>
+        <p:sp>
+          <p:nvSpPr>
+            <p:cNvPr id="66" name="Rectangle 65">
+              <a:extLst>
+                <a:ext uri="{FF2B5EF4-FFF2-40B4-BE49-F238E27FC236}">
+                  <a16:creationId xmlns:a16="http://schemas.microsoft.com/office/drawing/2014/main" id="{437BDEB7-D7ED-46A7-A2F5-EF9A072764BD}"/>
+                </a:ext>
+              </a:extLst>
+            </p:cNvPr>
+            <p:cNvSpPr/>
+            <p:nvPr/>
+          </p:nvSpPr>
+          <p:spPr>
+            <a:xfrm>
+              <a:off x="5948363" y="6521062"/>
+              <a:ext cx="1523998" cy="1146926"/>
+            </a:xfrm>
+            <a:prstGeom prst="rect">
+              <a:avLst/>
+            </a:prstGeom>
+            <a:solidFill>
+              <a:schemeClr val="accent1">
+                <a:lumMod val="75000"/>
+              </a:schemeClr>
+            </a:solidFill>
+          </p:spPr>
+          <p:style>
+            <a:lnRef idx="2">
+              <a:schemeClr val="dk1"/>
+            </a:lnRef>
+            <a:fillRef idx="1">
+              <a:schemeClr val="lt1"/>
+            </a:fillRef>
+            <a:effectRef idx="0">
+              <a:schemeClr val="dk1"/>
+            </a:effectRef>
+            <a:fontRef idx="minor">
+              <a:schemeClr val="dk1"/>
+            </a:fontRef>
+          </p:style>
+          <p:txBody>
+            <a:bodyPr rtlCol="0" anchor="ctr"/>
+            <a:lstStyle/>
+            <a:p>
+              <a:pPr algn="ctr"/>
+              <a:r>
+                <a:rPr lang="en-US" dirty="0">
+                  <a:solidFill>
+                    <a:schemeClr val="bg1"/>
+                  </a:solidFill>
+                </a:rPr>
+                <a:t>Wait for message and update player location</a:t>
+              </a:r>
+            </a:p>
+          </p:txBody>
+        </p:sp>
+        <p:sp>
+          <p:nvSpPr>
+            <p:cNvPr id="67" name="Rectangle: Diagonal Corners Snipped 66">
+              <a:extLst>
+                <a:ext uri="{FF2B5EF4-FFF2-40B4-BE49-F238E27FC236}">
+                  <a16:creationId xmlns:a16="http://schemas.microsoft.com/office/drawing/2014/main" id="{C527FED5-F82B-458B-9EFB-5EA5A9C8732B}"/>
+                </a:ext>
+              </a:extLst>
+            </p:cNvPr>
+            <p:cNvSpPr/>
+            <p:nvPr/>
+          </p:nvSpPr>
+          <p:spPr>
+            <a:xfrm>
+              <a:off x="9175804" y="15474367"/>
+              <a:ext cx="1847849" cy="764764"/>
+            </a:xfrm>
+            <a:prstGeom prst="snip2DiagRect">
+              <a:avLst/>
+            </a:prstGeom>
+            <a:solidFill>
+              <a:schemeClr val="accent6">
+                <a:lumMod val="60000"/>
+                <a:lumOff val="40000"/>
+              </a:schemeClr>
+            </a:solidFill>
+          </p:spPr>
+          <p:style>
+            <a:lnRef idx="2">
+              <a:schemeClr val="dk1"/>
+            </a:lnRef>
+            <a:fillRef idx="1">
+              <a:schemeClr val="lt1"/>
+            </a:fillRef>
+            <a:effectRef idx="0">
+              <a:schemeClr val="dk1"/>
+            </a:effectRef>
+            <a:fontRef idx="minor">
+              <a:schemeClr val="dk1"/>
+            </a:fontRef>
+          </p:style>
+          <p:txBody>
+            <a:bodyPr rot="0" spcFirstLastPara="0" vertOverflow="overflow" horzOverflow="overflow" vert="horz" wrap="square" lIns="91440" tIns="45720" rIns="91440" bIns="45720" numCol="1" spcCol="0" rtlCol="0" fromWordArt="0" anchor="ctr" anchorCtr="0" forceAA="0" compatLnSpc="1">
+              <a:prstTxWarp prst="textNoShape">
+                <a:avLst/>
+              </a:prstTxWarp>
+              <a:noAutofit/>
+            </a:bodyPr>
+            <a:lstStyle/>
+            <a:p>
+              <a:pPr algn="ctr"/>
+              <a:r>
+                <a:rPr lang="en-US" dirty="0"/>
+                <a:t>Render</a:t>
+              </a:r>
+            </a:p>
+          </p:txBody>
+        </p:sp>
+        <p:cxnSp>
+          <p:nvCxnSpPr>
+            <p:cNvPr id="6" name="Straight Arrow Connector 5">
+              <a:extLst>
+                <a:ext uri="{FF2B5EF4-FFF2-40B4-BE49-F238E27FC236}">
+                  <a16:creationId xmlns:a16="http://schemas.microsoft.com/office/drawing/2014/main" id="{3C84C28B-CF54-40C2-8B40-A0D52B70E9C7}"/>
+                </a:ext>
+              </a:extLst>
+            </p:cNvPr>
+            <p:cNvCxnSpPr>
+              <a:stCxn id="61" idx="1"/>
+              <a:endCxn id="62" idx="3"/>
+            </p:cNvCxnSpPr>
+            <p:nvPr/>
+          </p:nvCxnSpPr>
+          <p:spPr>
+            <a:xfrm flipH="1">
+              <a:off x="2150094" y="4307823"/>
+              <a:ext cx="1588718" cy="819223"/>
+            </a:xfrm>
+            <a:prstGeom prst="straightConnector1">
+              <a:avLst/>
+            </a:prstGeom>
+            <a:ln w="38100">
+              <a:headEnd type="none" w="med" len="med"/>
+              <a:tailEnd type="arrow" w="med" len="med"/>
+            </a:ln>
+          </p:spPr>
+          <p:style>
+            <a:lnRef idx="2">
+              <a:schemeClr val="dk1"/>
+            </a:lnRef>
+            <a:fillRef idx="1">
+              <a:schemeClr val="lt1"/>
+            </a:fillRef>
+            <a:effectRef idx="0">
+              <a:schemeClr val="dk1"/>
+            </a:effectRef>
+            <a:fontRef idx="minor">
+              <a:schemeClr val="dk1"/>
+            </a:fontRef>
+          </p:style>
+        </p:cxnSp>
+        <p:cxnSp>
+          <p:nvCxnSpPr>
+            <p:cNvPr id="8" name="Straight Arrow Connector 7">
+              <a:extLst>
+                <a:ext uri="{FF2B5EF4-FFF2-40B4-BE49-F238E27FC236}">
+                  <a16:creationId xmlns:a16="http://schemas.microsoft.com/office/drawing/2014/main" id="{A6172DEF-7B1B-4B03-93C5-FC5628BCE252}"/>
+                </a:ext>
+              </a:extLst>
+            </p:cNvPr>
+            <p:cNvCxnSpPr>
+              <a:stCxn id="61" idx="3"/>
+              <a:endCxn id="37" idx="3"/>
+            </p:cNvCxnSpPr>
+            <p:nvPr/>
+          </p:nvCxnSpPr>
+          <p:spPr>
+            <a:xfrm>
+              <a:off x="5262810" y="4307823"/>
+              <a:ext cx="1447552" cy="819223"/>
+            </a:xfrm>
+            <a:prstGeom prst="straightConnector1">
+              <a:avLst/>
+            </a:prstGeom>
+            <a:ln w="38100">
+              <a:headEnd type="none" w="med" len="med"/>
+              <a:tailEnd type="arrow" w="med" len="med"/>
+            </a:ln>
+          </p:spPr>
+          <p:style>
+            <a:lnRef idx="2">
+              <a:schemeClr val="dk1"/>
+            </a:lnRef>
+            <a:fillRef idx="1">
+              <a:schemeClr val="lt1"/>
+            </a:fillRef>
+            <a:effectRef idx="0">
+              <a:schemeClr val="dk1"/>
+            </a:effectRef>
+            <a:fontRef idx="minor">
+              <a:schemeClr val="dk1"/>
+            </a:fontRef>
+          </p:style>
+        </p:cxnSp>
+        <p:cxnSp>
+          <p:nvCxnSpPr>
+            <p:cNvPr id="13" name="Straight Arrow Connector 12">
+              <a:extLst>
+                <a:ext uri="{FF2B5EF4-FFF2-40B4-BE49-F238E27FC236}">
+                  <a16:creationId xmlns:a16="http://schemas.microsoft.com/office/drawing/2014/main" id="{839A9B8A-72FB-4C55-A313-4B76B4D238B6}"/>
+                </a:ext>
+              </a:extLst>
+            </p:cNvPr>
+            <p:cNvCxnSpPr>
+              <a:stCxn id="37" idx="1"/>
+              <a:endCxn id="66" idx="0"/>
+            </p:cNvCxnSpPr>
+            <p:nvPr/>
+          </p:nvCxnSpPr>
+          <p:spPr>
+            <a:xfrm>
+              <a:off x="6710362" y="5891810"/>
+              <a:ext cx="0" cy="629252"/>
+            </a:xfrm>
+            <a:prstGeom prst="straightConnector1">
+              <a:avLst/>
+            </a:prstGeom>
+            <a:ln w="38100">
+              <a:headEnd type="none" w="med" len="med"/>
+              <a:tailEnd type="arrow" w="med" len="med"/>
+            </a:ln>
+          </p:spPr>
+          <p:style>
+            <a:lnRef idx="2">
+              <a:schemeClr val="dk1"/>
+            </a:lnRef>
+            <a:fillRef idx="1">
+              <a:schemeClr val="lt1"/>
+            </a:fillRef>
+            <a:effectRef idx="0">
+              <a:schemeClr val="dk1"/>
+            </a:effectRef>
+            <a:fontRef idx="minor">
+              <a:schemeClr val="dk1"/>
+            </a:fontRef>
+          </p:style>
+        </p:cxnSp>
+        <p:cxnSp>
+          <p:nvCxnSpPr>
+            <p:cNvPr id="15" name="Straight Arrow Connector 14">
+              <a:extLst>
+                <a:ext uri="{FF2B5EF4-FFF2-40B4-BE49-F238E27FC236}">
+                  <a16:creationId xmlns:a16="http://schemas.microsoft.com/office/drawing/2014/main" id="{780083C2-265C-4ED4-981C-83B8AFAF4BF5}"/>
+                </a:ext>
+              </a:extLst>
+            </p:cNvPr>
+            <p:cNvCxnSpPr>
+              <a:stCxn id="62" idx="1"/>
+              <a:endCxn id="64" idx="0"/>
+            </p:cNvCxnSpPr>
+            <p:nvPr/>
+          </p:nvCxnSpPr>
+          <p:spPr>
+            <a:xfrm>
+              <a:off x="2150094" y="5891810"/>
+              <a:ext cx="11433" cy="664521"/>
+            </a:xfrm>
+            <a:prstGeom prst="straightConnector1">
+              <a:avLst/>
+            </a:prstGeom>
+            <a:ln w="38100">
+              <a:headEnd type="none" w="med" len="med"/>
+              <a:tailEnd type="arrow" w="med" len="med"/>
+            </a:ln>
+          </p:spPr>
+          <p:style>
+            <a:lnRef idx="2">
+              <a:schemeClr val="dk1"/>
+            </a:lnRef>
+            <a:fillRef idx="1">
+              <a:schemeClr val="lt1"/>
+            </a:fillRef>
+            <a:effectRef idx="0">
+              <a:schemeClr val="dk1"/>
+            </a:effectRef>
+            <a:fontRef idx="minor">
+              <a:schemeClr val="dk1"/>
+            </a:fontRef>
+          </p:style>
+        </p:cxnSp>
+        <p:cxnSp>
+          <p:nvCxnSpPr>
+            <p:cNvPr id="18" name="Straight Arrow Connector 17">
+              <a:extLst>
+                <a:ext uri="{FF2B5EF4-FFF2-40B4-BE49-F238E27FC236}">
+                  <a16:creationId xmlns:a16="http://schemas.microsoft.com/office/drawing/2014/main" id="{EC1399AA-905C-4FB5-969F-771E8A09CEC0}"/>
+                </a:ext>
+              </a:extLst>
+            </p:cNvPr>
+            <p:cNvCxnSpPr>
+              <a:stCxn id="66" idx="3"/>
+              <a:endCxn id="41" idx="2"/>
+            </p:cNvCxnSpPr>
+            <p:nvPr/>
+          </p:nvCxnSpPr>
+          <p:spPr>
+            <a:xfrm>
+              <a:off x="7472361" y="7094525"/>
+              <a:ext cx="1703442" cy="0"/>
+            </a:xfrm>
+            <a:prstGeom prst="straightConnector1">
+              <a:avLst/>
+            </a:prstGeom>
+            <a:ln w="38100">
+              <a:headEnd type="none" w="med" len="med"/>
+              <a:tailEnd type="arrow" w="med" len="med"/>
+            </a:ln>
+          </p:spPr>
+          <p:style>
+            <a:lnRef idx="2">
+              <a:schemeClr val="dk1"/>
+            </a:lnRef>
+            <a:fillRef idx="1">
+              <a:schemeClr val="lt1"/>
+            </a:fillRef>
+            <a:effectRef idx="0">
+              <a:schemeClr val="dk1"/>
+            </a:effectRef>
+            <a:fontRef idx="minor">
+              <a:schemeClr val="dk1"/>
+            </a:fontRef>
+          </p:style>
+        </p:cxnSp>
+        <p:cxnSp>
+          <p:nvCxnSpPr>
+            <p:cNvPr id="21" name="Straight Arrow Connector 20">
+              <a:extLst>
+                <a:ext uri="{FF2B5EF4-FFF2-40B4-BE49-F238E27FC236}">
+                  <a16:creationId xmlns:a16="http://schemas.microsoft.com/office/drawing/2014/main" id="{7499E9E6-4C4C-440F-B11A-65FFEF332D80}"/>
+                </a:ext>
+              </a:extLst>
+            </p:cNvPr>
+            <p:cNvCxnSpPr>
+              <a:stCxn id="41" idx="1"/>
+              <a:endCxn id="42" idx="0"/>
+            </p:cNvCxnSpPr>
+            <p:nvPr/>
+          </p:nvCxnSpPr>
+          <p:spPr>
+            <a:xfrm>
+              <a:off x="10099728" y="7476907"/>
+              <a:ext cx="2" cy="948463"/>
+            </a:xfrm>
+            <a:prstGeom prst="straightConnector1">
+              <a:avLst/>
+            </a:prstGeom>
+            <a:ln w="38100">
+              <a:headEnd type="none" w="med" len="med"/>
+              <a:tailEnd type="arrow" w="med" len="med"/>
+            </a:ln>
+          </p:spPr>
+          <p:style>
+            <a:lnRef idx="2">
+              <a:schemeClr val="dk1"/>
+            </a:lnRef>
+            <a:fillRef idx="1">
+              <a:schemeClr val="lt1"/>
+            </a:fillRef>
+            <a:effectRef idx="0">
+              <a:schemeClr val="dk1"/>
+            </a:effectRef>
+            <a:fontRef idx="minor">
+              <a:schemeClr val="dk1"/>
+            </a:fontRef>
+          </p:style>
+        </p:cxnSp>
+        <p:cxnSp>
+          <p:nvCxnSpPr>
+            <p:cNvPr id="27" name="Straight Arrow Connector 26">
+              <a:extLst>
+                <a:ext uri="{FF2B5EF4-FFF2-40B4-BE49-F238E27FC236}">
+                  <a16:creationId xmlns:a16="http://schemas.microsoft.com/office/drawing/2014/main" id="{E63F634E-27B6-4536-953C-CCEF391B615E}"/>
+                </a:ext>
+              </a:extLst>
+            </p:cNvPr>
+            <p:cNvCxnSpPr>
+              <a:stCxn id="42" idx="2"/>
+              <a:endCxn id="44" idx="0"/>
+            </p:cNvCxnSpPr>
+            <p:nvPr/>
+          </p:nvCxnSpPr>
+          <p:spPr>
+            <a:xfrm>
+              <a:off x="10099730" y="9190134"/>
+              <a:ext cx="0" cy="751910"/>
+            </a:xfrm>
+            <a:prstGeom prst="straightConnector1">
+              <a:avLst/>
+            </a:prstGeom>
+            <a:ln w="38100">
+              <a:prstDash val="dash"/>
+              <a:headEnd type="none" w="med" len="med"/>
+              <a:tailEnd type="arrow" w="med" len="med"/>
+            </a:ln>
+          </p:spPr>
+          <p:style>
+            <a:lnRef idx="2">
+              <a:schemeClr val="dk1"/>
+            </a:lnRef>
+            <a:fillRef idx="1">
+              <a:schemeClr val="lt1"/>
+            </a:fillRef>
+            <a:effectRef idx="0">
+              <a:schemeClr val="dk1"/>
+            </a:effectRef>
+            <a:fontRef idx="minor">
+              <a:schemeClr val="dk1"/>
+            </a:fontRef>
+          </p:style>
+        </p:cxnSp>
+        <p:cxnSp>
+          <p:nvCxnSpPr>
+            <p:cNvPr id="29" name="Straight Arrow Connector 28">
+              <a:extLst>
+                <a:ext uri="{FF2B5EF4-FFF2-40B4-BE49-F238E27FC236}">
+                  <a16:creationId xmlns:a16="http://schemas.microsoft.com/office/drawing/2014/main" id="{CE6982BC-3BED-4309-8043-4B9F2DB5684C}"/>
+                </a:ext>
+              </a:extLst>
+            </p:cNvPr>
+            <p:cNvCxnSpPr>
+              <a:stCxn id="44" idx="2"/>
+              <a:endCxn id="45" idx="3"/>
+            </p:cNvCxnSpPr>
+            <p:nvPr/>
+          </p:nvCxnSpPr>
+          <p:spPr>
+            <a:xfrm flipH="1">
+              <a:off x="10099727" y="10972800"/>
+              <a:ext cx="3" cy="626785"/>
+            </a:xfrm>
+            <a:prstGeom prst="straightConnector1">
+              <a:avLst/>
+            </a:prstGeom>
+            <a:ln w="38100">
+              <a:headEnd type="none" w="med" len="med"/>
+              <a:tailEnd type="arrow" w="med" len="med"/>
+            </a:ln>
+          </p:spPr>
+          <p:style>
+            <a:lnRef idx="2">
+              <a:schemeClr val="dk1"/>
+            </a:lnRef>
+            <a:fillRef idx="1">
+              <a:schemeClr val="lt1"/>
+            </a:fillRef>
+            <a:effectRef idx="0">
+              <a:schemeClr val="dk1"/>
+            </a:effectRef>
+            <a:fontRef idx="minor">
+              <a:schemeClr val="dk1"/>
+            </a:fontRef>
+          </p:style>
+        </p:cxnSp>
+        <p:cxnSp>
+          <p:nvCxnSpPr>
+            <p:cNvPr id="32" name="Straight Arrow Connector 31">
+              <a:extLst>
+                <a:ext uri="{FF2B5EF4-FFF2-40B4-BE49-F238E27FC236}">
+                  <a16:creationId xmlns:a16="http://schemas.microsoft.com/office/drawing/2014/main" id="{368C6E3A-8C9C-49A5-BCC8-9356991B00ED}"/>
+                </a:ext>
+              </a:extLst>
+            </p:cNvPr>
+            <p:cNvCxnSpPr>
+              <a:cxnSpLocks/>
+              <a:stCxn id="45" idx="2"/>
+              <a:endCxn id="46" idx="3"/>
+            </p:cNvCxnSpPr>
+            <p:nvPr/>
+          </p:nvCxnSpPr>
+          <p:spPr>
+            <a:xfrm flipH="1">
+              <a:off x="7472360" y="11981967"/>
+              <a:ext cx="1703442" cy="2419"/>
+            </a:xfrm>
+            <a:prstGeom prst="straightConnector1">
+              <a:avLst/>
+            </a:prstGeom>
+            <a:ln w="38100">
+              <a:headEnd type="none" w="med" len="med"/>
+              <a:tailEnd type="arrow" w="med" len="med"/>
+            </a:ln>
+          </p:spPr>
+          <p:style>
+            <a:lnRef idx="2">
+              <a:schemeClr val="dk1"/>
+            </a:lnRef>
+            <a:fillRef idx="1">
+              <a:schemeClr val="lt1"/>
+            </a:fillRef>
+            <a:effectRef idx="0">
+              <a:schemeClr val="dk1"/>
+            </a:effectRef>
+            <a:fontRef idx="minor">
+              <a:schemeClr val="dk1"/>
+            </a:fontRef>
+          </p:style>
+        </p:cxnSp>
+        <p:cxnSp>
+          <p:nvCxnSpPr>
+            <p:cNvPr id="35" name="Straight Arrow Connector 34">
+              <a:extLst>
+                <a:ext uri="{FF2B5EF4-FFF2-40B4-BE49-F238E27FC236}">
+                  <a16:creationId xmlns:a16="http://schemas.microsoft.com/office/drawing/2014/main" id="{40655B27-374F-4075-B0A6-D2802948CB5F}"/>
+                </a:ext>
+              </a:extLst>
+            </p:cNvPr>
+            <p:cNvCxnSpPr>
+              <a:stCxn id="46" idx="0"/>
+            </p:cNvCxnSpPr>
+            <p:nvPr/>
+          </p:nvCxnSpPr>
+          <p:spPr>
+            <a:xfrm flipH="1" flipV="1">
+              <a:off x="6710360" y="7667988"/>
+              <a:ext cx="1" cy="3742935"/>
+            </a:xfrm>
+            <a:prstGeom prst="straightConnector1">
+              <a:avLst/>
+            </a:prstGeom>
+            <a:ln w="38100">
+              <a:prstDash val="dash"/>
+              <a:headEnd type="none" w="med" len="med"/>
+              <a:tailEnd type="arrow" w="med" len="med"/>
+            </a:ln>
+          </p:spPr>
+          <p:style>
+            <a:lnRef idx="2">
+              <a:schemeClr val="dk1"/>
+            </a:lnRef>
+            <a:fillRef idx="1">
+              <a:schemeClr val="lt1"/>
+            </a:fillRef>
+            <a:effectRef idx="0">
+              <a:schemeClr val="dk1"/>
+            </a:effectRef>
+            <a:fontRef idx="minor">
+              <a:schemeClr val="dk1"/>
+            </a:fontRef>
+          </p:style>
+        </p:cxnSp>
+        <p:cxnSp>
+          <p:nvCxnSpPr>
+            <p:cNvPr id="69" name="Straight Arrow Connector 68">
+              <a:extLst>
+                <a:ext uri="{FF2B5EF4-FFF2-40B4-BE49-F238E27FC236}">
+                  <a16:creationId xmlns:a16="http://schemas.microsoft.com/office/drawing/2014/main" id="{174EAA98-A7DF-44A5-B4EC-E15A5B8CFD7A}"/>
+                </a:ext>
+              </a:extLst>
+            </p:cNvPr>
+            <p:cNvCxnSpPr>
+              <a:stCxn id="57" idx="3"/>
+              <a:endCxn id="46" idx="2"/>
+            </p:cNvCxnSpPr>
+            <p:nvPr/>
+          </p:nvCxnSpPr>
+          <p:spPr>
+            <a:xfrm flipV="1">
+              <a:off x="6710361" y="12557849"/>
+              <a:ext cx="0" cy="1020696"/>
+            </a:xfrm>
+            <a:prstGeom prst="straightConnector1">
+              <a:avLst/>
+            </a:prstGeom>
+            <a:ln w="38100">
+              <a:headEnd type="none" w="med" len="med"/>
+              <a:tailEnd type="arrow" w="med" len="med"/>
+            </a:ln>
+          </p:spPr>
+          <p:style>
+            <a:lnRef idx="2">
+              <a:schemeClr val="dk1"/>
+            </a:lnRef>
+            <a:fillRef idx="1">
+              <a:schemeClr val="lt1"/>
+            </a:fillRef>
+            <a:effectRef idx="0">
+              <a:schemeClr val="dk1"/>
+            </a:effectRef>
+            <a:fontRef idx="minor">
+              <a:schemeClr val="dk1"/>
+            </a:fontRef>
+          </p:style>
+        </p:cxnSp>
+        <p:cxnSp>
+          <p:nvCxnSpPr>
+            <p:cNvPr id="73" name="Straight Arrow Connector 72">
+              <a:extLst>
+                <a:ext uri="{FF2B5EF4-FFF2-40B4-BE49-F238E27FC236}">
+                  <a16:creationId xmlns:a16="http://schemas.microsoft.com/office/drawing/2014/main" id="{D6769176-397B-4617-8C08-730CBD7B78F6}"/>
+                </a:ext>
+              </a:extLst>
+            </p:cNvPr>
+            <p:cNvCxnSpPr>
+              <a:stCxn id="59" idx="3"/>
+              <a:endCxn id="47" idx="2"/>
+            </p:cNvCxnSpPr>
+            <p:nvPr/>
+          </p:nvCxnSpPr>
+          <p:spPr>
+            <a:xfrm flipH="1" flipV="1">
+              <a:off x="2833388" y="12653546"/>
+              <a:ext cx="1326" cy="924999"/>
+            </a:xfrm>
+            <a:prstGeom prst="straightConnector1">
+              <a:avLst/>
+            </a:prstGeom>
+            <a:ln w="38100">
+              <a:headEnd type="none" w="med" len="med"/>
+              <a:tailEnd type="arrow" w="med" len="med"/>
+            </a:ln>
+          </p:spPr>
+          <p:style>
+            <a:lnRef idx="2">
+              <a:schemeClr val="dk1"/>
+            </a:lnRef>
+            <a:fillRef idx="1">
+              <a:schemeClr val="lt1"/>
+            </a:fillRef>
+            <a:effectRef idx="0">
+              <a:schemeClr val="dk1"/>
+            </a:effectRef>
+            <a:fontRef idx="minor">
+              <a:schemeClr val="dk1"/>
+            </a:fontRef>
+          </p:style>
+        </p:cxnSp>
+        <p:cxnSp>
+          <p:nvCxnSpPr>
+            <p:cNvPr id="79" name="Straight Arrow Connector 78">
+              <a:extLst>
+                <a:ext uri="{FF2B5EF4-FFF2-40B4-BE49-F238E27FC236}">
+                  <a16:creationId xmlns:a16="http://schemas.microsoft.com/office/drawing/2014/main" id="{7450ABAA-5FB2-434D-84AA-459D9D4530B5}"/>
+                </a:ext>
+              </a:extLst>
+            </p:cNvPr>
+            <p:cNvCxnSpPr>
+              <a:cxnSpLocks/>
+              <a:stCxn id="53" idx="0"/>
+              <a:endCxn id="57" idx="1"/>
+            </p:cNvCxnSpPr>
+            <p:nvPr/>
+          </p:nvCxnSpPr>
+          <p:spPr>
+            <a:xfrm flipV="1">
+              <a:off x="4740294" y="14343309"/>
+              <a:ext cx="1970067" cy="1142708"/>
+            </a:xfrm>
+            <a:prstGeom prst="straightConnector1">
+              <a:avLst/>
+            </a:prstGeom>
+            <a:ln w="38100">
+              <a:headEnd type="none" w="med" len="med"/>
+              <a:tailEnd type="arrow" w="med" len="med"/>
+            </a:ln>
+          </p:spPr>
+          <p:style>
+            <a:lnRef idx="2">
+              <a:schemeClr val="dk1"/>
+            </a:lnRef>
+            <a:fillRef idx="1">
+              <a:schemeClr val="lt1"/>
+            </a:fillRef>
+            <a:effectRef idx="0">
+              <a:schemeClr val="dk1"/>
+            </a:effectRef>
+            <a:fontRef idx="minor">
+              <a:schemeClr val="dk1"/>
+            </a:fontRef>
+          </p:style>
+        </p:cxnSp>
+        <p:cxnSp>
+          <p:nvCxnSpPr>
+            <p:cNvPr id="82" name="Straight Arrow Connector 81">
+              <a:extLst>
+                <a:ext uri="{FF2B5EF4-FFF2-40B4-BE49-F238E27FC236}">
+                  <a16:creationId xmlns:a16="http://schemas.microsoft.com/office/drawing/2014/main" id="{16550607-1CD4-40CC-9C38-B9E8A689B335}"/>
+                </a:ext>
+              </a:extLst>
+            </p:cNvPr>
+            <p:cNvCxnSpPr>
+              <a:stCxn id="53" idx="0"/>
+              <a:endCxn id="59" idx="1"/>
+            </p:cNvCxnSpPr>
+            <p:nvPr/>
+          </p:nvCxnSpPr>
+          <p:spPr>
+            <a:xfrm flipH="1" flipV="1">
+              <a:off x="2834714" y="14343309"/>
+              <a:ext cx="1905580" cy="1142708"/>
+            </a:xfrm>
+            <a:prstGeom prst="straightConnector1">
+              <a:avLst/>
+            </a:prstGeom>
+            <a:ln w="38100">
+              <a:headEnd type="none" w="med" len="med"/>
+              <a:tailEnd type="arrow" w="med" len="med"/>
+            </a:ln>
+          </p:spPr>
+          <p:style>
+            <a:lnRef idx="2">
+              <a:schemeClr val="dk1"/>
+            </a:lnRef>
+            <a:fillRef idx="1">
+              <a:schemeClr val="lt1"/>
+            </a:fillRef>
+            <a:effectRef idx="0">
+              <a:schemeClr val="dk1"/>
+            </a:effectRef>
+            <a:fontRef idx="minor">
+              <a:schemeClr val="dk1"/>
+            </a:fontRef>
+          </p:style>
+        </p:cxnSp>
+        <p:cxnSp>
+          <p:nvCxnSpPr>
+            <p:cNvPr id="84" name="Straight Arrow Connector 83">
+              <a:extLst>
+                <a:ext uri="{FF2B5EF4-FFF2-40B4-BE49-F238E27FC236}">
+                  <a16:creationId xmlns:a16="http://schemas.microsoft.com/office/drawing/2014/main" id="{C856EFAE-0301-4838-AED6-CA6E0E47BC64}"/>
+                </a:ext>
+              </a:extLst>
+            </p:cNvPr>
+            <p:cNvCxnSpPr>
+              <a:stCxn id="53" idx="3"/>
+              <a:endCxn id="67" idx="2"/>
+            </p:cNvCxnSpPr>
+            <p:nvPr/>
+          </p:nvCxnSpPr>
+          <p:spPr>
+            <a:xfrm flipV="1">
+              <a:off x="5502293" y="15856749"/>
+              <a:ext cx="3673511" cy="11650"/>
+            </a:xfrm>
+            <a:prstGeom prst="straightConnector1">
+              <a:avLst/>
+            </a:prstGeom>
+            <a:ln w="38100">
+              <a:headEnd type="none" w="med" len="med"/>
+              <a:tailEnd type="arrow" w="med" len="med"/>
+            </a:ln>
+          </p:spPr>
+          <p:style>
+            <a:lnRef idx="2">
+              <a:schemeClr val="dk1"/>
+            </a:lnRef>
+            <a:fillRef idx="1">
+              <a:schemeClr val="lt1"/>
+            </a:fillRef>
+            <a:effectRef idx="0">
+              <a:schemeClr val="dk1"/>
+            </a:effectRef>
+            <a:fontRef idx="minor">
+              <a:schemeClr val="dk1"/>
+            </a:fontRef>
+          </p:style>
+        </p:cxnSp>
+        <p:cxnSp>
+          <p:nvCxnSpPr>
+            <p:cNvPr id="86" name="Straight Arrow Connector 85">
+              <a:extLst>
+                <a:ext uri="{FF2B5EF4-FFF2-40B4-BE49-F238E27FC236}">
+                  <a16:creationId xmlns:a16="http://schemas.microsoft.com/office/drawing/2014/main" id="{708A31DF-7CA6-4338-90FB-40C215369166}"/>
+                </a:ext>
+              </a:extLst>
+            </p:cNvPr>
+            <p:cNvCxnSpPr>
+              <a:cxnSpLocks/>
+              <a:stCxn id="67" idx="1"/>
+            </p:cNvCxnSpPr>
+            <p:nvPr/>
+          </p:nvCxnSpPr>
+          <p:spPr>
+            <a:xfrm flipH="1">
+              <a:off x="10099727" y="16239131"/>
+              <a:ext cx="2" cy="948463"/>
+            </a:xfrm>
+            <a:prstGeom prst="straightConnector1">
+              <a:avLst/>
+            </a:prstGeom>
+            <a:ln w="38100">
+              <a:headEnd type="none" w="med" len="med"/>
+              <a:tailEnd type="arrow" w="med" len="med"/>
+            </a:ln>
+          </p:spPr>
+          <p:style>
+            <a:lnRef idx="2">
+              <a:schemeClr val="dk1"/>
+            </a:lnRef>
+            <a:fillRef idx="1">
+              <a:schemeClr val="lt1"/>
+            </a:fillRef>
+            <a:effectRef idx="0">
+              <a:schemeClr val="dk1"/>
+            </a:effectRef>
+            <a:fontRef idx="minor">
+              <a:schemeClr val="dk1"/>
+            </a:fontRef>
+          </p:style>
+        </p:cxnSp>
+        <p:cxnSp>
+          <p:nvCxnSpPr>
+            <p:cNvPr id="89" name="Connector: Curved 88">
+              <a:extLst>
+                <a:ext uri="{FF2B5EF4-FFF2-40B4-BE49-F238E27FC236}">
+                  <a16:creationId xmlns:a16="http://schemas.microsoft.com/office/drawing/2014/main" id="{FAF07E5D-1356-47FE-9C28-06CF8BDE93C6}"/>
+                </a:ext>
+              </a:extLst>
+            </p:cNvPr>
+            <p:cNvCxnSpPr>
+              <a:cxnSpLocks/>
+              <a:stCxn id="46" idx="1"/>
+              <a:endCxn id="46" idx="0"/>
+            </p:cNvCxnSpPr>
+            <p:nvPr/>
+          </p:nvCxnSpPr>
+          <p:spPr>
+            <a:xfrm rot="10800000" flipH="1">
+              <a:off x="5948361" y="11410924"/>
+              <a:ext cx="761999" cy="573463"/>
+            </a:xfrm>
+            <a:prstGeom prst="curvedConnector4">
+              <a:avLst>
+                <a:gd name="adj1" fmla="val -64737"/>
+                <a:gd name="adj2" fmla="val 198609"/>
+              </a:avLst>
+            </a:prstGeom>
+            <a:ln w="38100">
+              <a:prstDash val="dash"/>
+              <a:headEnd type="none" w="med" len="med"/>
+              <a:tailEnd type="arrow" w="med" len="med"/>
+            </a:ln>
+          </p:spPr>
+          <p:style>
+            <a:lnRef idx="2">
+              <a:schemeClr val="dk1"/>
+            </a:lnRef>
+            <a:fillRef idx="1">
+              <a:schemeClr val="lt1"/>
+            </a:fillRef>
+            <a:effectRef idx="0">
+              <a:schemeClr val="dk1"/>
+            </a:effectRef>
+            <a:fontRef idx="minor">
+              <a:schemeClr val="dk1"/>
+            </a:fontRef>
+          </p:style>
+        </p:cxnSp>
+        <p:cxnSp>
+          <p:nvCxnSpPr>
+            <p:cNvPr id="92" name="Connector: Curved 91">
+              <a:extLst>
+                <a:ext uri="{FF2B5EF4-FFF2-40B4-BE49-F238E27FC236}">
+                  <a16:creationId xmlns:a16="http://schemas.microsoft.com/office/drawing/2014/main" id="{32C2C2AC-4E9C-4C02-A634-DF607BD81B66}"/>
+                </a:ext>
+              </a:extLst>
+            </p:cNvPr>
+            <p:cNvCxnSpPr>
+              <a:stCxn id="64" idx="2"/>
+              <a:endCxn id="64" idx="1"/>
+            </p:cNvCxnSpPr>
+            <p:nvPr/>
+          </p:nvCxnSpPr>
+          <p:spPr>
+            <a:xfrm rot="5400000" flipH="1">
+              <a:off x="1589337" y="6748905"/>
+              <a:ext cx="382382" cy="761999"/>
+            </a:xfrm>
+            <a:prstGeom prst="curvedConnector4">
+              <a:avLst>
+                <a:gd name="adj1" fmla="val -141592"/>
+                <a:gd name="adj2" fmla="val 164737"/>
+              </a:avLst>
+            </a:prstGeom>
+            <a:ln w="38100">
+              <a:prstDash val="dash"/>
+              <a:headEnd type="none" w="med" len="med"/>
+              <a:tailEnd type="arrow" w="med" len="med"/>
+            </a:ln>
+          </p:spPr>
+          <p:style>
+            <a:lnRef idx="2">
+              <a:schemeClr val="dk1"/>
+            </a:lnRef>
+            <a:fillRef idx="1">
+              <a:schemeClr val="lt1"/>
+            </a:fillRef>
+            <a:effectRef idx="0">
+              <a:schemeClr val="dk1"/>
+            </a:effectRef>
+            <a:fontRef idx="minor">
+              <a:schemeClr val="dk1"/>
+            </a:fontRef>
+          </p:style>
+        </p:cxnSp>
+        <p:cxnSp>
+          <p:nvCxnSpPr>
+            <p:cNvPr id="94" name="Connector: Curved 93">
+              <a:extLst>
+                <a:ext uri="{FF2B5EF4-FFF2-40B4-BE49-F238E27FC236}">
+                  <a16:creationId xmlns:a16="http://schemas.microsoft.com/office/drawing/2014/main" id="{1F305137-151C-4453-8D7A-D8EB37FAD6D6}"/>
+                </a:ext>
+              </a:extLst>
+            </p:cNvPr>
+            <p:cNvCxnSpPr>
+              <a:stCxn id="56" idx="3"/>
+              <a:endCxn id="56" idx="2"/>
+            </p:cNvCxnSpPr>
+            <p:nvPr/>
+          </p:nvCxnSpPr>
+          <p:spPr>
+            <a:xfrm flipH="1">
+              <a:off x="10139904" y="17552412"/>
+              <a:ext cx="761999" cy="382382"/>
+            </a:xfrm>
+            <a:prstGeom prst="curvedConnector4">
+              <a:avLst>
+                <a:gd name="adj1" fmla="val -74211"/>
+                <a:gd name="adj2" fmla="val 229006"/>
+              </a:avLst>
+            </a:prstGeom>
+            <a:ln w="38100">
+              <a:prstDash val="dash"/>
+              <a:headEnd type="none" w="med" len="med"/>
+              <a:tailEnd type="arrow" w="med" len="med"/>
+            </a:ln>
+          </p:spPr>
+          <p:style>
+            <a:lnRef idx="2">
+              <a:schemeClr val="dk1"/>
+            </a:lnRef>
+            <a:fillRef idx="1">
+              <a:schemeClr val="lt1"/>
+            </a:fillRef>
+            <a:effectRef idx="0">
+              <a:schemeClr val="dk1"/>
+            </a:effectRef>
+            <a:fontRef idx="minor">
+              <a:schemeClr val="dk1"/>
+            </a:fontRef>
+          </p:style>
+        </p:cxnSp>
+        <p:sp>
+          <p:nvSpPr>
+            <p:cNvPr id="107" name="TextBox 106">
+              <a:extLst>
+                <a:ext uri="{FF2B5EF4-FFF2-40B4-BE49-F238E27FC236}">
+                  <a16:creationId xmlns:a16="http://schemas.microsoft.com/office/drawing/2014/main" id="{761F6318-A1AE-461D-9822-87BBD89CB1A4}"/>
+                </a:ext>
+              </a:extLst>
+            </p:cNvPr>
+            <p:cNvSpPr txBox="1"/>
+            <p:nvPr/>
+          </p:nvSpPr>
+          <p:spPr>
+            <a:xfrm>
+              <a:off x="7903493" y="6725193"/>
+              <a:ext cx="808235" cy="369332"/>
+            </a:xfrm>
+            <a:prstGeom prst="rect">
+              <a:avLst/>
+            </a:prstGeom>
+            <a:noFill/>
+          </p:spPr>
+          <p:txBody>
+            <a:bodyPr wrap="none" rtlCol="0">
+              <a:spAutoFit/>
+            </a:bodyPr>
+            <a:lstStyle/>
+            <a:p>
+              <a:r>
+                <a:rPr lang="en-US" dirty="0"/>
+                <a:t>Spawn</a:t>
+              </a:r>
+            </a:p>
+          </p:txBody>
+        </p:sp>
+        <p:sp>
+          <p:nvSpPr>
+            <p:cNvPr id="109" name="TextBox 108">
+              <a:extLst>
+                <a:ext uri="{FF2B5EF4-FFF2-40B4-BE49-F238E27FC236}">
+                  <a16:creationId xmlns:a16="http://schemas.microsoft.com/office/drawing/2014/main" id="{AD286CA4-0257-4B6B-B9D8-776139C73892}"/>
+                </a:ext>
+              </a:extLst>
+            </p:cNvPr>
+            <p:cNvSpPr txBox="1"/>
+            <p:nvPr/>
+          </p:nvSpPr>
+          <p:spPr>
+            <a:xfrm>
+              <a:off x="6933986" y="9137567"/>
+              <a:ext cx="1564916" cy="369332"/>
+            </a:xfrm>
+            <a:prstGeom prst="rect">
+              <a:avLst/>
+            </a:prstGeom>
+            <a:noFill/>
+          </p:spPr>
+          <p:txBody>
+            <a:bodyPr wrap="none" rtlCol="0">
+              <a:spAutoFit/>
+            </a:bodyPr>
+            <a:lstStyle/>
+            <a:p>
+              <a:r>
+                <a:rPr lang="en-US" dirty="0"/>
+                <a:t>Player location</a:t>
+              </a:r>
+            </a:p>
+          </p:txBody>
+        </p:sp>
+        <p:sp>
+          <p:nvSpPr>
+            <p:cNvPr id="110" name="TextBox 109">
+              <a:extLst>
+                <a:ext uri="{FF2B5EF4-FFF2-40B4-BE49-F238E27FC236}">
+                  <a16:creationId xmlns:a16="http://schemas.microsoft.com/office/drawing/2014/main" id="{073C9E4E-DBC5-4DDE-AD8E-E8D6C0E8A331}"/>
+                </a:ext>
+              </a:extLst>
+            </p:cNvPr>
+            <p:cNvSpPr txBox="1"/>
+            <p:nvPr/>
+          </p:nvSpPr>
+          <p:spPr>
+            <a:xfrm>
+              <a:off x="10139904" y="9363972"/>
+              <a:ext cx="1253485" cy="369332"/>
+            </a:xfrm>
+            <a:prstGeom prst="rect">
+              <a:avLst/>
+            </a:prstGeom>
+            <a:noFill/>
+          </p:spPr>
+          <p:txBody>
+            <a:bodyPr wrap="none" rtlCol="0">
+              <a:spAutoFit/>
+            </a:bodyPr>
+            <a:lstStyle/>
+            <a:p>
+              <a:r>
+                <a:rPr lang="en-US" dirty="0"/>
+                <a:t>Game state</a:t>
+              </a:r>
+            </a:p>
+          </p:txBody>
+        </p:sp>
+        <p:sp>
+          <p:nvSpPr>
+            <p:cNvPr id="111" name="TextBox 110">
+              <a:extLst>
+                <a:ext uri="{FF2B5EF4-FFF2-40B4-BE49-F238E27FC236}">
+                  <a16:creationId xmlns:a16="http://schemas.microsoft.com/office/drawing/2014/main" id="{4CB07D9E-1FEF-4C89-8D3C-340838DCB10C}"/>
+                </a:ext>
+              </a:extLst>
+            </p:cNvPr>
+            <p:cNvSpPr txBox="1"/>
+            <p:nvPr/>
+          </p:nvSpPr>
+          <p:spPr>
+            <a:xfrm>
+              <a:off x="682501" y="7876762"/>
+              <a:ext cx="1997278" cy="369332"/>
+            </a:xfrm>
+            <a:prstGeom prst="rect">
+              <a:avLst/>
+            </a:prstGeom>
+            <a:noFill/>
+          </p:spPr>
+          <p:txBody>
+            <a:bodyPr wrap="none" rtlCol="0">
+              <a:spAutoFit/>
+            </a:bodyPr>
+            <a:lstStyle/>
+            <a:p>
+              <a:r>
+                <a:rPr lang="en-US" dirty="0"/>
+                <a:t>Every 1/60 seconds</a:t>
+              </a:r>
+            </a:p>
+          </p:txBody>
+        </p:sp>
+        <p:sp>
+          <p:nvSpPr>
+            <p:cNvPr id="119" name="TextBox 118">
+              <a:extLst>
+                <a:ext uri="{FF2B5EF4-FFF2-40B4-BE49-F238E27FC236}">
+                  <a16:creationId xmlns:a16="http://schemas.microsoft.com/office/drawing/2014/main" id="{EDE7986E-F6BB-491D-9021-FFB5F542CD08}"/>
+                </a:ext>
+              </a:extLst>
+            </p:cNvPr>
+            <p:cNvSpPr txBox="1"/>
+            <p:nvPr/>
+          </p:nvSpPr>
+          <p:spPr>
+            <a:xfrm>
+              <a:off x="4264171" y="10476411"/>
+              <a:ext cx="1997278" cy="369332"/>
+            </a:xfrm>
+            <a:prstGeom prst="rect">
+              <a:avLst/>
+            </a:prstGeom>
+            <a:noFill/>
+          </p:spPr>
+          <p:txBody>
+            <a:bodyPr wrap="none" rtlCol="0">
+              <a:spAutoFit/>
+            </a:bodyPr>
+            <a:lstStyle/>
+            <a:p>
+              <a:r>
+                <a:rPr lang="en-US" dirty="0"/>
+                <a:t>Every 1/60 seconds</a:t>
+              </a:r>
+            </a:p>
+          </p:txBody>
+        </p:sp>
+      </p:grpSp>
+      <p:sp>
+        <p:nvSpPr>
+          <p:cNvPr id="116" name="TextBox 115">
             <a:extLst>
               <a:ext uri="{FF2B5EF4-FFF2-40B4-BE49-F238E27FC236}">
-                <a16:creationId xmlns:a16="http://schemas.microsoft.com/office/drawing/2014/main" id="{D30E6408-1027-4672-B94F-738AABBB7A90}"/>
+                <a16:creationId xmlns:a16="http://schemas.microsoft.com/office/drawing/2014/main" id="{90796148-4576-47AE-88E0-858E454CF57C}"/>
               </a:ext>
             </a:extLst>
           </p:cNvPr>
-          <p:cNvSpPr/>
+          <p:cNvSpPr txBox="1"/>
           <p:nvPr/>
         </p:nvSpPr>
         <p:spPr>
           <a:xfrm>
-            <a:off x="5786437" y="5127046"/>
-            <a:ext cx="1847849" cy="764764"/>
+            <a:off x="514350" y="21526500"/>
+            <a:ext cx="3924279" cy="369332"/>
           </a:xfrm>
-          <a:prstGeom prst="snip2DiagRect">
+          <a:prstGeom prst="rect">
             <a:avLst/>
           </a:prstGeom>
-          <a:solidFill>
-            <a:schemeClr val="accent6">
-              <a:lumMod val="60000"/>
-              <a:lumOff val="40000"/>
-            </a:schemeClr>
-          </a:solidFill>
+          <a:noFill/>
         </p:spPr>
-        <p:style>
-          <a:lnRef idx="2">
-            <a:schemeClr val="dk1"/>
-          </a:lnRef>
-          <a:fillRef idx="1">
-            <a:schemeClr val="lt1"/>
-          </a:fillRef>
-          <a:effectRef idx="0">
-            <a:schemeClr val="dk1"/>
-          </a:effectRef>
-          <a:fontRef idx="minor">
-            <a:schemeClr val="dk1"/>
-          </a:fontRef>
-        </p:style>
-        <p:txBody>
-          <a:bodyPr rot="0" spcFirstLastPara="0" vertOverflow="overflow" horzOverflow="overflow" vert="horz" wrap="square" lIns="91440" tIns="45720" rIns="91440" bIns="45720" numCol="1" spcCol="0" rtlCol="0" fromWordArt="0" anchor="ctr" anchorCtr="0" forceAA="0" compatLnSpc="1">
-            <a:prstTxWarp prst="textNoShape">
-              <a:avLst/>
-            </a:prstTxWarp>
-            <a:noAutofit/>
+        <p:txBody>
+          <a:bodyPr wrap="none" rtlCol="0">
+            <a:spAutoFit/>
           </a:bodyPr>
           <a:lstStyle/>
           <a:p>
-            <a:pPr algn="ctr"/>
+            <a:r>
+              <a:rPr lang="en-US" dirty="0" err="1"/>
+              <a:t>Vigneet</a:t>
+            </a:r>
             <a:r>
               <a:rPr lang="en-US" dirty="0"/>
-              <a:t>Message receiver</a:t>
-            </a:r>
-          </a:p>
-        </p:txBody>
-      </p:sp>
-      <p:sp>
-        <p:nvSpPr>
-          <p:cNvPr id="41" name="Rectangle: Diagonal Corners Snipped 40">
+              <a:t> </a:t>
+            </a:r>
+            <a:r>
+              <a:rPr lang="en-US" dirty="0" err="1"/>
+              <a:t>Somura</a:t>
+            </a:r>
+            <a:r>
+              <a:rPr lang="en-US" dirty="0"/>
+              <a:t>, Ankit Soni, Varun Patni</a:t>
+            </a:r>
+          </a:p>
+        </p:txBody>
+      </p:sp>
+      <p:sp>
+        <p:nvSpPr>
+          <p:cNvPr id="3" name="TextBox 2">
             <a:extLst>
               <a:ext uri="{FF2B5EF4-FFF2-40B4-BE49-F238E27FC236}">
-                <a16:creationId xmlns:a16="http://schemas.microsoft.com/office/drawing/2014/main" id="{CD32DE53-A5D9-4CF3-87AE-6EB43E06DD1D}"/>
+                <a16:creationId xmlns:a16="http://schemas.microsoft.com/office/drawing/2014/main" id="{152BAFBA-8C42-42B9-91D5-3762F387D0BD}"/>
               </a:ext>
             </a:extLst>
           </p:cNvPr>
-          <p:cNvSpPr/>
+          <p:cNvSpPr txBox="1"/>
           <p:nvPr/>
         </p:nvSpPr>
         <p:spPr>
           <a:xfrm>
-            <a:off x="9175803" y="6712143"/>
-            <a:ext cx="1847849" cy="764764"/>
+            <a:off x="719316" y="18633109"/>
+            <a:ext cx="18426145" cy="2308324"/>
           </a:xfrm>
-          <a:prstGeom prst="snip2DiagRect">
+          <a:prstGeom prst="rect">
             <a:avLst/>
           </a:prstGeom>
-          <a:solidFill>
-            <a:schemeClr val="accent6">
-              <a:lumMod val="60000"/>
-              <a:lumOff val="40000"/>
-            </a:schemeClr>
-          </a:solidFill>
+          <a:noFill/>
         </p:spPr>
-        <p:style>
-          <a:lnRef idx="2">
-            <a:schemeClr val="dk1"/>
-          </a:lnRef>
-          <a:fillRef idx="1">
-            <a:schemeClr val="lt1"/>
-          </a:fillRef>
-          <a:effectRef idx="0">
-            <a:schemeClr val="dk1"/>
-          </a:effectRef>
-          <a:fontRef idx="minor">
-            <a:schemeClr val="dk1"/>
-          </a:fontRef>
-        </p:style>
-        <p:txBody>
-          <a:bodyPr rot="0" spcFirstLastPara="0" vertOverflow="overflow" horzOverflow="overflow" vert="horz" wrap="square" lIns="91440" tIns="45720" rIns="91440" bIns="45720" numCol="1" spcCol="0" rtlCol="0" fromWordArt="0" anchor="ctr" anchorCtr="0" forceAA="0" compatLnSpc="1">
-            <a:prstTxWarp prst="textNoShape">
-              <a:avLst/>
-            </a:prstTxWarp>
-            <a:noAutofit/>
+        <p:txBody>
+          <a:bodyPr wrap="square" rtlCol="0">
+            <a:spAutoFit/>
           </a:bodyPr>
           <a:lstStyle/>
           <a:p>
-            <a:pPr algn="ctr"/>
-            <a:r>
-              <a:rPr lang="en-US" dirty="0"/>
-              <a:t>sender</a:t>
-            </a:r>
-          </a:p>
-        </p:txBody>
-      </p:sp>
-      <p:sp>
-        <p:nvSpPr>
-          <p:cNvPr id="42" name="Rectangle 41">
+            <a:pPr marL="685800" indent="-685800">
+              <a:buFont typeface="Arial" panose="020B0604020202020204" pitchFamily="34" charset="0"/>
+              <a:buChar char="•"/>
+            </a:pPr>
+            <a:r>
+              <a:rPr lang="en-US" sz="4800" dirty="0"/>
+              <a:t>Flicker due to messaging delays</a:t>
+            </a:r>
+          </a:p>
+          <a:p>
+            <a:pPr marL="685800" indent="-685800">
+              <a:buFont typeface="Arial" panose="020B0604020202020204" pitchFamily="34" charset="0"/>
+              <a:buChar char="•"/>
+            </a:pPr>
+            <a:r>
+              <a:rPr lang="en-US" sz="4800" dirty="0"/>
+              <a:t>Rendering large canvas on smaller screen </a:t>
+            </a:r>
+          </a:p>
+          <a:p>
+            <a:pPr marL="685800" indent="-685800">
+              <a:buFont typeface="Arial" panose="020B0604020202020204" pitchFamily="34" charset="0"/>
+              <a:buChar char="•"/>
+            </a:pPr>
+            <a:r>
+              <a:rPr lang="en-US" sz="4800" dirty="0"/>
+              <a:t>Scaling of canvas</a:t>
+            </a:r>
+          </a:p>
+        </p:txBody>
+      </p:sp>
+      <p:sp>
+        <p:nvSpPr>
+          <p:cNvPr id="7" name="TextBox 6">
             <a:extLst>
               <a:ext uri="{FF2B5EF4-FFF2-40B4-BE49-F238E27FC236}">
-                <a16:creationId xmlns:a16="http://schemas.microsoft.com/office/drawing/2014/main" id="{16FB8F34-38E0-4FB3-99B1-34C6D26DD9F1}"/>
+                <a16:creationId xmlns:a16="http://schemas.microsoft.com/office/drawing/2014/main" id="{89F4E54A-8BC4-4933-AEFF-F1B28E122500}"/>
               </a:ext>
             </a:extLst>
           </p:cNvPr>
-          <p:cNvSpPr/>
+          <p:cNvSpPr txBox="1"/>
           <p:nvPr/>
         </p:nvSpPr>
         <p:spPr>
-          <a:xfrm>
-            <a:off x="9337731" y="8425370"/>
-            <a:ext cx="1523998" cy="764764"/>
+          <a:xfrm flipH="1">
+            <a:off x="779503" y="3628415"/>
+            <a:ext cx="19167262" cy="954107"/>
           </a:xfrm>
           <a:prstGeom prst="rect">
             <a:avLst/>
@@ -3514,52 +5468,39 @@
             </a:schemeClr>
           </a:solidFill>
         </p:spPr>
-        <p:style>
-          <a:lnRef idx="2">
-            <a:schemeClr val="dk1"/>
-          </a:lnRef>
-          <a:fillRef idx="1">
-            <a:schemeClr val="lt1"/>
-          </a:fillRef>
-          <a:effectRef idx="0">
-            <a:schemeClr val="dk1"/>
-          </a:effectRef>
-          <a:fontRef idx="minor">
-            <a:schemeClr val="dk1"/>
-          </a:fontRef>
-        </p:style>
-        <p:txBody>
-          <a:bodyPr rtlCol="0" anchor="ctr"/>
+        <p:txBody>
+          <a:bodyPr wrap="square" rtlCol="0">
+            <a:spAutoFit/>
+          </a:bodyPr>
           <a:lstStyle/>
           <a:p>
-            <a:pPr algn="ctr"/>
-            <a:r>
-              <a:rPr lang="en-US" dirty="0">
+            <a:r>
+              <a:rPr lang="en-US" sz="5600" dirty="0">
                 <a:solidFill>
                   <a:schemeClr val="bg1"/>
                 </a:solidFill>
               </a:rPr>
-              <a:t>Retrieve game state</a:t>
-            </a:r>
-          </a:p>
-        </p:txBody>
-      </p:sp>
-      <p:sp>
-        <p:nvSpPr>
-          <p:cNvPr id="44" name="Rectangle 43">
+              <a:t>Gameplay</a:t>
+            </a:r>
+          </a:p>
+        </p:txBody>
+      </p:sp>
+      <p:sp>
+        <p:nvSpPr>
+          <p:cNvPr id="58" name="TextBox 57">
             <a:extLst>
               <a:ext uri="{FF2B5EF4-FFF2-40B4-BE49-F238E27FC236}">
-                <a16:creationId xmlns:a16="http://schemas.microsoft.com/office/drawing/2014/main" id="{F6BE4AF0-5B1D-4F9E-BD1F-515CB6560092}"/>
+                <a16:creationId xmlns:a16="http://schemas.microsoft.com/office/drawing/2014/main" id="{39E1CEE5-2892-4028-BF20-FD492C9FE8E5}"/>
               </a:ext>
             </a:extLst>
           </p:cNvPr>
-          <p:cNvSpPr/>
+          <p:cNvSpPr txBox="1"/>
           <p:nvPr/>
         </p:nvSpPr>
         <p:spPr>
-          <a:xfrm>
-            <a:off x="9337731" y="9942044"/>
-            <a:ext cx="1523998" cy="1030756"/>
+          <a:xfrm flipH="1">
+            <a:off x="21169760" y="3630630"/>
+            <a:ext cx="11149537" cy="954107"/>
           </a:xfrm>
           <a:prstGeom prst="rect">
             <a:avLst/>
@@ -3570,115 +5511,39 @@
             </a:schemeClr>
           </a:solidFill>
         </p:spPr>
-        <p:style>
-          <a:lnRef idx="2">
-            <a:schemeClr val="dk1"/>
-          </a:lnRef>
-          <a:fillRef idx="1">
-            <a:schemeClr val="lt1"/>
-          </a:fillRef>
-          <a:effectRef idx="0">
-            <a:schemeClr val="dk1"/>
-          </a:effectRef>
-          <a:fontRef idx="minor">
-            <a:schemeClr val="dk1"/>
-          </a:fontRef>
-        </p:style>
-        <p:txBody>
-          <a:bodyPr rot="0" spcFirstLastPara="0" vertOverflow="overflow" horzOverflow="overflow" vert="horz" wrap="square" lIns="91440" tIns="45720" rIns="91440" bIns="45720" numCol="1" spcCol="0" rtlCol="0" fromWordArt="0" anchor="ctr" anchorCtr="0" forceAA="0" compatLnSpc="1">
-            <a:prstTxWarp prst="textNoShape">
-              <a:avLst/>
-            </a:prstTxWarp>
-            <a:noAutofit/>
+        <p:txBody>
+          <a:bodyPr wrap="square" rtlCol="0">
+            <a:spAutoFit/>
           </a:bodyPr>
           <a:lstStyle/>
           <a:p>
-            <a:pPr algn="ctr"/>
-            <a:r>
-              <a:rPr lang="en-US" dirty="0">
+            <a:r>
+              <a:rPr lang="en-US" sz="5600" dirty="0">
                 <a:solidFill>
                   <a:schemeClr val="bg1"/>
                 </a:solidFill>
               </a:rPr>
-              <a:t>Wait for responds and update game state</a:t>
-            </a:r>
-          </a:p>
-        </p:txBody>
-      </p:sp>
-      <p:sp>
-        <p:nvSpPr>
-          <p:cNvPr id="45" name="Rectangle: Diagonal Corners Snipped 44">
+              <a:t>Architecture</a:t>
+            </a:r>
+          </a:p>
+        </p:txBody>
+      </p:sp>
+      <p:sp>
+        <p:nvSpPr>
+          <p:cNvPr id="60" name="TextBox 59">
             <a:extLst>
               <a:ext uri="{FF2B5EF4-FFF2-40B4-BE49-F238E27FC236}">
-                <a16:creationId xmlns:a16="http://schemas.microsoft.com/office/drawing/2014/main" id="{E72D65D5-6922-4EF4-AC9E-42650088D6ED}"/>
+                <a16:creationId xmlns:a16="http://schemas.microsoft.com/office/drawing/2014/main" id="{2565E803-9593-4A84-87DA-482AAF9C24C5}"/>
               </a:ext>
             </a:extLst>
           </p:cNvPr>
-          <p:cNvSpPr/>
+          <p:cNvSpPr txBox="1"/>
           <p:nvPr/>
         </p:nvSpPr>
         <p:spPr>
-          <a:xfrm>
-            <a:off x="9175802" y="11599585"/>
-            <a:ext cx="1847849" cy="764764"/>
-          </a:xfrm>
-          <a:prstGeom prst="snip2DiagRect">
-            <a:avLst/>
-          </a:prstGeom>
-          <a:solidFill>
-            <a:schemeClr val="accent6">
-              <a:lumMod val="60000"/>
-              <a:lumOff val="40000"/>
-            </a:schemeClr>
-          </a:solidFill>
-        </p:spPr>
-        <p:style>
-          <a:lnRef idx="2">
-            <a:schemeClr val="dk1"/>
-          </a:lnRef>
-          <a:fillRef idx="1">
-            <a:schemeClr val="lt1"/>
-          </a:fillRef>
-          <a:effectRef idx="0">
-            <a:schemeClr val="dk1"/>
-          </a:effectRef>
-          <a:fontRef idx="minor">
-            <a:schemeClr val="dk1"/>
-          </a:fontRef>
-        </p:style>
-        <p:txBody>
-          <a:bodyPr rot="0" spcFirstLastPara="0" vertOverflow="overflow" horzOverflow="overflow" vert="horz" wrap="square" lIns="91440" tIns="45720" rIns="91440" bIns="45720" numCol="1" spcCol="0" rtlCol="0" fromWordArt="0" anchor="ctr" anchorCtr="0" forceAA="0" compatLnSpc="1">
-            <a:prstTxWarp prst="textNoShape">
-              <a:avLst/>
-            </a:prstTxWarp>
-            <a:noAutofit/>
-          </a:bodyPr>
-          <a:lstStyle/>
-          <a:p>
-            <a:pPr algn="ctr"/>
-            <a:r>
-              <a:rPr lang="en-US" dirty="0"/>
-              <a:t>Response handles</a:t>
-            </a:r>
-          </a:p>
-        </p:txBody>
-      </p:sp>
-      <p:sp>
-        <p:nvSpPr>
-          <p:cNvPr id="46" name="Rectangle 45">
-            <a:extLst>
-              <a:ext uri="{FF2B5EF4-FFF2-40B4-BE49-F238E27FC236}">
-                <a16:creationId xmlns:a16="http://schemas.microsoft.com/office/drawing/2014/main" id="{E9403A0E-25E7-4D69-9E27-9692A708F8BF}"/>
-              </a:ext>
-            </a:extLst>
-          </p:cNvPr>
-          <p:cNvSpPr/>
-          <p:nvPr/>
-        </p:nvSpPr>
-        <p:spPr>
-          <a:xfrm>
-            <a:off x="5948362" y="11410923"/>
-            <a:ext cx="1523998" cy="1146926"/>
+          <a:xfrm flipH="1">
+            <a:off x="719316" y="17430410"/>
+            <a:ext cx="19167262" cy="954107"/>
           </a:xfrm>
           <a:prstGeom prst="rect">
             <a:avLst/>
@@ -3689,1653 +5554,19 @@
             </a:schemeClr>
           </a:solidFill>
         </p:spPr>
-        <p:style>
-          <a:lnRef idx="2">
-            <a:schemeClr val="dk1"/>
-          </a:lnRef>
-          <a:fillRef idx="1">
-            <a:schemeClr val="lt1"/>
-          </a:fillRef>
-          <a:effectRef idx="0">
-            <a:schemeClr val="dk1"/>
-          </a:effectRef>
-          <a:fontRef idx="minor">
-            <a:schemeClr val="dk1"/>
-          </a:fontRef>
-        </p:style>
-        <p:txBody>
-          <a:bodyPr rtlCol="0" anchor="ctr"/>
+        <p:txBody>
+          <a:bodyPr wrap="square" rtlCol="0">
+            <a:spAutoFit/>
+          </a:bodyPr>
           <a:lstStyle/>
           <a:p>
-            <a:pPr algn="ctr"/>
-            <a:r>
-              <a:rPr lang="en-US" dirty="0">
+            <a:r>
+              <a:rPr lang="en-US" sz="5600" dirty="0">
                 <a:solidFill>
                   <a:schemeClr val="bg1"/>
                 </a:solidFill>
               </a:rPr>
-              <a:t>Send players' location to server</a:t>
-            </a:r>
-          </a:p>
-        </p:txBody>
-      </p:sp>
-      <p:sp>
-        <p:nvSpPr>
-          <p:cNvPr id="47" name="Rectangle 46">
-            <a:extLst>
-              <a:ext uri="{FF2B5EF4-FFF2-40B4-BE49-F238E27FC236}">
-                <a16:creationId xmlns:a16="http://schemas.microsoft.com/office/drawing/2014/main" id="{D3B5E8B4-7912-4C5B-9B64-F43553FC4014}"/>
-              </a:ext>
-            </a:extLst>
-          </p:cNvPr>
-          <p:cNvSpPr/>
-          <p:nvPr/>
-        </p:nvSpPr>
-        <p:spPr>
-          <a:xfrm>
-            <a:off x="2071389" y="11463332"/>
-            <a:ext cx="1523998" cy="1190214"/>
-          </a:xfrm>
-          <a:prstGeom prst="rect">
-            <a:avLst/>
-          </a:prstGeom>
-          <a:solidFill>
-            <a:schemeClr val="accent1">
-              <a:lumMod val="75000"/>
-            </a:schemeClr>
-          </a:solidFill>
-        </p:spPr>
-        <p:style>
-          <a:lnRef idx="2">
-            <a:schemeClr val="dk1"/>
-          </a:lnRef>
-          <a:fillRef idx="1">
-            <a:schemeClr val="lt1"/>
-          </a:fillRef>
-          <a:effectRef idx="0">
-            <a:schemeClr val="dk1"/>
-          </a:effectRef>
-          <a:fontRef idx="minor">
-            <a:schemeClr val="dk1"/>
-          </a:fontRef>
-        </p:style>
-        <p:txBody>
-          <a:bodyPr rtlCol="0" anchor="ctr"/>
-          <a:lstStyle/>
-          <a:p>
-            <a:pPr algn="ctr"/>
-            <a:r>
-              <a:rPr lang="en-US" dirty="0">
-                <a:solidFill>
-                  <a:schemeClr val="bg1"/>
-                </a:solidFill>
-              </a:rPr>
-              <a:t>Update player’s location locally</a:t>
-            </a:r>
-          </a:p>
-        </p:txBody>
-      </p:sp>
-      <p:sp>
-        <p:nvSpPr>
-          <p:cNvPr id="53" name="Rectangle 52">
-            <a:extLst>
-              <a:ext uri="{FF2B5EF4-FFF2-40B4-BE49-F238E27FC236}">
-                <a16:creationId xmlns:a16="http://schemas.microsoft.com/office/drawing/2014/main" id="{3666F87A-C92E-4B61-AF4F-3DB27FFEE1C7}"/>
-              </a:ext>
-            </a:extLst>
-          </p:cNvPr>
-          <p:cNvSpPr/>
-          <p:nvPr/>
-        </p:nvSpPr>
-        <p:spPr>
-          <a:xfrm>
-            <a:off x="3978295" y="15486017"/>
-            <a:ext cx="1523998" cy="764764"/>
-          </a:xfrm>
-          <a:prstGeom prst="rect">
-            <a:avLst/>
-          </a:prstGeom>
-          <a:solidFill>
-            <a:schemeClr val="accent1">
-              <a:lumMod val="75000"/>
-            </a:schemeClr>
-          </a:solidFill>
-        </p:spPr>
-        <p:style>
-          <a:lnRef idx="2">
-            <a:schemeClr val="dk1"/>
-          </a:lnRef>
-          <a:fillRef idx="1">
-            <a:schemeClr val="lt1"/>
-          </a:fillRef>
-          <a:effectRef idx="0">
-            <a:schemeClr val="dk1"/>
-          </a:effectRef>
-          <a:fontRef idx="minor">
-            <a:schemeClr val="dk1"/>
-          </a:fontRef>
-        </p:style>
-        <p:txBody>
-          <a:bodyPr rtlCol="0" anchor="ctr"/>
-          <a:lstStyle/>
-          <a:p>
-            <a:pPr algn="ctr"/>
-            <a:r>
-              <a:rPr lang="en-US" dirty="0">
-                <a:solidFill>
-                  <a:schemeClr val="bg1"/>
-                </a:solidFill>
-              </a:rPr>
-              <a:t>Client</a:t>
-            </a:r>
-          </a:p>
-        </p:txBody>
-      </p:sp>
-      <p:sp>
-        <p:nvSpPr>
-          <p:cNvPr id="56" name="Rectangle 55">
-            <a:extLst>
-              <a:ext uri="{FF2B5EF4-FFF2-40B4-BE49-F238E27FC236}">
-                <a16:creationId xmlns:a16="http://schemas.microsoft.com/office/drawing/2014/main" id="{5431C68F-06C2-4E00-BE8E-DA79D0C942AE}"/>
-              </a:ext>
-            </a:extLst>
-          </p:cNvPr>
-          <p:cNvSpPr/>
-          <p:nvPr/>
-        </p:nvSpPr>
-        <p:spPr>
-          <a:xfrm>
-            <a:off x="9377905" y="17170030"/>
-            <a:ext cx="1523998" cy="764764"/>
-          </a:xfrm>
-          <a:prstGeom prst="rect">
-            <a:avLst/>
-          </a:prstGeom>
-          <a:solidFill>
-            <a:schemeClr val="accent1">
-              <a:lumMod val="75000"/>
-            </a:schemeClr>
-          </a:solidFill>
-        </p:spPr>
-        <p:style>
-          <a:lnRef idx="2">
-            <a:schemeClr val="dk1"/>
-          </a:lnRef>
-          <a:fillRef idx="1">
-            <a:schemeClr val="lt1"/>
-          </a:fillRef>
-          <a:effectRef idx="0">
-            <a:schemeClr val="dk1"/>
-          </a:effectRef>
-          <a:fontRef idx="minor">
-            <a:schemeClr val="dk1"/>
-          </a:fontRef>
-        </p:style>
-        <p:txBody>
-          <a:bodyPr rtlCol="0" anchor="ctr"/>
-          <a:lstStyle/>
-          <a:p>
-            <a:pPr algn="ctr"/>
-            <a:r>
-              <a:rPr lang="en-US" dirty="0">
-                <a:solidFill>
-                  <a:schemeClr val="bg1"/>
-                </a:solidFill>
-              </a:rPr>
-              <a:t>Draw Current Game state</a:t>
-            </a:r>
-          </a:p>
-        </p:txBody>
-      </p:sp>
-      <p:sp>
-        <p:nvSpPr>
-          <p:cNvPr id="57" name="Rectangle: Diagonal Corners Snipped 56">
-            <a:extLst>
-              <a:ext uri="{FF2B5EF4-FFF2-40B4-BE49-F238E27FC236}">
-                <a16:creationId xmlns:a16="http://schemas.microsoft.com/office/drawing/2014/main" id="{DC5283CA-7AE7-4F3F-88C5-778330BAE5E7}"/>
-              </a:ext>
-            </a:extLst>
-          </p:cNvPr>
-          <p:cNvSpPr/>
-          <p:nvPr/>
-        </p:nvSpPr>
-        <p:spPr>
-          <a:xfrm>
-            <a:off x="5786436" y="13578545"/>
-            <a:ext cx="1847849" cy="764764"/>
-          </a:xfrm>
-          <a:prstGeom prst="snip2DiagRect">
-            <a:avLst/>
-          </a:prstGeom>
-          <a:solidFill>
-            <a:schemeClr val="accent6">
-              <a:lumMod val="60000"/>
-              <a:lumOff val="40000"/>
-            </a:schemeClr>
-          </a:solidFill>
-        </p:spPr>
-        <p:style>
-          <a:lnRef idx="2">
-            <a:schemeClr val="dk1"/>
-          </a:lnRef>
-          <a:fillRef idx="1">
-            <a:schemeClr val="lt1"/>
-          </a:fillRef>
-          <a:effectRef idx="0">
-            <a:schemeClr val="dk1"/>
-          </a:effectRef>
-          <a:fontRef idx="minor">
-            <a:schemeClr val="dk1"/>
-          </a:fontRef>
-        </p:style>
-        <p:txBody>
-          <a:bodyPr rot="0" spcFirstLastPara="0" vertOverflow="overflow" horzOverflow="overflow" vert="horz" wrap="square" lIns="91440" tIns="45720" rIns="91440" bIns="45720" numCol="1" spcCol="0" rtlCol="0" fromWordArt="0" anchor="ctr" anchorCtr="0" forceAA="0" compatLnSpc="1">
-            <a:prstTxWarp prst="textNoShape">
-              <a:avLst/>
-            </a:prstTxWarp>
-            <a:noAutofit/>
-          </a:bodyPr>
-          <a:lstStyle/>
-          <a:p>
-            <a:pPr algn="ctr"/>
-            <a:r>
-              <a:rPr lang="en-US" dirty="0"/>
-              <a:t>Message handler</a:t>
-            </a:r>
-          </a:p>
-        </p:txBody>
-      </p:sp>
-      <p:sp>
-        <p:nvSpPr>
-          <p:cNvPr id="59" name="Rectangle: Diagonal Corners Snipped 58">
-            <a:extLst>
-              <a:ext uri="{FF2B5EF4-FFF2-40B4-BE49-F238E27FC236}">
-                <a16:creationId xmlns:a16="http://schemas.microsoft.com/office/drawing/2014/main" id="{5CFCABCA-2D29-4F3F-801F-55916286E451}"/>
-              </a:ext>
-            </a:extLst>
-          </p:cNvPr>
-          <p:cNvSpPr/>
-          <p:nvPr/>
-        </p:nvSpPr>
-        <p:spPr>
-          <a:xfrm>
-            <a:off x="1910789" y="13578545"/>
-            <a:ext cx="1847849" cy="764764"/>
-          </a:xfrm>
-          <a:prstGeom prst="snip2DiagRect">
-            <a:avLst/>
-          </a:prstGeom>
-          <a:solidFill>
-            <a:schemeClr val="accent6">
-              <a:lumMod val="60000"/>
-              <a:lumOff val="40000"/>
-            </a:schemeClr>
-          </a:solidFill>
-        </p:spPr>
-        <p:style>
-          <a:lnRef idx="2">
-            <a:schemeClr val="dk1"/>
-          </a:lnRef>
-          <a:fillRef idx="1">
-            <a:schemeClr val="lt1"/>
-          </a:fillRef>
-          <a:effectRef idx="0">
-            <a:schemeClr val="dk1"/>
-          </a:effectRef>
-          <a:fontRef idx="minor">
-            <a:schemeClr val="dk1"/>
-          </a:fontRef>
-        </p:style>
-        <p:txBody>
-          <a:bodyPr rot="0" spcFirstLastPara="0" vertOverflow="overflow" horzOverflow="overflow" vert="horz" wrap="square" lIns="91440" tIns="45720" rIns="91440" bIns="45720" numCol="1" spcCol="0" rtlCol="0" fromWordArt="0" anchor="ctr" anchorCtr="0" forceAA="0" compatLnSpc="1">
-            <a:prstTxWarp prst="textNoShape">
-              <a:avLst/>
-            </a:prstTxWarp>
-            <a:noAutofit/>
-          </a:bodyPr>
-          <a:lstStyle/>
-          <a:p>
-            <a:pPr algn="ctr"/>
-            <a:r>
-              <a:rPr lang="en-US" dirty="0"/>
-              <a:t>Input handler</a:t>
-            </a:r>
-          </a:p>
-        </p:txBody>
-      </p:sp>
-      <p:sp>
-        <p:nvSpPr>
-          <p:cNvPr id="61" name="Rectangle 60">
-            <a:extLst>
-              <a:ext uri="{FF2B5EF4-FFF2-40B4-BE49-F238E27FC236}">
-                <a16:creationId xmlns:a16="http://schemas.microsoft.com/office/drawing/2014/main" id="{82B5BE7A-131B-44B4-BC51-B1885C61861B}"/>
-              </a:ext>
-            </a:extLst>
-          </p:cNvPr>
-          <p:cNvSpPr/>
-          <p:nvPr/>
-        </p:nvSpPr>
-        <p:spPr>
-          <a:xfrm>
-            <a:off x="3738812" y="3925441"/>
-            <a:ext cx="1523998" cy="764764"/>
-          </a:xfrm>
-          <a:prstGeom prst="rect">
-            <a:avLst/>
-          </a:prstGeom>
-          <a:solidFill>
-            <a:schemeClr val="accent1">
-              <a:lumMod val="75000"/>
-            </a:schemeClr>
-          </a:solidFill>
-        </p:spPr>
-        <p:style>
-          <a:lnRef idx="2">
-            <a:schemeClr val="dk1"/>
-          </a:lnRef>
-          <a:fillRef idx="1">
-            <a:schemeClr val="lt1"/>
-          </a:fillRef>
-          <a:effectRef idx="0">
-            <a:schemeClr val="dk1"/>
-          </a:effectRef>
-          <a:fontRef idx="minor">
-            <a:schemeClr val="dk1"/>
-          </a:fontRef>
-        </p:style>
-        <p:txBody>
-          <a:bodyPr rtlCol="0" anchor="ctr"/>
-          <a:lstStyle/>
-          <a:p>
-            <a:pPr algn="ctr"/>
-            <a:r>
-              <a:rPr lang="en-US" dirty="0">
-                <a:solidFill>
-                  <a:schemeClr val="bg1"/>
-                </a:solidFill>
-              </a:rPr>
-              <a:t>Server</a:t>
-            </a:r>
-          </a:p>
-        </p:txBody>
-      </p:sp>
-      <p:sp>
-        <p:nvSpPr>
-          <p:cNvPr id="62" name="Rectangle: Diagonal Corners Snipped 61">
-            <a:extLst>
-              <a:ext uri="{FF2B5EF4-FFF2-40B4-BE49-F238E27FC236}">
-                <a16:creationId xmlns:a16="http://schemas.microsoft.com/office/drawing/2014/main" id="{9F69E181-E012-4885-AB9E-FEBBCEAAAEC4}"/>
-              </a:ext>
-            </a:extLst>
-          </p:cNvPr>
-          <p:cNvSpPr/>
-          <p:nvPr/>
-        </p:nvSpPr>
-        <p:spPr>
-          <a:xfrm>
-            <a:off x="1226169" y="5127046"/>
-            <a:ext cx="1847849" cy="764764"/>
-          </a:xfrm>
-          <a:prstGeom prst="snip2DiagRect">
-            <a:avLst>
-              <a:gd name="adj1" fmla="val 0"/>
-              <a:gd name="adj2" fmla="val 30072"/>
-            </a:avLst>
-          </a:prstGeom>
-          <a:solidFill>
-            <a:schemeClr val="accent6">
-              <a:lumMod val="60000"/>
-              <a:lumOff val="40000"/>
-            </a:schemeClr>
-          </a:solidFill>
-        </p:spPr>
-        <p:style>
-          <a:lnRef idx="2">
-            <a:schemeClr val="dk1"/>
-          </a:lnRef>
-          <a:fillRef idx="1">
-            <a:schemeClr val="lt1"/>
-          </a:fillRef>
-          <a:effectRef idx="0">
-            <a:schemeClr val="dk1"/>
-          </a:effectRef>
-          <a:fontRef idx="minor">
-            <a:schemeClr val="dk1"/>
-          </a:fontRef>
-        </p:style>
-        <p:txBody>
-          <a:bodyPr rtlCol="0" anchor="ctr"/>
-          <a:lstStyle/>
-          <a:p>
-            <a:pPr algn="ctr"/>
-            <a:r>
-              <a:rPr lang="en-US" dirty="0"/>
-              <a:t>Game loop</a:t>
-            </a:r>
-          </a:p>
-        </p:txBody>
-      </p:sp>
-      <p:sp>
-        <p:nvSpPr>
-          <p:cNvPr id="64" name="Rectangle 63">
-            <a:extLst>
-              <a:ext uri="{FF2B5EF4-FFF2-40B4-BE49-F238E27FC236}">
-                <a16:creationId xmlns:a16="http://schemas.microsoft.com/office/drawing/2014/main" id="{DB65D3AC-6FB8-49AF-A8CF-9615B9E47249}"/>
-              </a:ext>
-            </a:extLst>
-          </p:cNvPr>
-          <p:cNvSpPr/>
-          <p:nvPr/>
-        </p:nvSpPr>
-        <p:spPr>
-          <a:xfrm>
-            <a:off x="1399528" y="6556331"/>
-            <a:ext cx="1523998" cy="764764"/>
-          </a:xfrm>
-          <a:prstGeom prst="rect">
-            <a:avLst/>
-          </a:prstGeom>
-          <a:solidFill>
-            <a:schemeClr val="accent1">
-              <a:lumMod val="75000"/>
-            </a:schemeClr>
-          </a:solidFill>
-        </p:spPr>
-        <p:style>
-          <a:lnRef idx="2">
-            <a:schemeClr val="dk1"/>
-          </a:lnRef>
-          <a:fillRef idx="1">
-            <a:schemeClr val="lt1"/>
-          </a:fillRef>
-          <a:effectRef idx="0">
-            <a:schemeClr val="dk1"/>
-          </a:effectRef>
-          <a:fontRef idx="minor">
-            <a:schemeClr val="dk1"/>
-          </a:fontRef>
-        </p:style>
-        <p:txBody>
-          <a:bodyPr rtlCol="0" anchor="ctr"/>
-          <a:lstStyle/>
-          <a:p>
-            <a:pPr algn="ctr"/>
-            <a:r>
-              <a:rPr lang="en-US" dirty="0">
-                <a:solidFill>
-                  <a:schemeClr val="bg1"/>
-                </a:solidFill>
-              </a:rPr>
-              <a:t>Process</a:t>
-            </a:r>
-          </a:p>
-        </p:txBody>
-      </p:sp>
-      <p:sp>
-        <p:nvSpPr>
-          <p:cNvPr id="66" name="Rectangle 65">
-            <a:extLst>
-              <a:ext uri="{FF2B5EF4-FFF2-40B4-BE49-F238E27FC236}">
-                <a16:creationId xmlns:a16="http://schemas.microsoft.com/office/drawing/2014/main" id="{437BDEB7-D7ED-46A7-A2F5-EF9A072764BD}"/>
-              </a:ext>
-            </a:extLst>
-          </p:cNvPr>
-          <p:cNvSpPr/>
-          <p:nvPr/>
-        </p:nvSpPr>
-        <p:spPr>
-          <a:xfrm>
-            <a:off x="5948363" y="6521062"/>
-            <a:ext cx="1523998" cy="1146926"/>
-          </a:xfrm>
-          <a:prstGeom prst="rect">
-            <a:avLst/>
-          </a:prstGeom>
-          <a:solidFill>
-            <a:schemeClr val="accent1">
-              <a:lumMod val="75000"/>
-            </a:schemeClr>
-          </a:solidFill>
-        </p:spPr>
-        <p:style>
-          <a:lnRef idx="2">
-            <a:schemeClr val="dk1"/>
-          </a:lnRef>
-          <a:fillRef idx="1">
-            <a:schemeClr val="lt1"/>
-          </a:fillRef>
-          <a:effectRef idx="0">
-            <a:schemeClr val="dk1"/>
-          </a:effectRef>
-          <a:fontRef idx="minor">
-            <a:schemeClr val="dk1"/>
-          </a:fontRef>
-        </p:style>
-        <p:txBody>
-          <a:bodyPr rtlCol="0" anchor="ctr"/>
-          <a:lstStyle/>
-          <a:p>
-            <a:pPr algn="ctr"/>
-            <a:r>
-              <a:rPr lang="en-US" dirty="0">
-                <a:solidFill>
-                  <a:schemeClr val="bg1"/>
-                </a:solidFill>
-              </a:rPr>
-              <a:t>Wait for message and update player location</a:t>
-            </a:r>
-          </a:p>
-        </p:txBody>
-      </p:sp>
-      <p:sp>
-        <p:nvSpPr>
-          <p:cNvPr id="67" name="Rectangle: Diagonal Corners Snipped 66">
-            <a:extLst>
-              <a:ext uri="{FF2B5EF4-FFF2-40B4-BE49-F238E27FC236}">
-                <a16:creationId xmlns:a16="http://schemas.microsoft.com/office/drawing/2014/main" id="{C527FED5-F82B-458B-9EFB-5EA5A9C8732B}"/>
-              </a:ext>
-            </a:extLst>
-          </p:cNvPr>
-          <p:cNvSpPr/>
-          <p:nvPr/>
-        </p:nvSpPr>
-        <p:spPr>
-          <a:xfrm>
-            <a:off x="9175804" y="15474367"/>
-            <a:ext cx="1847849" cy="764764"/>
-          </a:xfrm>
-          <a:prstGeom prst="snip2DiagRect">
-            <a:avLst/>
-          </a:prstGeom>
-          <a:solidFill>
-            <a:schemeClr val="accent6">
-              <a:lumMod val="60000"/>
-              <a:lumOff val="40000"/>
-            </a:schemeClr>
-          </a:solidFill>
-        </p:spPr>
-        <p:style>
-          <a:lnRef idx="2">
-            <a:schemeClr val="dk1"/>
-          </a:lnRef>
-          <a:fillRef idx="1">
-            <a:schemeClr val="lt1"/>
-          </a:fillRef>
-          <a:effectRef idx="0">
-            <a:schemeClr val="dk1"/>
-          </a:effectRef>
-          <a:fontRef idx="minor">
-            <a:schemeClr val="dk1"/>
-          </a:fontRef>
-        </p:style>
-        <p:txBody>
-          <a:bodyPr rot="0" spcFirstLastPara="0" vertOverflow="overflow" horzOverflow="overflow" vert="horz" wrap="square" lIns="91440" tIns="45720" rIns="91440" bIns="45720" numCol="1" spcCol="0" rtlCol="0" fromWordArt="0" anchor="ctr" anchorCtr="0" forceAA="0" compatLnSpc="1">
-            <a:prstTxWarp prst="textNoShape">
-              <a:avLst/>
-            </a:prstTxWarp>
-            <a:noAutofit/>
-          </a:bodyPr>
-          <a:lstStyle/>
-          <a:p>
-            <a:pPr algn="ctr"/>
-            <a:r>
-              <a:rPr lang="en-US" dirty="0"/>
-              <a:t>Render</a:t>
-            </a:r>
-          </a:p>
-        </p:txBody>
-      </p:sp>
-      <p:cxnSp>
-        <p:nvCxnSpPr>
-          <p:cNvPr id="6" name="Straight Arrow Connector 5">
-            <a:extLst>
-              <a:ext uri="{FF2B5EF4-FFF2-40B4-BE49-F238E27FC236}">
-                <a16:creationId xmlns:a16="http://schemas.microsoft.com/office/drawing/2014/main" id="{3C84C28B-CF54-40C2-8B40-A0D52B70E9C7}"/>
-              </a:ext>
-            </a:extLst>
-          </p:cNvPr>
-          <p:cNvCxnSpPr>
-            <a:stCxn id="61" idx="1"/>
-            <a:endCxn id="62" idx="3"/>
-          </p:cNvCxnSpPr>
-          <p:nvPr/>
-        </p:nvCxnSpPr>
-        <p:spPr>
-          <a:xfrm flipH="1">
-            <a:off x="2150094" y="4307823"/>
-            <a:ext cx="1588718" cy="819223"/>
-          </a:xfrm>
-          <a:prstGeom prst="straightConnector1">
-            <a:avLst/>
-          </a:prstGeom>
-          <a:ln w="38100">
-            <a:headEnd type="none" w="med" len="med"/>
-            <a:tailEnd type="arrow" w="med" len="med"/>
-          </a:ln>
-        </p:spPr>
-        <p:style>
-          <a:lnRef idx="2">
-            <a:schemeClr val="dk1"/>
-          </a:lnRef>
-          <a:fillRef idx="1">
-            <a:schemeClr val="lt1"/>
-          </a:fillRef>
-          <a:effectRef idx="0">
-            <a:schemeClr val="dk1"/>
-          </a:effectRef>
-          <a:fontRef idx="minor">
-            <a:schemeClr val="dk1"/>
-          </a:fontRef>
-        </p:style>
-      </p:cxnSp>
-      <p:cxnSp>
-        <p:nvCxnSpPr>
-          <p:cNvPr id="8" name="Straight Arrow Connector 7">
-            <a:extLst>
-              <a:ext uri="{FF2B5EF4-FFF2-40B4-BE49-F238E27FC236}">
-                <a16:creationId xmlns:a16="http://schemas.microsoft.com/office/drawing/2014/main" id="{A6172DEF-7B1B-4B03-93C5-FC5628BCE252}"/>
-              </a:ext>
-            </a:extLst>
-          </p:cNvPr>
-          <p:cNvCxnSpPr>
-            <a:stCxn id="61" idx="3"/>
-            <a:endCxn id="37" idx="3"/>
-          </p:cNvCxnSpPr>
-          <p:nvPr/>
-        </p:nvCxnSpPr>
-        <p:spPr>
-          <a:xfrm>
-            <a:off x="5262810" y="4307823"/>
-            <a:ext cx="1447552" cy="819223"/>
-          </a:xfrm>
-          <a:prstGeom prst="straightConnector1">
-            <a:avLst/>
-          </a:prstGeom>
-          <a:ln w="38100">
-            <a:headEnd type="none" w="med" len="med"/>
-            <a:tailEnd type="arrow" w="med" len="med"/>
-          </a:ln>
-        </p:spPr>
-        <p:style>
-          <a:lnRef idx="2">
-            <a:schemeClr val="dk1"/>
-          </a:lnRef>
-          <a:fillRef idx="1">
-            <a:schemeClr val="lt1"/>
-          </a:fillRef>
-          <a:effectRef idx="0">
-            <a:schemeClr val="dk1"/>
-          </a:effectRef>
-          <a:fontRef idx="minor">
-            <a:schemeClr val="dk1"/>
-          </a:fontRef>
-        </p:style>
-      </p:cxnSp>
-      <p:cxnSp>
-        <p:nvCxnSpPr>
-          <p:cNvPr id="13" name="Straight Arrow Connector 12">
-            <a:extLst>
-              <a:ext uri="{FF2B5EF4-FFF2-40B4-BE49-F238E27FC236}">
-                <a16:creationId xmlns:a16="http://schemas.microsoft.com/office/drawing/2014/main" id="{839A9B8A-72FB-4C55-A313-4B76B4D238B6}"/>
-              </a:ext>
-            </a:extLst>
-          </p:cNvPr>
-          <p:cNvCxnSpPr>
-            <a:stCxn id="37" idx="1"/>
-            <a:endCxn id="66" idx="0"/>
-          </p:cNvCxnSpPr>
-          <p:nvPr/>
-        </p:nvCxnSpPr>
-        <p:spPr>
-          <a:xfrm>
-            <a:off x="6710362" y="5891810"/>
-            <a:ext cx="0" cy="629252"/>
-          </a:xfrm>
-          <a:prstGeom prst="straightConnector1">
-            <a:avLst/>
-          </a:prstGeom>
-          <a:ln w="38100">
-            <a:headEnd type="none" w="med" len="med"/>
-            <a:tailEnd type="arrow" w="med" len="med"/>
-          </a:ln>
-        </p:spPr>
-        <p:style>
-          <a:lnRef idx="2">
-            <a:schemeClr val="dk1"/>
-          </a:lnRef>
-          <a:fillRef idx="1">
-            <a:schemeClr val="lt1"/>
-          </a:fillRef>
-          <a:effectRef idx="0">
-            <a:schemeClr val="dk1"/>
-          </a:effectRef>
-          <a:fontRef idx="minor">
-            <a:schemeClr val="dk1"/>
-          </a:fontRef>
-        </p:style>
-      </p:cxnSp>
-      <p:cxnSp>
-        <p:nvCxnSpPr>
-          <p:cNvPr id="15" name="Straight Arrow Connector 14">
-            <a:extLst>
-              <a:ext uri="{FF2B5EF4-FFF2-40B4-BE49-F238E27FC236}">
-                <a16:creationId xmlns:a16="http://schemas.microsoft.com/office/drawing/2014/main" id="{780083C2-265C-4ED4-981C-83B8AFAF4BF5}"/>
-              </a:ext>
-            </a:extLst>
-          </p:cNvPr>
-          <p:cNvCxnSpPr>
-            <a:stCxn id="62" idx="1"/>
-            <a:endCxn id="64" idx="0"/>
-          </p:cNvCxnSpPr>
-          <p:nvPr/>
-        </p:nvCxnSpPr>
-        <p:spPr>
-          <a:xfrm>
-            <a:off x="2150094" y="5891810"/>
-            <a:ext cx="11433" cy="664521"/>
-          </a:xfrm>
-          <a:prstGeom prst="straightConnector1">
-            <a:avLst/>
-          </a:prstGeom>
-          <a:ln w="38100">
-            <a:headEnd type="none" w="med" len="med"/>
-            <a:tailEnd type="arrow" w="med" len="med"/>
-          </a:ln>
-        </p:spPr>
-        <p:style>
-          <a:lnRef idx="2">
-            <a:schemeClr val="dk1"/>
-          </a:lnRef>
-          <a:fillRef idx="1">
-            <a:schemeClr val="lt1"/>
-          </a:fillRef>
-          <a:effectRef idx="0">
-            <a:schemeClr val="dk1"/>
-          </a:effectRef>
-          <a:fontRef idx="minor">
-            <a:schemeClr val="dk1"/>
-          </a:fontRef>
-        </p:style>
-      </p:cxnSp>
-      <p:cxnSp>
-        <p:nvCxnSpPr>
-          <p:cNvPr id="18" name="Straight Arrow Connector 17">
-            <a:extLst>
-              <a:ext uri="{FF2B5EF4-FFF2-40B4-BE49-F238E27FC236}">
-                <a16:creationId xmlns:a16="http://schemas.microsoft.com/office/drawing/2014/main" id="{EC1399AA-905C-4FB5-969F-771E8A09CEC0}"/>
-              </a:ext>
-            </a:extLst>
-          </p:cNvPr>
-          <p:cNvCxnSpPr>
-            <a:stCxn id="66" idx="3"/>
-            <a:endCxn id="41" idx="2"/>
-          </p:cNvCxnSpPr>
-          <p:nvPr/>
-        </p:nvCxnSpPr>
-        <p:spPr>
-          <a:xfrm>
-            <a:off x="7472361" y="7094525"/>
-            <a:ext cx="1703442" cy="0"/>
-          </a:xfrm>
-          <a:prstGeom prst="straightConnector1">
-            <a:avLst/>
-          </a:prstGeom>
-          <a:ln w="38100">
-            <a:headEnd type="none" w="med" len="med"/>
-            <a:tailEnd type="arrow" w="med" len="med"/>
-          </a:ln>
-        </p:spPr>
-        <p:style>
-          <a:lnRef idx="2">
-            <a:schemeClr val="dk1"/>
-          </a:lnRef>
-          <a:fillRef idx="1">
-            <a:schemeClr val="lt1"/>
-          </a:fillRef>
-          <a:effectRef idx="0">
-            <a:schemeClr val="dk1"/>
-          </a:effectRef>
-          <a:fontRef idx="minor">
-            <a:schemeClr val="dk1"/>
-          </a:fontRef>
-        </p:style>
-      </p:cxnSp>
-      <p:cxnSp>
-        <p:nvCxnSpPr>
-          <p:cNvPr id="21" name="Straight Arrow Connector 20">
-            <a:extLst>
-              <a:ext uri="{FF2B5EF4-FFF2-40B4-BE49-F238E27FC236}">
-                <a16:creationId xmlns:a16="http://schemas.microsoft.com/office/drawing/2014/main" id="{7499E9E6-4C4C-440F-B11A-65FFEF332D80}"/>
-              </a:ext>
-            </a:extLst>
-          </p:cNvPr>
-          <p:cNvCxnSpPr>
-            <a:stCxn id="41" idx="1"/>
-            <a:endCxn id="42" idx="0"/>
-          </p:cNvCxnSpPr>
-          <p:nvPr/>
-        </p:nvCxnSpPr>
-        <p:spPr>
-          <a:xfrm>
-            <a:off x="10099728" y="7476907"/>
-            <a:ext cx="2" cy="948463"/>
-          </a:xfrm>
-          <a:prstGeom prst="straightConnector1">
-            <a:avLst/>
-          </a:prstGeom>
-          <a:ln w="38100">
-            <a:headEnd type="none" w="med" len="med"/>
-            <a:tailEnd type="arrow" w="med" len="med"/>
-          </a:ln>
-        </p:spPr>
-        <p:style>
-          <a:lnRef idx="2">
-            <a:schemeClr val="dk1"/>
-          </a:lnRef>
-          <a:fillRef idx="1">
-            <a:schemeClr val="lt1"/>
-          </a:fillRef>
-          <a:effectRef idx="0">
-            <a:schemeClr val="dk1"/>
-          </a:effectRef>
-          <a:fontRef idx="minor">
-            <a:schemeClr val="dk1"/>
-          </a:fontRef>
-        </p:style>
-      </p:cxnSp>
-      <p:cxnSp>
-        <p:nvCxnSpPr>
-          <p:cNvPr id="27" name="Straight Arrow Connector 26">
-            <a:extLst>
-              <a:ext uri="{FF2B5EF4-FFF2-40B4-BE49-F238E27FC236}">
-                <a16:creationId xmlns:a16="http://schemas.microsoft.com/office/drawing/2014/main" id="{E63F634E-27B6-4536-953C-CCEF391B615E}"/>
-              </a:ext>
-            </a:extLst>
-          </p:cNvPr>
-          <p:cNvCxnSpPr>
-            <a:stCxn id="42" idx="2"/>
-            <a:endCxn id="44" idx="0"/>
-          </p:cNvCxnSpPr>
-          <p:nvPr/>
-        </p:nvCxnSpPr>
-        <p:spPr>
-          <a:xfrm>
-            <a:off x="10099730" y="9190134"/>
-            <a:ext cx="0" cy="751910"/>
-          </a:xfrm>
-          <a:prstGeom prst="straightConnector1">
-            <a:avLst/>
-          </a:prstGeom>
-          <a:ln w="38100">
-            <a:prstDash val="dash"/>
-            <a:headEnd type="none" w="med" len="med"/>
-            <a:tailEnd type="arrow" w="med" len="med"/>
-          </a:ln>
-        </p:spPr>
-        <p:style>
-          <a:lnRef idx="2">
-            <a:schemeClr val="dk1"/>
-          </a:lnRef>
-          <a:fillRef idx="1">
-            <a:schemeClr val="lt1"/>
-          </a:fillRef>
-          <a:effectRef idx="0">
-            <a:schemeClr val="dk1"/>
-          </a:effectRef>
-          <a:fontRef idx="minor">
-            <a:schemeClr val="dk1"/>
-          </a:fontRef>
-        </p:style>
-      </p:cxnSp>
-      <p:cxnSp>
-        <p:nvCxnSpPr>
-          <p:cNvPr id="29" name="Straight Arrow Connector 28">
-            <a:extLst>
-              <a:ext uri="{FF2B5EF4-FFF2-40B4-BE49-F238E27FC236}">
-                <a16:creationId xmlns:a16="http://schemas.microsoft.com/office/drawing/2014/main" id="{CE6982BC-3BED-4309-8043-4B9F2DB5684C}"/>
-              </a:ext>
-            </a:extLst>
-          </p:cNvPr>
-          <p:cNvCxnSpPr>
-            <a:stCxn id="44" idx="2"/>
-            <a:endCxn id="45" idx="3"/>
-          </p:cNvCxnSpPr>
-          <p:nvPr/>
-        </p:nvCxnSpPr>
-        <p:spPr>
-          <a:xfrm flipH="1">
-            <a:off x="10099727" y="10972800"/>
-            <a:ext cx="3" cy="626785"/>
-          </a:xfrm>
-          <a:prstGeom prst="straightConnector1">
-            <a:avLst/>
-          </a:prstGeom>
-          <a:ln w="38100">
-            <a:headEnd type="none" w="med" len="med"/>
-            <a:tailEnd type="arrow" w="med" len="med"/>
-          </a:ln>
-        </p:spPr>
-        <p:style>
-          <a:lnRef idx="2">
-            <a:schemeClr val="dk1"/>
-          </a:lnRef>
-          <a:fillRef idx="1">
-            <a:schemeClr val="lt1"/>
-          </a:fillRef>
-          <a:effectRef idx="0">
-            <a:schemeClr val="dk1"/>
-          </a:effectRef>
-          <a:fontRef idx="minor">
-            <a:schemeClr val="dk1"/>
-          </a:fontRef>
-        </p:style>
-      </p:cxnSp>
-      <p:cxnSp>
-        <p:nvCxnSpPr>
-          <p:cNvPr id="32" name="Straight Arrow Connector 31">
-            <a:extLst>
-              <a:ext uri="{FF2B5EF4-FFF2-40B4-BE49-F238E27FC236}">
-                <a16:creationId xmlns:a16="http://schemas.microsoft.com/office/drawing/2014/main" id="{368C6E3A-8C9C-49A5-BCC8-9356991B00ED}"/>
-              </a:ext>
-            </a:extLst>
-          </p:cNvPr>
-          <p:cNvCxnSpPr>
-            <a:cxnSpLocks/>
-            <a:stCxn id="45" idx="2"/>
-            <a:endCxn id="46" idx="3"/>
-          </p:cNvCxnSpPr>
-          <p:nvPr/>
-        </p:nvCxnSpPr>
-        <p:spPr>
-          <a:xfrm flipH="1">
-            <a:off x="7472360" y="11981967"/>
-            <a:ext cx="1703442" cy="2419"/>
-          </a:xfrm>
-          <a:prstGeom prst="straightConnector1">
-            <a:avLst/>
-          </a:prstGeom>
-          <a:ln w="38100">
-            <a:headEnd type="none" w="med" len="med"/>
-            <a:tailEnd type="arrow" w="med" len="med"/>
-          </a:ln>
-        </p:spPr>
-        <p:style>
-          <a:lnRef idx="2">
-            <a:schemeClr val="dk1"/>
-          </a:lnRef>
-          <a:fillRef idx="1">
-            <a:schemeClr val="lt1"/>
-          </a:fillRef>
-          <a:effectRef idx="0">
-            <a:schemeClr val="dk1"/>
-          </a:effectRef>
-          <a:fontRef idx="minor">
-            <a:schemeClr val="dk1"/>
-          </a:fontRef>
-        </p:style>
-      </p:cxnSp>
-      <p:cxnSp>
-        <p:nvCxnSpPr>
-          <p:cNvPr id="35" name="Straight Arrow Connector 34">
-            <a:extLst>
-              <a:ext uri="{FF2B5EF4-FFF2-40B4-BE49-F238E27FC236}">
-                <a16:creationId xmlns:a16="http://schemas.microsoft.com/office/drawing/2014/main" id="{40655B27-374F-4075-B0A6-D2802948CB5F}"/>
-              </a:ext>
-            </a:extLst>
-          </p:cNvPr>
-          <p:cNvCxnSpPr>
-            <a:stCxn id="46" idx="0"/>
-          </p:cNvCxnSpPr>
-          <p:nvPr/>
-        </p:nvCxnSpPr>
-        <p:spPr>
-          <a:xfrm flipH="1" flipV="1">
-            <a:off x="6710360" y="7667988"/>
-            <a:ext cx="1" cy="3742935"/>
-          </a:xfrm>
-          <a:prstGeom prst="straightConnector1">
-            <a:avLst/>
-          </a:prstGeom>
-          <a:ln w="38100">
-            <a:prstDash val="dash"/>
-            <a:headEnd type="none" w="med" len="med"/>
-            <a:tailEnd type="arrow" w="med" len="med"/>
-          </a:ln>
-        </p:spPr>
-        <p:style>
-          <a:lnRef idx="2">
-            <a:schemeClr val="dk1"/>
-          </a:lnRef>
-          <a:fillRef idx="1">
-            <a:schemeClr val="lt1"/>
-          </a:fillRef>
-          <a:effectRef idx="0">
-            <a:schemeClr val="dk1"/>
-          </a:effectRef>
-          <a:fontRef idx="minor">
-            <a:schemeClr val="dk1"/>
-          </a:fontRef>
-        </p:style>
-      </p:cxnSp>
-      <p:cxnSp>
-        <p:nvCxnSpPr>
-          <p:cNvPr id="69" name="Straight Arrow Connector 68">
-            <a:extLst>
-              <a:ext uri="{FF2B5EF4-FFF2-40B4-BE49-F238E27FC236}">
-                <a16:creationId xmlns:a16="http://schemas.microsoft.com/office/drawing/2014/main" id="{174EAA98-A7DF-44A5-B4EC-E15A5B8CFD7A}"/>
-              </a:ext>
-            </a:extLst>
-          </p:cNvPr>
-          <p:cNvCxnSpPr>
-            <a:stCxn id="57" idx="3"/>
-            <a:endCxn id="46" idx="2"/>
-          </p:cNvCxnSpPr>
-          <p:nvPr/>
-        </p:nvCxnSpPr>
-        <p:spPr>
-          <a:xfrm flipV="1">
-            <a:off x="6710361" y="12557849"/>
-            <a:ext cx="0" cy="1020696"/>
-          </a:xfrm>
-          <a:prstGeom prst="straightConnector1">
-            <a:avLst/>
-          </a:prstGeom>
-          <a:ln w="38100">
-            <a:headEnd type="none" w="med" len="med"/>
-            <a:tailEnd type="arrow" w="med" len="med"/>
-          </a:ln>
-        </p:spPr>
-        <p:style>
-          <a:lnRef idx="2">
-            <a:schemeClr val="dk1"/>
-          </a:lnRef>
-          <a:fillRef idx="1">
-            <a:schemeClr val="lt1"/>
-          </a:fillRef>
-          <a:effectRef idx="0">
-            <a:schemeClr val="dk1"/>
-          </a:effectRef>
-          <a:fontRef idx="minor">
-            <a:schemeClr val="dk1"/>
-          </a:fontRef>
-        </p:style>
-      </p:cxnSp>
-      <p:cxnSp>
-        <p:nvCxnSpPr>
-          <p:cNvPr id="73" name="Straight Arrow Connector 72">
-            <a:extLst>
-              <a:ext uri="{FF2B5EF4-FFF2-40B4-BE49-F238E27FC236}">
-                <a16:creationId xmlns:a16="http://schemas.microsoft.com/office/drawing/2014/main" id="{D6769176-397B-4617-8C08-730CBD7B78F6}"/>
-              </a:ext>
-            </a:extLst>
-          </p:cNvPr>
-          <p:cNvCxnSpPr>
-            <a:stCxn id="59" idx="3"/>
-            <a:endCxn id="47" idx="2"/>
-          </p:cNvCxnSpPr>
-          <p:nvPr/>
-        </p:nvCxnSpPr>
-        <p:spPr>
-          <a:xfrm flipH="1" flipV="1">
-            <a:off x="2833388" y="12653546"/>
-            <a:ext cx="1326" cy="924999"/>
-          </a:xfrm>
-          <a:prstGeom prst="straightConnector1">
-            <a:avLst/>
-          </a:prstGeom>
-          <a:ln w="38100">
-            <a:headEnd type="none" w="med" len="med"/>
-            <a:tailEnd type="arrow" w="med" len="med"/>
-          </a:ln>
-        </p:spPr>
-        <p:style>
-          <a:lnRef idx="2">
-            <a:schemeClr val="dk1"/>
-          </a:lnRef>
-          <a:fillRef idx="1">
-            <a:schemeClr val="lt1"/>
-          </a:fillRef>
-          <a:effectRef idx="0">
-            <a:schemeClr val="dk1"/>
-          </a:effectRef>
-          <a:fontRef idx="minor">
-            <a:schemeClr val="dk1"/>
-          </a:fontRef>
-        </p:style>
-      </p:cxnSp>
-      <p:cxnSp>
-        <p:nvCxnSpPr>
-          <p:cNvPr id="79" name="Straight Arrow Connector 78">
-            <a:extLst>
-              <a:ext uri="{FF2B5EF4-FFF2-40B4-BE49-F238E27FC236}">
-                <a16:creationId xmlns:a16="http://schemas.microsoft.com/office/drawing/2014/main" id="{7450ABAA-5FB2-434D-84AA-459D9D4530B5}"/>
-              </a:ext>
-            </a:extLst>
-          </p:cNvPr>
-          <p:cNvCxnSpPr>
-            <a:cxnSpLocks/>
-            <a:stCxn id="53" idx="0"/>
-            <a:endCxn id="57" idx="1"/>
-          </p:cNvCxnSpPr>
-          <p:nvPr/>
-        </p:nvCxnSpPr>
-        <p:spPr>
-          <a:xfrm flipV="1">
-            <a:off x="4740294" y="14343309"/>
-            <a:ext cx="1970067" cy="1142708"/>
-          </a:xfrm>
-          <a:prstGeom prst="straightConnector1">
-            <a:avLst/>
-          </a:prstGeom>
-          <a:ln w="38100">
-            <a:headEnd type="none" w="med" len="med"/>
-            <a:tailEnd type="arrow" w="med" len="med"/>
-          </a:ln>
-        </p:spPr>
-        <p:style>
-          <a:lnRef idx="2">
-            <a:schemeClr val="dk1"/>
-          </a:lnRef>
-          <a:fillRef idx="1">
-            <a:schemeClr val="lt1"/>
-          </a:fillRef>
-          <a:effectRef idx="0">
-            <a:schemeClr val="dk1"/>
-          </a:effectRef>
-          <a:fontRef idx="minor">
-            <a:schemeClr val="dk1"/>
-          </a:fontRef>
-        </p:style>
-      </p:cxnSp>
-      <p:cxnSp>
-        <p:nvCxnSpPr>
-          <p:cNvPr id="82" name="Straight Arrow Connector 81">
-            <a:extLst>
-              <a:ext uri="{FF2B5EF4-FFF2-40B4-BE49-F238E27FC236}">
-                <a16:creationId xmlns:a16="http://schemas.microsoft.com/office/drawing/2014/main" id="{16550607-1CD4-40CC-9C38-B9E8A689B335}"/>
-              </a:ext>
-            </a:extLst>
-          </p:cNvPr>
-          <p:cNvCxnSpPr>
-            <a:stCxn id="53" idx="0"/>
-            <a:endCxn id="59" idx="1"/>
-          </p:cNvCxnSpPr>
-          <p:nvPr/>
-        </p:nvCxnSpPr>
-        <p:spPr>
-          <a:xfrm flipH="1" flipV="1">
-            <a:off x="2834714" y="14343309"/>
-            <a:ext cx="1905580" cy="1142708"/>
-          </a:xfrm>
-          <a:prstGeom prst="straightConnector1">
-            <a:avLst/>
-          </a:prstGeom>
-          <a:ln w="38100">
-            <a:headEnd type="none" w="med" len="med"/>
-            <a:tailEnd type="arrow" w="med" len="med"/>
-          </a:ln>
-        </p:spPr>
-        <p:style>
-          <a:lnRef idx="2">
-            <a:schemeClr val="dk1"/>
-          </a:lnRef>
-          <a:fillRef idx="1">
-            <a:schemeClr val="lt1"/>
-          </a:fillRef>
-          <a:effectRef idx="0">
-            <a:schemeClr val="dk1"/>
-          </a:effectRef>
-          <a:fontRef idx="minor">
-            <a:schemeClr val="dk1"/>
-          </a:fontRef>
-        </p:style>
-      </p:cxnSp>
-      <p:cxnSp>
-        <p:nvCxnSpPr>
-          <p:cNvPr id="84" name="Straight Arrow Connector 83">
-            <a:extLst>
-              <a:ext uri="{FF2B5EF4-FFF2-40B4-BE49-F238E27FC236}">
-                <a16:creationId xmlns:a16="http://schemas.microsoft.com/office/drawing/2014/main" id="{C856EFAE-0301-4838-AED6-CA6E0E47BC64}"/>
-              </a:ext>
-            </a:extLst>
-          </p:cNvPr>
-          <p:cNvCxnSpPr>
-            <a:stCxn id="53" idx="3"/>
-            <a:endCxn id="67" idx="2"/>
-          </p:cNvCxnSpPr>
-          <p:nvPr/>
-        </p:nvCxnSpPr>
-        <p:spPr>
-          <a:xfrm flipV="1">
-            <a:off x="5502293" y="15856749"/>
-            <a:ext cx="3673511" cy="11650"/>
-          </a:xfrm>
-          <a:prstGeom prst="straightConnector1">
-            <a:avLst/>
-          </a:prstGeom>
-          <a:ln w="38100">
-            <a:headEnd type="none" w="med" len="med"/>
-            <a:tailEnd type="arrow" w="med" len="med"/>
-          </a:ln>
-        </p:spPr>
-        <p:style>
-          <a:lnRef idx="2">
-            <a:schemeClr val="dk1"/>
-          </a:lnRef>
-          <a:fillRef idx="1">
-            <a:schemeClr val="lt1"/>
-          </a:fillRef>
-          <a:effectRef idx="0">
-            <a:schemeClr val="dk1"/>
-          </a:effectRef>
-          <a:fontRef idx="minor">
-            <a:schemeClr val="dk1"/>
-          </a:fontRef>
-        </p:style>
-      </p:cxnSp>
-      <p:cxnSp>
-        <p:nvCxnSpPr>
-          <p:cNvPr id="86" name="Straight Arrow Connector 85">
-            <a:extLst>
-              <a:ext uri="{FF2B5EF4-FFF2-40B4-BE49-F238E27FC236}">
-                <a16:creationId xmlns:a16="http://schemas.microsoft.com/office/drawing/2014/main" id="{708A31DF-7CA6-4338-90FB-40C215369166}"/>
-              </a:ext>
-            </a:extLst>
-          </p:cNvPr>
-          <p:cNvCxnSpPr>
-            <a:cxnSpLocks/>
-            <a:stCxn id="67" idx="1"/>
-          </p:cNvCxnSpPr>
-          <p:nvPr/>
-        </p:nvCxnSpPr>
-        <p:spPr>
-          <a:xfrm flipH="1">
-            <a:off x="10099727" y="16239131"/>
-            <a:ext cx="2" cy="948463"/>
-          </a:xfrm>
-          <a:prstGeom prst="straightConnector1">
-            <a:avLst/>
-          </a:prstGeom>
-          <a:ln w="38100">
-            <a:headEnd type="none" w="med" len="med"/>
-            <a:tailEnd type="arrow" w="med" len="med"/>
-          </a:ln>
-        </p:spPr>
-        <p:style>
-          <a:lnRef idx="2">
-            <a:schemeClr val="dk1"/>
-          </a:lnRef>
-          <a:fillRef idx="1">
-            <a:schemeClr val="lt1"/>
-          </a:fillRef>
-          <a:effectRef idx="0">
-            <a:schemeClr val="dk1"/>
-          </a:effectRef>
-          <a:fontRef idx="minor">
-            <a:schemeClr val="dk1"/>
-          </a:fontRef>
-        </p:style>
-      </p:cxnSp>
-      <p:cxnSp>
-        <p:nvCxnSpPr>
-          <p:cNvPr id="89" name="Connector: Curved 88">
-            <a:extLst>
-              <a:ext uri="{FF2B5EF4-FFF2-40B4-BE49-F238E27FC236}">
-                <a16:creationId xmlns:a16="http://schemas.microsoft.com/office/drawing/2014/main" id="{FAF07E5D-1356-47FE-9C28-06CF8BDE93C6}"/>
-              </a:ext>
-            </a:extLst>
-          </p:cNvPr>
-          <p:cNvCxnSpPr>
-            <a:cxnSpLocks/>
-            <a:stCxn id="46" idx="1"/>
-            <a:endCxn id="46" idx="0"/>
-          </p:cNvCxnSpPr>
-          <p:nvPr/>
-        </p:nvCxnSpPr>
-        <p:spPr>
-          <a:xfrm rot="10800000" flipH="1">
-            <a:off x="5948361" y="11410924"/>
-            <a:ext cx="761999" cy="573463"/>
-          </a:xfrm>
-          <a:prstGeom prst="curvedConnector4">
-            <a:avLst>
-              <a:gd name="adj1" fmla="val -64737"/>
-              <a:gd name="adj2" fmla="val 198609"/>
-            </a:avLst>
-          </a:prstGeom>
-          <a:ln w="38100">
-            <a:prstDash val="dash"/>
-            <a:headEnd type="none" w="med" len="med"/>
-            <a:tailEnd type="arrow" w="med" len="med"/>
-          </a:ln>
-        </p:spPr>
-        <p:style>
-          <a:lnRef idx="2">
-            <a:schemeClr val="dk1"/>
-          </a:lnRef>
-          <a:fillRef idx="1">
-            <a:schemeClr val="lt1"/>
-          </a:fillRef>
-          <a:effectRef idx="0">
-            <a:schemeClr val="dk1"/>
-          </a:effectRef>
-          <a:fontRef idx="minor">
-            <a:schemeClr val="dk1"/>
-          </a:fontRef>
-        </p:style>
-      </p:cxnSp>
-      <p:cxnSp>
-        <p:nvCxnSpPr>
-          <p:cNvPr id="92" name="Connector: Curved 91">
-            <a:extLst>
-              <a:ext uri="{FF2B5EF4-FFF2-40B4-BE49-F238E27FC236}">
-                <a16:creationId xmlns:a16="http://schemas.microsoft.com/office/drawing/2014/main" id="{32C2C2AC-4E9C-4C02-A634-DF607BD81B66}"/>
-              </a:ext>
-            </a:extLst>
-          </p:cNvPr>
-          <p:cNvCxnSpPr>
-            <a:stCxn id="64" idx="2"/>
-            <a:endCxn id="64" idx="1"/>
-          </p:cNvCxnSpPr>
-          <p:nvPr/>
-        </p:nvCxnSpPr>
-        <p:spPr>
-          <a:xfrm rot="5400000" flipH="1">
-            <a:off x="1589337" y="6748905"/>
-            <a:ext cx="382382" cy="761999"/>
-          </a:xfrm>
-          <a:prstGeom prst="curvedConnector4">
-            <a:avLst>
-              <a:gd name="adj1" fmla="val -141592"/>
-              <a:gd name="adj2" fmla="val 164737"/>
-            </a:avLst>
-          </a:prstGeom>
-          <a:ln w="38100">
-            <a:prstDash val="dash"/>
-            <a:headEnd type="none" w="med" len="med"/>
-            <a:tailEnd type="arrow" w="med" len="med"/>
-          </a:ln>
-        </p:spPr>
-        <p:style>
-          <a:lnRef idx="2">
-            <a:schemeClr val="dk1"/>
-          </a:lnRef>
-          <a:fillRef idx="1">
-            <a:schemeClr val="lt1"/>
-          </a:fillRef>
-          <a:effectRef idx="0">
-            <a:schemeClr val="dk1"/>
-          </a:effectRef>
-          <a:fontRef idx="minor">
-            <a:schemeClr val="dk1"/>
-          </a:fontRef>
-        </p:style>
-      </p:cxnSp>
-      <p:cxnSp>
-        <p:nvCxnSpPr>
-          <p:cNvPr id="94" name="Connector: Curved 93">
-            <a:extLst>
-              <a:ext uri="{FF2B5EF4-FFF2-40B4-BE49-F238E27FC236}">
-                <a16:creationId xmlns:a16="http://schemas.microsoft.com/office/drawing/2014/main" id="{1F305137-151C-4453-8D7A-D8EB37FAD6D6}"/>
-              </a:ext>
-            </a:extLst>
-          </p:cNvPr>
-          <p:cNvCxnSpPr>
-            <a:stCxn id="56" idx="3"/>
-            <a:endCxn id="56" idx="2"/>
-          </p:cNvCxnSpPr>
-          <p:nvPr/>
-        </p:nvCxnSpPr>
-        <p:spPr>
-          <a:xfrm flipH="1">
-            <a:off x="10139904" y="17552412"/>
-            <a:ext cx="761999" cy="382382"/>
-          </a:xfrm>
-          <a:prstGeom prst="curvedConnector4">
-            <a:avLst>
-              <a:gd name="adj1" fmla="val -74211"/>
-              <a:gd name="adj2" fmla="val 229006"/>
-            </a:avLst>
-          </a:prstGeom>
-          <a:ln w="38100">
-            <a:prstDash val="dash"/>
-            <a:headEnd type="none" w="med" len="med"/>
-            <a:tailEnd type="arrow" w="med" len="med"/>
-          </a:ln>
-        </p:spPr>
-        <p:style>
-          <a:lnRef idx="2">
-            <a:schemeClr val="dk1"/>
-          </a:lnRef>
-          <a:fillRef idx="1">
-            <a:schemeClr val="lt1"/>
-          </a:fillRef>
-          <a:effectRef idx="0">
-            <a:schemeClr val="dk1"/>
-          </a:effectRef>
-          <a:fontRef idx="minor">
-            <a:schemeClr val="dk1"/>
-          </a:fontRef>
-        </p:style>
-      </p:cxnSp>
-      <p:sp>
-        <p:nvSpPr>
-          <p:cNvPr id="107" name="TextBox 106">
-            <a:extLst>
-              <a:ext uri="{FF2B5EF4-FFF2-40B4-BE49-F238E27FC236}">
-                <a16:creationId xmlns:a16="http://schemas.microsoft.com/office/drawing/2014/main" id="{761F6318-A1AE-461D-9822-87BBD89CB1A4}"/>
-              </a:ext>
-            </a:extLst>
-          </p:cNvPr>
-          <p:cNvSpPr txBox="1"/>
-          <p:nvPr/>
-        </p:nvSpPr>
-        <p:spPr>
-          <a:xfrm>
-            <a:off x="7903493" y="6725193"/>
-            <a:ext cx="808235" cy="369332"/>
-          </a:xfrm>
-          <a:prstGeom prst="rect">
-            <a:avLst/>
-          </a:prstGeom>
-          <a:noFill/>
-        </p:spPr>
-        <p:txBody>
-          <a:bodyPr wrap="none" rtlCol="0">
-            <a:spAutoFit/>
-          </a:bodyPr>
-          <a:lstStyle/>
-          <a:p>
-            <a:r>
-              <a:rPr lang="en-US" dirty="0"/>
-              <a:t>Spawn</a:t>
-            </a:r>
-          </a:p>
-        </p:txBody>
-      </p:sp>
-      <p:sp>
-        <p:nvSpPr>
-          <p:cNvPr id="109" name="TextBox 108">
-            <a:extLst>
-              <a:ext uri="{FF2B5EF4-FFF2-40B4-BE49-F238E27FC236}">
-                <a16:creationId xmlns:a16="http://schemas.microsoft.com/office/drawing/2014/main" id="{AD286CA4-0257-4B6B-B9D8-776139C73892}"/>
-              </a:ext>
-            </a:extLst>
-          </p:cNvPr>
-          <p:cNvSpPr txBox="1"/>
-          <p:nvPr/>
-        </p:nvSpPr>
-        <p:spPr>
-          <a:xfrm>
-            <a:off x="6933986" y="9137567"/>
-            <a:ext cx="1564916" cy="369332"/>
-          </a:xfrm>
-          <a:prstGeom prst="rect">
-            <a:avLst/>
-          </a:prstGeom>
-          <a:noFill/>
-        </p:spPr>
-        <p:txBody>
-          <a:bodyPr wrap="none" rtlCol="0">
-            <a:spAutoFit/>
-          </a:bodyPr>
-          <a:lstStyle/>
-          <a:p>
-            <a:r>
-              <a:rPr lang="en-US" dirty="0"/>
-              <a:t>Player location</a:t>
-            </a:r>
-          </a:p>
-        </p:txBody>
-      </p:sp>
-      <p:sp>
-        <p:nvSpPr>
-          <p:cNvPr id="110" name="TextBox 109">
-            <a:extLst>
-              <a:ext uri="{FF2B5EF4-FFF2-40B4-BE49-F238E27FC236}">
-                <a16:creationId xmlns:a16="http://schemas.microsoft.com/office/drawing/2014/main" id="{073C9E4E-DBC5-4DDE-AD8E-E8D6C0E8A331}"/>
-              </a:ext>
-            </a:extLst>
-          </p:cNvPr>
-          <p:cNvSpPr txBox="1"/>
-          <p:nvPr/>
-        </p:nvSpPr>
-        <p:spPr>
-          <a:xfrm>
-            <a:off x="10139904" y="9363972"/>
-            <a:ext cx="1253485" cy="369332"/>
-          </a:xfrm>
-          <a:prstGeom prst="rect">
-            <a:avLst/>
-          </a:prstGeom>
-          <a:noFill/>
-        </p:spPr>
-        <p:txBody>
-          <a:bodyPr wrap="none" rtlCol="0">
-            <a:spAutoFit/>
-          </a:bodyPr>
-          <a:lstStyle/>
-          <a:p>
-            <a:r>
-              <a:rPr lang="en-US" dirty="0"/>
-              <a:t>Game state</a:t>
-            </a:r>
-          </a:p>
-        </p:txBody>
-      </p:sp>
-      <p:sp>
-        <p:nvSpPr>
-          <p:cNvPr id="111" name="TextBox 110">
-            <a:extLst>
-              <a:ext uri="{FF2B5EF4-FFF2-40B4-BE49-F238E27FC236}">
-                <a16:creationId xmlns:a16="http://schemas.microsoft.com/office/drawing/2014/main" id="{4CB07D9E-1FEF-4C89-8D3C-340838DCB10C}"/>
-              </a:ext>
-            </a:extLst>
-          </p:cNvPr>
-          <p:cNvSpPr txBox="1"/>
-          <p:nvPr/>
-        </p:nvSpPr>
-        <p:spPr>
-          <a:xfrm>
-            <a:off x="682501" y="7876762"/>
-            <a:ext cx="1997278" cy="369332"/>
-          </a:xfrm>
-          <a:prstGeom prst="rect">
-            <a:avLst/>
-          </a:prstGeom>
-          <a:noFill/>
-        </p:spPr>
-        <p:txBody>
-          <a:bodyPr wrap="none" rtlCol="0">
-            <a:spAutoFit/>
-          </a:bodyPr>
-          <a:lstStyle/>
-          <a:p>
-            <a:r>
-              <a:rPr lang="en-US" dirty="0"/>
-              <a:t>Every 1/60 seconds</a:t>
-            </a:r>
-          </a:p>
-        </p:txBody>
-      </p:sp>
-      <p:sp>
-        <p:nvSpPr>
-          <p:cNvPr id="119" name="TextBox 118">
-            <a:extLst>
-              <a:ext uri="{FF2B5EF4-FFF2-40B4-BE49-F238E27FC236}">
-                <a16:creationId xmlns:a16="http://schemas.microsoft.com/office/drawing/2014/main" id="{EDE7986E-F6BB-491D-9021-FFB5F542CD08}"/>
-              </a:ext>
-            </a:extLst>
-          </p:cNvPr>
-          <p:cNvSpPr txBox="1"/>
-          <p:nvPr/>
-        </p:nvSpPr>
-        <p:spPr>
-          <a:xfrm>
-            <a:off x="4264171" y="10476411"/>
-            <a:ext cx="1997278" cy="369332"/>
-          </a:xfrm>
-          <a:prstGeom prst="rect">
-            <a:avLst/>
-          </a:prstGeom>
-          <a:noFill/>
-        </p:spPr>
-        <p:txBody>
-          <a:bodyPr wrap="none" rtlCol="0">
-            <a:spAutoFit/>
-          </a:bodyPr>
-          <a:lstStyle/>
-          <a:p>
-            <a:r>
-              <a:rPr lang="en-US" dirty="0"/>
-              <a:t>Every 1/60 seconds</a:t>
-            </a:r>
-          </a:p>
-        </p:txBody>
-      </p:sp>
-      <p:sp>
-        <p:nvSpPr>
-          <p:cNvPr id="116" name="TextBox 115">
-            <a:extLst>
-              <a:ext uri="{FF2B5EF4-FFF2-40B4-BE49-F238E27FC236}">
-                <a16:creationId xmlns:a16="http://schemas.microsoft.com/office/drawing/2014/main" id="{90796148-4576-47AE-88E0-858E454CF57C}"/>
-              </a:ext>
-            </a:extLst>
-          </p:cNvPr>
-          <p:cNvSpPr txBox="1"/>
-          <p:nvPr/>
-        </p:nvSpPr>
-        <p:spPr>
-          <a:xfrm>
-            <a:off x="514350" y="21526500"/>
-            <a:ext cx="3924279" cy="369332"/>
-          </a:xfrm>
-          <a:prstGeom prst="rect">
-            <a:avLst/>
-          </a:prstGeom>
-          <a:noFill/>
-        </p:spPr>
-        <p:txBody>
-          <a:bodyPr wrap="none" rtlCol="0">
-            <a:spAutoFit/>
-          </a:bodyPr>
-          <a:lstStyle/>
-          <a:p>
-            <a:r>
-              <a:rPr lang="en-US" dirty="0" err="1"/>
-              <a:t>Vigneet</a:t>
-            </a:r>
-            <a:r>
-              <a:rPr lang="en-US" dirty="0"/>
-              <a:t> </a:t>
-            </a:r>
-            <a:r>
-              <a:rPr lang="en-US" dirty="0" err="1"/>
-              <a:t>Somura</a:t>
-            </a:r>
-            <a:r>
-              <a:rPr lang="en-US" dirty="0"/>
-              <a:t>, Ankit Soni, Varun Patni</a:t>
+              <a:t>Technical Difficulties </a:t>
             </a:r>
           </a:p>
         </p:txBody>
